--- a/Workshop6.pptx
+++ b/Workshop6.pptx
@@ -5,7 +5,7 @@
     <p:sldMasterId id="2147483648" r:id="rId1"/>
   </p:sldMasterIdLst>
   <p:notesMasterIdLst>
-    <p:NotesMasterId r:id="rId45"/>
+    <p:NotesMasterId r:id="rId46"/>
   </p:notesMasterIdLst>
   <p:sldIdLst>
     <p:sldId id="256" r:id="rId2"/>
@@ -51,6 +51,7 @@
     <p:sldId id="296" r:id="rId42"/>
     <p:sldId id="297" r:id="rId43"/>
     <p:sldId id="298" r:id="rId44"/>
+    <p:sldId id="299" r:id="rId45"/>
   </p:sldIdLst>
   <p:sldSz cx="12192000" cy="6858000"/>
   <p:notesSz cx="6858000" cy="9144000"/>
@@ -770,7 +771,7 @@
           <a:p>
             <a:fld id="{18BDFEC3-8487-43E8-A154-7C12CBC1FFF2}" type="slidenum">
               <a:rPr lang="en-US"/>
-              <a:t>3</a:t>
+              <a:t>4</a:t>
             </a:fld>
             <a:endParaRPr lang="en-US"/>
           </a:p>
@@ -892,7 +893,7 @@
           <a:p>
             <a:fld id="{18BDFEC3-8487-43E8-A154-7C12CBC1FFF2}" type="slidenum">
               <a:rPr lang="en-US"/>
-              <a:t>37</a:t>
+              <a:t>38</a:t>
             </a:fld>
             <a:endParaRPr lang="en-US"/>
           </a:p>
@@ -990,7 +991,7 @@
           <a:p>
             <a:fld id="{18BDFEC3-8487-43E8-A154-7C12CBC1FFF2}" type="slidenum">
               <a:rPr lang="en-US"/>
-              <a:t>42</a:t>
+              <a:t>43</a:t>
             </a:fld>
             <a:endParaRPr lang="en-US"/>
           </a:p>
@@ -1216,7 +1217,7 @@
           <a:p>
             <a:fld id="{18BDFEC3-8487-43E8-A154-7C12CBC1FFF2}" type="slidenum">
               <a:rPr lang="en-US"/>
-              <a:t>6</a:t>
+              <a:t>7</a:t>
             </a:fld>
             <a:endParaRPr lang="en-US"/>
           </a:p>
@@ -1410,7 +1411,7 @@
           <a:p>
             <a:fld id="{18BDFEC3-8487-43E8-A154-7C12CBC1FFF2}" type="slidenum">
               <a:rPr lang="en-US"/>
-              <a:t>12</a:t>
+              <a:t>13</a:t>
             </a:fld>
             <a:endParaRPr lang="en-US"/>
           </a:p>
@@ -1540,7 +1541,7 @@
           <a:p>
             <a:fld id="{18BDFEC3-8487-43E8-A154-7C12CBC1FFF2}" type="slidenum">
               <a:rPr lang="en-US"/>
-              <a:t>13</a:t>
+              <a:t>14</a:t>
             </a:fld>
             <a:endParaRPr lang="en-US"/>
           </a:p>
@@ -1678,7 +1679,7 @@
           <a:p>
             <a:fld id="{18BDFEC3-8487-43E8-A154-7C12CBC1FFF2}" type="slidenum">
               <a:rPr lang="en-US"/>
-              <a:t>15</a:t>
+              <a:t>16</a:t>
             </a:fld>
             <a:endParaRPr lang="en-US"/>
           </a:p>
@@ -1904,7 +1905,7 @@
           <a:p>
             <a:fld id="{18BDFEC3-8487-43E8-A154-7C12CBC1FFF2}" type="slidenum">
               <a:rPr lang="en-US"/>
-              <a:t>17</a:t>
+              <a:t>18</a:t>
             </a:fld>
             <a:endParaRPr lang="en-US"/>
           </a:p>
@@ -2202,7 +2203,7 @@
           <a:p>
             <a:fld id="{18BDFEC3-8487-43E8-A154-7C12CBC1FFF2}" type="slidenum">
               <a:rPr lang="en-US"/>
-              <a:t>28</a:t>
+              <a:t>29</a:t>
             </a:fld>
             <a:endParaRPr lang="en-US"/>
           </a:p>
@@ -2556,7 +2557,7 @@
           <a:p>
             <a:fld id="{18BDFEC3-8487-43E8-A154-7C12CBC1FFF2}" type="slidenum">
               <a:rPr lang="en-US"/>
-              <a:t>32</a:t>
+              <a:t>33</a:t>
             </a:fld>
             <a:endParaRPr lang="en-US"/>
           </a:p>
@@ -2694,7 +2695,7 @@
           <a:p>
             <a:fld id="{18BDFEC3-8487-43E8-A154-7C12CBC1FFF2}" type="slidenum">
               <a:rPr lang="en-US"/>
-              <a:t>33</a:t>
+              <a:t>34</a:t>
             </a:fld>
             <a:endParaRPr lang="en-US"/>
           </a:p>
@@ -6024,6 +6025,126 @@
           <p:cNvPr id="2" name="Title 1">
             <a:extLst>
               <a:ext uri="{FF2B5EF4-FFF2-40B4-BE49-F238E27FC236}">
+                <a16:creationId xmlns:a16="http://schemas.microsoft.com/office/drawing/2014/main" id="{5567D468-EE70-CD4E-A3AC-039CC11EF1FB}"/>
+              </a:ext>
+            </a:extLst>
+          </p:cNvPr>
+          <p:cNvSpPr>
+            <a:spLocks noGrp="1"/>
+          </p:cNvSpPr>
+          <p:nvPr>
+            <p:ph type="title"/>
+          </p:nvPr>
+        </p:nvSpPr>
+        <p:spPr/>
+        <p:txBody>
+          <a:bodyPr/>
+          <a:lstStyle/>
+          <a:p>
+            <a:pPr lvl="0" marL="0" indent="0">
+              <a:buNone/>
+            </a:pPr>
+            <a:r>
+              <a:rPr/>
+              <a:t>Types</a:t>
+            </a:r>
+            <a:r>
+              <a:rPr/>
+              <a:t> </a:t>
+            </a:r>
+            <a:r>
+              <a:rPr/>
+              <a:t>of</a:t>
+            </a:r>
+            <a:r>
+              <a:rPr/>
+              <a:t> </a:t>
+            </a:r>
+            <a:r>
+              <a:rPr/>
+              <a:t>discrete</a:t>
+            </a:r>
+            <a:r>
+              <a:rPr/>
+              <a:t> </a:t>
+            </a:r>
+            <a:r>
+              <a:rPr/>
+              <a:t>variables</a:t>
+            </a:r>
+          </a:p>
+        </p:txBody>
+      </p:sp>
+      <p:sp>
+        <p:nvSpPr>
+          <p:cNvPr id="3" name="Content Placeholder 2">
+            <a:extLst>
+              <a:ext uri="{FF2B5EF4-FFF2-40B4-BE49-F238E27FC236}">
+                <a16:creationId xmlns:a16="http://schemas.microsoft.com/office/drawing/2014/main" id="{D10DDA37-E46B-B641-BC9F-636CB92A2C08}"/>
+              </a:ext>
+            </a:extLst>
+          </p:cNvPr>
+          <p:cNvSpPr>
+            <a:spLocks noGrp="1"/>
+          </p:cNvSpPr>
+          <p:nvPr>
+            <p:ph idx="1"/>
+          </p:nvPr>
+        </p:nvSpPr>
+        <p:spPr/>
+        <p:txBody>
+          <a:bodyPr/>
+          <a:lstStyle/>
+          <a:p>
+            <a:pPr lvl="1"/>
+            <a:r>
+              <a:rPr/>
+              <a:t>Nominal</a:t>
+            </a:r>
+          </a:p>
+          <a:p>
+            <a:pPr lvl="2"/>
+            <a:r>
+              <a:rPr/>
+              <a:t>e.g. hair colour, types of antibiotics</a:t>
+            </a:r>
+          </a:p>
+          <a:p>
+            <a:pPr lvl="2"/>
+            <a:r>
+              <a:rPr/>
+              <a:t>There is no order between the data types (e.g. blonde, brunette, red hair)</a:t>
+            </a:r>
+          </a:p>
+        </p:txBody>
+      </p:sp>
+    </p:spTree>
+  </p:cSld>
+</p:sld>
+</file>
+
+<file path=ppt/slides/slide11.xml><?xml version="1.0" encoding="utf-8"?>
+<p:sld xmlns:a="http://schemas.openxmlformats.org/drawingml/2006/main" xmlns:r="http://schemas.openxmlformats.org/officeDocument/2006/relationships" xmlns:p="http://schemas.openxmlformats.org/presentationml/2006/main">
+  <p:cSld>
+    <p:spTree>
+      <p:nvGrpSpPr>
+        <p:cNvPr id="1" name=""/>
+        <p:cNvGrpSpPr/>
+        <p:nvPr/>
+      </p:nvGrpSpPr>
+      <p:grpSpPr>
+        <a:xfrm>
+          <a:off x="0" y="0"/>
+          <a:ext cx="0" cy="0"/>
+          <a:chOff x="0" y="0"/>
+          <a:chExt cx="0" cy="0"/>
+        </a:xfrm>
+      </p:grpSpPr>
+      <p:sp>
+        <p:nvSpPr>
+          <p:cNvPr id="2" name="Title 1">
+            <a:extLst>
+              <a:ext uri="{FF2B5EF4-FFF2-40B4-BE49-F238E27FC236}">
                 <a16:creationId xmlns:a16="http://schemas.microsoft.com/office/drawing/2014/main" id="{0CF11FE2-61CD-2E40-A43A-EED9A845FF8A}"/>
               </a:ext>
             </a:extLst>
@@ -6162,7 +6283,7 @@
 </p:sld>
 </file>
 
-<file path=ppt/slides/slide11.xml><?xml version="1.0" encoding="utf-8"?>
+<file path=ppt/slides/slide12.xml><?xml version="1.0" encoding="utf-8"?>
 <p:sld xmlns:a="http://schemas.openxmlformats.org/drawingml/2006/main" xmlns:r="http://schemas.openxmlformats.org/officeDocument/2006/relationships" xmlns:p="http://schemas.openxmlformats.org/presentationml/2006/main">
   <p:cSld>
     <p:spTree>
@@ -6315,103 +6436,6 @@
 </p:sld>
 </file>
 
-<file path=ppt/slides/slide12.xml><?xml version="1.0" encoding="utf-8"?>
-<p:sld xmlns:a="http://schemas.openxmlformats.org/drawingml/2006/main" xmlns:r="http://schemas.openxmlformats.org/officeDocument/2006/relationships" xmlns:p="http://schemas.openxmlformats.org/presentationml/2006/main">
-  <p:cSld>
-    <p:spTree>
-      <p:nvGrpSpPr>
-        <p:cNvPr id="1" name=""/>
-        <p:cNvGrpSpPr/>
-        <p:nvPr/>
-      </p:nvGrpSpPr>
-      <p:grpSpPr>
-        <a:xfrm>
-          <a:off x="0" y="0"/>
-          <a:ext cx="0" cy="0"/>
-          <a:chOff x="0" y="0"/>
-          <a:chExt cx="0" cy="0"/>
-        </a:xfrm>
-      </p:grpSpPr>
-      <p:sp>
-        <p:nvSpPr>
-          <p:cNvPr id="2" name="Title 1">
-            <a:extLst>
-              <a:ext uri="{FF2B5EF4-FFF2-40B4-BE49-F238E27FC236}">
-                <a16:creationId xmlns:a16="http://schemas.microsoft.com/office/drawing/2014/main" id="{5567D468-EE70-CD4E-A3AC-039CC11EF1FB}"/>
-              </a:ext>
-            </a:extLst>
-          </p:cNvPr>
-          <p:cNvSpPr>
-            <a:spLocks noGrp="1"/>
-          </p:cNvSpPr>
-          <p:nvPr>
-            <p:ph type="title"/>
-          </p:nvPr>
-        </p:nvSpPr>
-        <p:spPr/>
-        <p:txBody>
-          <a:bodyPr/>
-          <a:lstStyle/>
-          <a:p>
-            <a:pPr lvl="0" marL="0" indent="0">
-              <a:buNone/>
-            </a:pPr>
-            <a:r>
-              <a:rPr/>
-              <a:t>Describing</a:t>
-            </a:r>
-            <a:r>
-              <a:rPr/>
-              <a:t> </a:t>
-            </a:r>
-            <a:r>
-              <a:rPr/>
-              <a:t>data</a:t>
-            </a:r>
-          </a:p>
-        </p:txBody>
-      </p:sp>
-      <p:sp>
-        <p:nvSpPr>
-          <p:cNvPr id="3" name="Content Placeholder 2">
-            <a:extLst>
-              <a:ext uri="{FF2B5EF4-FFF2-40B4-BE49-F238E27FC236}">
-                <a16:creationId xmlns:a16="http://schemas.microsoft.com/office/drawing/2014/main" id="{D10DDA37-E46B-B641-BC9F-636CB92A2C08}"/>
-              </a:ext>
-            </a:extLst>
-          </p:cNvPr>
-          <p:cNvSpPr>
-            <a:spLocks noGrp="1"/>
-          </p:cNvSpPr>
-          <p:nvPr>
-            <p:ph idx="1"/>
-          </p:nvPr>
-        </p:nvSpPr>
-        <p:spPr/>
-        <p:txBody>
-          <a:bodyPr/>
-          <a:lstStyle/>
-          <a:p>
-            <a:pPr lvl="1"/>
-            <a:r>
-              <a:rPr/>
-              <a:t>Continuous variables</a:t>
-            </a:r>
-          </a:p>
-          <a:p>
-            <a:pPr lvl="1"/>
-            <a:r>
-              <a:rPr/>
-              <a:t>Discrete variables</a:t>
-            </a:r>
-          </a:p>
-        </p:txBody>
-      </p:sp>
-    </p:spTree>
-  </p:cSld>
-</p:sld>
-</file>
-
 <file path=ppt/slides/slide13.xml><?xml version="1.0" encoding="utf-8"?>
 <p:sld xmlns:a="http://schemas.openxmlformats.org/drawingml/2006/main" xmlns:r="http://schemas.openxmlformats.org/officeDocument/2006/relationships" xmlns:p="http://schemas.openxmlformats.org/presentationml/2006/main">
   <p:cSld>
@@ -6434,6 +6458,103 @@
           <p:cNvPr id="2" name="Title 1">
             <a:extLst>
               <a:ext uri="{FF2B5EF4-FFF2-40B4-BE49-F238E27FC236}">
+                <a16:creationId xmlns:a16="http://schemas.microsoft.com/office/drawing/2014/main" id="{5567D468-EE70-CD4E-A3AC-039CC11EF1FB}"/>
+              </a:ext>
+            </a:extLst>
+          </p:cNvPr>
+          <p:cNvSpPr>
+            <a:spLocks noGrp="1"/>
+          </p:cNvSpPr>
+          <p:nvPr>
+            <p:ph type="title"/>
+          </p:nvPr>
+        </p:nvSpPr>
+        <p:spPr/>
+        <p:txBody>
+          <a:bodyPr/>
+          <a:lstStyle/>
+          <a:p>
+            <a:pPr lvl="0" marL="0" indent="0">
+              <a:buNone/>
+            </a:pPr>
+            <a:r>
+              <a:rPr/>
+              <a:t>Describing</a:t>
+            </a:r>
+            <a:r>
+              <a:rPr/>
+              <a:t> </a:t>
+            </a:r>
+            <a:r>
+              <a:rPr/>
+              <a:t>data</a:t>
+            </a:r>
+          </a:p>
+        </p:txBody>
+      </p:sp>
+      <p:sp>
+        <p:nvSpPr>
+          <p:cNvPr id="3" name="Content Placeholder 2">
+            <a:extLst>
+              <a:ext uri="{FF2B5EF4-FFF2-40B4-BE49-F238E27FC236}">
+                <a16:creationId xmlns:a16="http://schemas.microsoft.com/office/drawing/2014/main" id="{D10DDA37-E46B-B641-BC9F-636CB92A2C08}"/>
+              </a:ext>
+            </a:extLst>
+          </p:cNvPr>
+          <p:cNvSpPr>
+            <a:spLocks noGrp="1"/>
+          </p:cNvSpPr>
+          <p:nvPr>
+            <p:ph idx="1"/>
+          </p:nvPr>
+        </p:nvSpPr>
+        <p:spPr/>
+        <p:txBody>
+          <a:bodyPr/>
+          <a:lstStyle/>
+          <a:p>
+            <a:pPr lvl="1"/>
+            <a:r>
+              <a:rPr/>
+              <a:t>Continuous variables</a:t>
+            </a:r>
+          </a:p>
+          <a:p>
+            <a:pPr lvl="1"/>
+            <a:r>
+              <a:rPr/>
+              <a:t>Discrete variables</a:t>
+            </a:r>
+          </a:p>
+        </p:txBody>
+      </p:sp>
+    </p:spTree>
+  </p:cSld>
+</p:sld>
+</file>
+
+<file path=ppt/slides/slide14.xml><?xml version="1.0" encoding="utf-8"?>
+<p:sld xmlns:a="http://schemas.openxmlformats.org/drawingml/2006/main" xmlns:r="http://schemas.openxmlformats.org/officeDocument/2006/relationships" xmlns:p="http://schemas.openxmlformats.org/presentationml/2006/main">
+  <p:cSld>
+    <p:spTree>
+      <p:nvGrpSpPr>
+        <p:cNvPr id="1" name=""/>
+        <p:cNvGrpSpPr/>
+        <p:nvPr/>
+      </p:nvGrpSpPr>
+      <p:grpSpPr>
+        <a:xfrm>
+          <a:off x="0" y="0"/>
+          <a:ext cx="0" cy="0"/>
+          <a:chOff x="0" y="0"/>
+          <a:chExt cx="0" cy="0"/>
+        </a:xfrm>
+      </p:grpSpPr>
+      <p:sp>
+        <p:nvSpPr>
+          <p:cNvPr id="2" name="Title 1">
+            <a:extLst>
+              <a:ext uri="{FF2B5EF4-FFF2-40B4-BE49-F238E27FC236}">
                 <a16:creationId xmlns:a16="http://schemas.microsoft.com/office/drawing/2014/main" id="{0CF11FE2-61CD-2E40-A43A-EED9A845FF8A}"/>
               </a:ext>
             </a:extLst>
@@ -6546,7 +6667,7 @@
                 </a:solidFill>
                 <a:latin typeface="Courier"/>
               </a:rPr>
-              <a:t>x=</a:t>
+              <a:t>x =</a:t>
             </a:r>
             <a:r>
               <a:rPr sz="1800">
@@ -6635,7 +6756,7 @@
 </p:sld>
 </file>
 
-<file path=ppt/slides/slide14.xml><?xml version="1.0" encoding="utf-8"?>
+<file path=ppt/slides/slide15.xml><?xml version="1.0" encoding="utf-8"?>
 <p:sld xmlns:a="http://schemas.openxmlformats.org/drawingml/2006/main" xmlns:r="http://schemas.openxmlformats.org/officeDocument/2006/relationships" xmlns:p="http://schemas.openxmlformats.org/presentationml/2006/main">
   <p:cSld>
     <p:spTree>
@@ -6897,151 +7018,6 @@
 </p:sld>
 </file>
 
-<file path=ppt/slides/slide15.xml><?xml version="1.0" encoding="utf-8"?>
-<p:sld xmlns:a="http://schemas.openxmlformats.org/drawingml/2006/main" xmlns:r="http://schemas.openxmlformats.org/officeDocument/2006/relationships" xmlns:p="http://schemas.openxmlformats.org/presentationml/2006/main">
-  <p:cSld>
-    <p:spTree>
-      <p:nvGrpSpPr>
-        <p:cNvPr id="1" name=""/>
-        <p:cNvGrpSpPr/>
-        <p:nvPr/>
-      </p:nvGrpSpPr>
-      <p:grpSpPr>
-        <a:xfrm>
-          <a:off x="0" y="0"/>
-          <a:ext cx="0" cy="0"/>
-          <a:chOff x="0" y="0"/>
-          <a:chExt cx="0" cy="0"/>
-        </a:xfrm>
-      </p:grpSpPr>
-      <p:sp>
-        <p:nvSpPr>
-          <p:cNvPr id="2" name="Title 1">
-            <a:extLst>
-              <a:ext uri="{FF2B5EF4-FFF2-40B4-BE49-F238E27FC236}">
-                <a16:creationId xmlns:a16="http://schemas.microsoft.com/office/drawing/2014/main" id="{5567D468-EE70-CD4E-A3AC-039CC11EF1FB}"/>
-              </a:ext>
-            </a:extLst>
-          </p:cNvPr>
-          <p:cNvSpPr>
-            <a:spLocks noGrp="1"/>
-          </p:cNvSpPr>
-          <p:nvPr>
-            <p:ph type="title"/>
-          </p:nvPr>
-        </p:nvSpPr>
-        <p:spPr/>
-        <p:txBody>
-          <a:bodyPr/>
-          <a:lstStyle/>
-          <a:p>
-            <a:pPr lvl="0" marL="0" indent="0">
-              <a:buNone/>
-            </a:pPr>
-            <a:r>
-              <a:rPr/>
-              <a:t>Parametric</a:t>
-            </a:r>
-            <a:r>
-              <a:rPr/>
-              <a:t> </a:t>
-            </a:r>
-            <a:r>
-              <a:rPr/>
-              <a:t>vs</a:t>
-            </a:r>
-            <a:r>
-              <a:rPr/>
-              <a:t> </a:t>
-            </a:r>
-            <a:r>
-              <a:rPr/>
-              <a:t>non-parametric</a:t>
-            </a:r>
-            <a:r>
-              <a:rPr/>
-              <a:t> </a:t>
-            </a:r>
-            <a:r>
-              <a:rPr/>
-              <a:t>data</a:t>
-            </a:r>
-          </a:p>
-        </p:txBody>
-      </p:sp>
-      <p:sp>
-        <p:nvSpPr>
-          <p:cNvPr id="3" name="Content Placeholder 2">
-            <a:extLst>
-              <a:ext uri="{FF2B5EF4-FFF2-40B4-BE49-F238E27FC236}">
-                <a16:creationId xmlns:a16="http://schemas.microsoft.com/office/drawing/2014/main" id="{D10DDA37-E46B-B641-BC9F-636CB92A2C08}"/>
-              </a:ext>
-            </a:extLst>
-          </p:cNvPr>
-          <p:cNvSpPr>
-            <a:spLocks noGrp="1"/>
-          </p:cNvSpPr>
-          <p:nvPr>
-            <p:ph idx="1"/>
-          </p:nvPr>
-        </p:nvSpPr>
-        <p:spPr/>
-        <p:txBody>
-          <a:bodyPr/>
-          <a:lstStyle/>
-          <a:p>
-            <a:pPr lvl="1"/>
-            <a:r>
-              <a:rPr/>
-              <a:t>Parametric data</a:t>
-            </a:r>
-          </a:p>
-          <a:p>
-            <a:pPr lvl="2"/>
-            <a:r>
-              <a:rPr/>
-              <a:t>The data follows a known distribution</a:t>
-            </a:r>
-          </a:p>
-          <a:p>
-            <a:pPr lvl="2"/>
-            <a:r>
-              <a:rPr/>
-              <a:t>It can be described using </a:t>
-            </a:r>
-            <a:r>
-              <a:rPr i="1"/>
-              <a:t>parameters</a:t>
-            </a:r>
-          </a:p>
-          <a:p>
-            <a:pPr lvl="2"/>
-            <a:r>
-              <a:rPr/>
-              <a:t>Examples of distributions include, normal, poission, exponential.</a:t>
-            </a:r>
-          </a:p>
-          <a:p>
-            <a:pPr lvl="1"/>
-            <a:r>
-              <a:rPr/>
-              <a:t>Non parametric data</a:t>
-            </a:r>
-          </a:p>
-          <a:p>
-            <a:pPr lvl="2"/>
-            <a:r>
-              <a:rPr/>
-              <a:t>The data can’t be said to follow a known distribution</a:t>
-            </a:r>
-          </a:p>
-        </p:txBody>
-      </p:sp>
-    </p:spTree>
-  </p:cSld>
-</p:sld>
-</file>
-
 <file path=ppt/slides/slide16.xml><?xml version="1.0" encoding="utf-8"?>
 <p:sld xmlns:a="http://schemas.openxmlformats.org/drawingml/2006/main" xmlns:r="http://schemas.openxmlformats.org/officeDocument/2006/relationships" xmlns:p="http://schemas.openxmlformats.org/presentationml/2006/main">
   <p:cSld>
@@ -7085,23 +7061,15 @@
             </a:pPr>
             <a:r>
               <a:rPr/>
-              <a:t>Describing</a:t>
-            </a:r>
-            <a:r>
-              <a:rPr/>
-              <a:t> </a:t>
-            </a:r>
-            <a:r>
-              <a:rPr/>
-              <a:t>parametric</a:t>
-            </a:r>
-            <a:r>
-              <a:rPr/>
-              <a:t> </a:t>
-            </a:r>
-            <a:r>
-              <a:rPr/>
-              <a:t>and</a:t>
+              <a:t>Parametric</a:t>
+            </a:r>
+            <a:r>
+              <a:rPr/>
+              <a:t> </a:t>
+            </a:r>
+            <a:r>
+              <a:rPr/>
+              <a:t>vs</a:t>
             </a:r>
             <a:r>
               <a:rPr/>
@@ -7143,15 +7111,6 @@
           <a:bodyPr/>
           <a:lstStyle/>
           <a:p>
-            <a:pPr lvl="0" marL="0" indent="0">
-              <a:buNone/>
-            </a:pPr>
-            <a:r>
-              <a:rPr/>
-              <a:t>How do you use numbers to convey what your data looks like.</a:t>
-            </a:r>
-          </a:p>
-          <a:p>
             <a:pPr lvl="1"/>
             <a:r>
               <a:rPr/>
@@ -7162,59 +7121,39 @@
             <a:pPr lvl="2"/>
             <a:r>
               <a:rPr/>
-              <a:t>Use the parameters that describe the distribution.</a:t>
+              <a:t>The data follows a known distribution</a:t>
             </a:r>
           </a:p>
           <a:p>
             <a:pPr lvl="2"/>
             <a:r>
               <a:rPr/>
-              <a:t>For a Gaussian (normal) distribution - use mean and standard deviation</a:t>
+              <a:t>It can be described using </a:t>
+            </a:r>
+            <a:r>
+              <a:rPr i="1"/>
+              <a:t>parameters</a:t>
             </a:r>
           </a:p>
           <a:p>
             <a:pPr lvl="2"/>
             <a:r>
               <a:rPr/>
-              <a:t>For a Poission distribution - use average event rate</a:t>
+              <a:t>Examples of distributions include, normal, poission, exponential.</a:t>
+            </a:r>
+          </a:p>
+          <a:p>
+            <a:pPr lvl="1"/>
+            <a:r>
+              <a:rPr/>
+              <a:t>Non parametric data</a:t>
             </a:r>
           </a:p>
           <a:p>
             <a:pPr lvl="2"/>
             <a:r>
               <a:rPr/>
-              <a:t>etc.</a:t>
-            </a:r>
-          </a:p>
-          <a:p>
-            <a:pPr lvl="1"/>
-            <a:r>
-              <a:rPr/>
-              <a:t>Non Parametric data</a:t>
-            </a:r>
-          </a:p>
-          <a:p>
-            <a:pPr lvl="2"/>
-            <a:r>
-              <a:rPr/>
-              <a:t>Use the median (the middle number when they are ranked from lowest to highest) and the interquartile range (the number 75% of the way up the list when ranked minus the number 25% of the way)</a:t>
-            </a:r>
-          </a:p>
-          <a:p>
-            <a:pPr lvl="1"/>
-            <a:r>
-              <a:rPr/>
-              <a:t>You can use the command </a:t>
-            </a:r>
-            <a:r>
-              <a:rPr sz="1800">
-                <a:latin typeface="Courier"/>
-              </a:rPr>
-              <a:t>summary(data_frame_name)</a:t>
-            </a:r>
-            <a:r>
-              <a:rPr/>
-              <a:t> to get these numbers for each variable.</a:t>
+              <a:t>The data can’t be said to follow a known distribution</a:t>
             </a:r>
           </a:p>
         </p:txBody>
@@ -7267,31 +7206,39 @@
             </a:pPr>
             <a:r>
               <a:rPr/>
-              <a:t>Mean</a:t>
-            </a:r>
-            <a:r>
-              <a:rPr/>
-              <a:t> </a:t>
-            </a:r>
-            <a:r>
-              <a:rPr/>
-              <a:t>versus</a:t>
-            </a:r>
-            <a:r>
-              <a:rPr/>
-              <a:t> </a:t>
-            </a:r>
-            <a:r>
-              <a:rPr/>
-              <a:t>standard</a:t>
-            </a:r>
-            <a:r>
-              <a:rPr/>
-              <a:t> </a:t>
-            </a:r>
-            <a:r>
-              <a:rPr/>
-              <a:t>deviation</a:t>
+              <a:t>Describing</a:t>
+            </a:r>
+            <a:r>
+              <a:rPr/>
+              <a:t> </a:t>
+            </a:r>
+            <a:r>
+              <a:rPr/>
+              <a:t>parametric</a:t>
+            </a:r>
+            <a:r>
+              <a:rPr/>
+              <a:t> </a:t>
+            </a:r>
+            <a:r>
+              <a:rPr/>
+              <a:t>and</a:t>
+            </a:r>
+            <a:r>
+              <a:rPr/>
+              <a:t> </a:t>
+            </a:r>
+            <a:r>
+              <a:rPr/>
+              <a:t>non-parametric</a:t>
+            </a:r>
+            <a:r>
+              <a:rPr/>
+              <a:t> </a:t>
+            </a:r>
+            <a:r>
+              <a:rPr/>
+              <a:t>data</a:t>
             </a:r>
           </a:p>
         </p:txBody>
@@ -7317,626 +7264,78 @@
           <a:bodyPr/>
           <a:lstStyle/>
           <a:p>
+            <a:pPr lvl="0" marL="0" indent="0">
+              <a:buNone/>
+            </a:pPr>
+            <a:r>
+              <a:rPr/>
+              <a:t>How do you use numbers to convey what your data looks like.</a:t>
+            </a:r>
+          </a:p>
+          <a:p>
             <a:pPr lvl="1"/>
             <a:r>
               <a:rPr/>
-              <a:t>What does standard deviation mean?</a:t>
+              <a:t>Parametric data</a:t>
+            </a:r>
+          </a:p>
+          <a:p>
+            <a:pPr lvl="2"/>
+            <a:r>
+              <a:rPr/>
+              <a:t>Use the parameters that describe the distribution.</a:t>
+            </a:r>
+          </a:p>
+          <a:p>
+            <a:pPr lvl="2"/>
+            <a:r>
+              <a:rPr/>
+              <a:t>For a Gaussian (normal) distribution - use mean and standard deviation</a:t>
+            </a:r>
+          </a:p>
+          <a:p>
+            <a:pPr lvl="2"/>
+            <a:r>
+              <a:rPr/>
+              <a:t>For a Poission distribution - use average event rate</a:t>
+            </a:r>
+          </a:p>
+          <a:p>
+            <a:pPr lvl="2"/>
+            <a:r>
+              <a:rPr/>
+              <a:t>etc.</a:t>
             </a:r>
           </a:p>
           <a:p>
             <a:pPr lvl="1"/>
             <a:r>
               <a:rPr/>
-              <a:t>Both graphs have the same mean (center), but the second one has data which is more spread out.</a:t>
-            </a:r>
-          </a:p>
-          <a:p>
-            <a:pPr lvl="0" marL="1270000" indent="0">
-              <a:buNone/>
-            </a:pPr>
-            <a:r>
-              <a:rPr sz="1800" i="1">
-                <a:solidFill>
-                  <a:srgbClr val="60A0B0"/>
-                </a:solidFill>
-                <a:latin typeface="Courier"/>
-              </a:rPr>
-              <a:t># small standard deviation</a:t>
-            </a:r>
-            <a:br/>
-            <a:r>
-              <a:rPr sz="1800">
-                <a:latin typeface="Courier"/>
-              </a:rPr>
-              <a:t>dummy_</a:t>
-            </a:r>
-            <a:r>
-              <a:rPr sz="1800">
-                <a:solidFill>
-                  <a:srgbClr val="40A070"/>
-                </a:solidFill>
-                <a:latin typeface="Courier"/>
-              </a:rPr>
-              <a:t>1</a:t>
-            </a:r>
-            <a:r>
-              <a:rPr sz="1800">
-                <a:latin typeface="Courier"/>
-              </a:rPr>
-              <a:t> &lt;-</a:t>
-            </a:r>
-            <a:r>
-              <a:rPr sz="1800">
-                <a:solidFill>
-                  <a:srgbClr val="4070A0"/>
-                </a:solidFill>
-                <a:latin typeface="Courier"/>
-              </a:rPr>
-              <a:t> </a:t>
-            </a:r>
-            <a:r>
-              <a:rPr sz="1800" b="1">
-                <a:solidFill>
-                  <a:srgbClr val="007020"/>
-                </a:solidFill>
-                <a:latin typeface="Courier"/>
-              </a:rPr>
-              <a:t>rnorm</a:t>
-            </a:r>
-            <a:r>
-              <a:rPr sz="1800">
-                <a:latin typeface="Courier"/>
-              </a:rPr>
-              <a:t>(</a:t>
-            </a:r>
-            <a:r>
-              <a:rPr sz="1800">
-                <a:solidFill>
-                  <a:srgbClr val="40A070"/>
-                </a:solidFill>
-                <a:latin typeface="Courier"/>
-              </a:rPr>
-              <a:t>1000</a:t>
-            </a:r>
-            <a:r>
-              <a:rPr sz="1800">
-                <a:latin typeface="Courier"/>
-              </a:rPr>
-              <a:t>, </a:t>
-            </a:r>
-            <a:r>
-              <a:rPr sz="1800">
-                <a:solidFill>
-                  <a:srgbClr val="902000"/>
-                </a:solidFill>
-                <a:latin typeface="Courier"/>
-              </a:rPr>
-              <a:t>mean =</a:t>
-            </a:r>
-            <a:r>
-              <a:rPr sz="1800">
-                <a:latin typeface="Courier"/>
-              </a:rPr>
-              <a:t> </a:t>
-            </a:r>
-            <a:r>
-              <a:rPr sz="1800">
-                <a:solidFill>
-                  <a:srgbClr val="40A070"/>
-                </a:solidFill>
-                <a:latin typeface="Courier"/>
-              </a:rPr>
-              <a:t>10</a:t>
-            </a:r>
-            <a:r>
-              <a:rPr sz="1800">
-                <a:latin typeface="Courier"/>
-              </a:rPr>
-              <a:t>, </a:t>
-            </a:r>
-            <a:r>
-              <a:rPr sz="1800">
-                <a:solidFill>
-                  <a:srgbClr val="902000"/>
-                </a:solidFill>
-                <a:latin typeface="Courier"/>
-              </a:rPr>
-              <a:t>sd =</a:t>
-            </a:r>
-            <a:r>
-              <a:rPr sz="1800">
-                <a:latin typeface="Courier"/>
-              </a:rPr>
-              <a:t> </a:t>
-            </a:r>
-            <a:r>
-              <a:rPr sz="1800">
-                <a:solidFill>
-                  <a:srgbClr val="40A070"/>
-                </a:solidFill>
-                <a:latin typeface="Courier"/>
-              </a:rPr>
-              <a:t>0.5</a:t>
-            </a:r>
-            <a:r>
-              <a:rPr sz="1800">
-                <a:latin typeface="Courier"/>
-              </a:rPr>
-              <a:t>)</a:t>
-            </a:r>
-            <a:br/>
-            <a:r>
-              <a:rPr sz="1800">
-                <a:latin typeface="Courier"/>
-              </a:rPr>
-              <a:t>dummy_</a:t>
-            </a:r>
-            <a:r>
-              <a:rPr sz="1800">
-                <a:solidFill>
-                  <a:srgbClr val="40A070"/>
-                </a:solidFill>
-                <a:latin typeface="Courier"/>
-              </a:rPr>
-              <a:t>1</a:t>
-            </a:r>
-            <a:r>
-              <a:rPr sz="1800">
-                <a:latin typeface="Courier"/>
-              </a:rPr>
-              <a:t> &lt;-</a:t>
-            </a:r>
-            <a:r>
-              <a:rPr sz="1800">
-                <a:solidFill>
-                  <a:srgbClr val="4070A0"/>
-                </a:solidFill>
-                <a:latin typeface="Courier"/>
-              </a:rPr>
-              <a:t> </a:t>
-            </a:r>
-            <a:r>
-              <a:rPr sz="1800" b="1">
-                <a:solidFill>
-                  <a:srgbClr val="007020"/>
-                </a:solidFill>
-                <a:latin typeface="Courier"/>
-              </a:rPr>
-              <a:t>as.data.frame</a:t>
-            </a:r>
-            <a:r>
-              <a:rPr sz="1800">
-                <a:latin typeface="Courier"/>
-              </a:rPr>
-              <a:t>(dummy_</a:t>
-            </a:r>
-            <a:r>
-              <a:rPr sz="1800">
-                <a:solidFill>
-                  <a:srgbClr val="40A070"/>
-                </a:solidFill>
-                <a:latin typeface="Courier"/>
-              </a:rPr>
-              <a:t>1</a:t>
-            </a:r>
-            <a:r>
-              <a:rPr sz="1800">
-                <a:latin typeface="Courier"/>
-              </a:rPr>
-              <a:t>)</a:t>
-            </a:r>
-            <a:br/>
-            <a:r>
-              <a:rPr sz="1800" b="1">
-                <a:solidFill>
-                  <a:srgbClr val="007020"/>
-                </a:solidFill>
-                <a:latin typeface="Courier"/>
-              </a:rPr>
-              <a:t>ggplot</a:t>
-            </a:r>
-            <a:r>
-              <a:rPr sz="1800">
-                <a:latin typeface="Courier"/>
-              </a:rPr>
-              <a:t>(dummy_</a:t>
-            </a:r>
-            <a:r>
-              <a:rPr sz="1800">
-                <a:solidFill>
-                  <a:srgbClr val="40A070"/>
-                </a:solidFill>
-                <a:latin typeface="Courier"/>
-              </a:rPr>
-              <a:t>1</a:t>
-            </a:r>
-            <a:r>
-              <a:rPr sz="1800">
-                <a:latin typeface="Courier"/>
-              </a:rPr>
-              <a:t>, </a:t>
-            </a:r>
-            <a:r>
-              <a:rPr sz="1800" b="1">
-                <a:solidFill>
-                  <a:srgbClr val="007020"/>
-                </a:solidFill>
-                <a:latin typeface="Courier"/>
-              </a:rPr>
-              <a:t>aes</a:t>
-            </a:r>
-            <a:r>
-              <a:rPr sz="1800">
-                <a:latin typeface="Courier"/>
-              </a:rPr>
-              <a:t>(</a:t>
-            </a:r>
-            <a:r>
-              <a:rPr sz="1800">
-                <a:solidFill>
-                  <a:srgbClr val="902000"/>
-                </a:solidFill>
-                <a:latin typeface="Courier"/>
-              </a:rPr>
-              <a:t>x =</a:t>
-            </a:r>
-            <a:r>
-              <a:rPr sz="1800">
-                <a:latin typeface="Courier"/>
-              </a:rPr>
-              <a:t>dummy_</a:t>
-            </a:r>
-            <a:r>
-              <a:rPr sz="1800">
-                <a:solidFill>
-                  <a:srgbClr val="40A070"/>
-                </a:solidFill>
-                <a:latin typeface="Courier"/>
-              </a:rPr>
-              <a:t>1</a:t>
-            </a:r>
-            <a:r>
-              <a:rPr sz="1800">
-                <a:latin typeface="Courier"/>
-              </a:rPr>
-              <a:t>)) </a:t>
-            </a:r>
-            <a:r>
-              <a:rPr sz="1800">
-                <a:solidFill>
-                  <a:srgbClr val="666666"/>
-                </a:solidFill>
-                <a:latin typeface="Courier"/>
-              </a:rPr>
-              <a:t>+</a:t>
-            </a:r>
-            <a:br/>
-            <a:r>
-              <a:rPr sz="1800">
-                <a:solidFill>
-                  <a:srgbClr val="4070A0"/>
-                </a:solidFill>
-                <a:latin typeface="Courier"/>
-              </a:rPr>
-              <a:t>  </a:t>
-            </a:r>
-            <a:r>
-              <a:rPr sz="1800" b="1">
-                <a:solidFill>
-                  <a:srgbClr val="007020"/>
-                </a:solidFill>
-                <a:latin typeface="Courier"/>
-              </a:rPr>
-              <a:t>geom_histogram</a:t>
-            </a:r>
-            <a:r>
-              <a:rPr sz="1800">
-                <a:latin typeface="Courier"/>
-              </a:rPr>
-              <a:t>()</a:t>
-            </a:r>
-            <a:br/>
-            <a:br/>
-            <a:r>
-              <a:rPr sz="1800" i="1">
-                <a:solidFill>
-                  <a:srgbClr val="60A0B0"/>
-                </a:solidFill>
-                <a:latin typeface="Courier"/>
-              </a:rPr>
-              <a:t># larger standard deviation</a:t>
-            </a:r>
-            <a:br/>
-            <a:r>
-              <a:rPr sz="1800">
-                <a:latin typeface="Courier"/>
-              </a:rPr>
-              <a:t>dummy_</a:t>
-            </a:r>
-            <a:r>
-              <a:rPr sz="1800">
-                <a:solidFill>
-                  <a:srgbClr val="40A070"/>
-                </a:solidFill>
-                <a:latin typeface="Courier"/>
-              </a:rPr>
-              <a:t>2</a:t>
-            </a:r>
-            <a:r>
-              <a:rPr sz="1800">
-                <a:latin typeface="Courier"/>
-              </a:rPr>
-              <a:t> &lt;-</a:t>
-            </a:r>
-            <a:r>
-              <a:rPr sz="1800">
-                <a:solidFill>
-                  <a:srgbClr val="4070A0"/>
-                </a:solidFill>
-                <a:latin typeface="Courier"/>
-              </a:rPr>
-              <a:t> </a:t>
-            </a:r>
-            <a:r>
-              <a:rPr sz="1800" b="1">
-                <a:solidFill>
-                  <a:srgbClr val="007020"/>
-                </a:solidFill>
-                <a:latin typeface="Courier"/>
-              </a:rPr>
-              <a:t>rnorm</a:t>
-            </a:r>
-            <a:r>
-              <a:rPr sz="1800">
-                <a:latin typeface="Courier"/>
-              </a:rPr>
-              <a:t>(</a:t>
-            </a:r>
-            <a:r>
-              <a:rPr sz="1800">
-                <a:solidFill>
-                  <a:srgbClr val="40A070"/>
-                </a:solidFill>
-                <a:latin typeface="Courier"/>
-              </a:rPr>
-              <a:t>1000</a:t>
-            </a:r>
-            <a:r>
-              <a:rPr sz="1800">
-                <a:latin typeface="Courier"/>
-              </a:rPr>
-              <a:t>, </a:t>
-            </a:r>
-            <a:r>
-              <a:rPr sz="1800">
-                <a:solidFill>
-                  <a:srgbClr val="902000"/>
-                </a:solidFill>
-                <a:latin typeface="Courier"/>
-              </a:rPr>
-              <a:t>mean =</a:t>
-            </a:r>
-            <a:r>
-              <a:rPr sz="1800">
-                <a:latin typeface="Courier"/>
-              </a:rPr>
-              <a:t> </a:t>
-            </a:r>
-            <a:r>
-              <a:rPr sz="1800">
-                <a:solidFill>
-                  <a:srgbClr val="40A070"/>
-                </a:solidFill>
-                <a:latin typeface="Courier"/>
-              </a:rPr>
-              <a:t>10</a:t>
-            </a:r>
-            <a:r>
-              <a:rPr sz="1800">
-                <a:latin typeface="Courier"/>
-              </a:rPr>
-              <a:t>, </a:t>
-            </a:r>
-            <a:r>
-              <a:rPr sz="1800">
-                <a:solidFill>
-                  <a:srgbClr val="902000"/>
-                </a:solidFill>
-                <a:latin typeface="Courier"/>
-              </a:rPr>
-              <a:t>sd =</a:t>
-            </a:r>
-            <a:r>
-              <a:rPr sz="1800">
-                <a:latin typeface="Courier"/>
-              </a:rPr>
-              <a:t> </a:t>
-            </a:r>
-            <a:r>
-              <a:rPr sz="1800">
-                <a:solidFill>
-                  <a:srgbClr val="40A070"/>
-                </a:solidFill>
-                <a:latin typeface="Courier"/>
-              </a:rPr>
-              <a:t>20</a:t>
-            </a:r>
-            <a:r>
-              <a:rPr sz="1800">
-                <a:latin typeface="Courier"/>
-              </a:rPr>
-              <a:t>)</a:t>
-            </a:r>
-            <a:br/>
-            <a:r>
-              <a:rPr sz="1800">
-                <a:latin typeface="Courier"/>
-              </a:rPr>
-              <a:t>dummy_</a:t>
-            </a:r>
-            <a:r>
-              <a:rPr sz="1800">
-                <a:solidFill>
-                  <a:srgbClr val="40A070"/>
-                </a:solidFill>
-                <a:latin typeface="Courier"/>
-              </a:rPr>
-              <a:t>2</a:t>
-            </a:r>
-            <a:r>
-              <a:rPr sz="1800">
-                <a:latin typeface="Courier"/>
-              </a:rPr>
-              <a:t> &lt;-</a:t>
-            </a:r>
-            <a:r>
-              <a:rPr sz="1800">
-                <a:solidFill>
-                  <a:srgbClr val="4070A0"/>
-                </a:solidFill>
-                <a:latin typeface="Courier"/>
-              </a:rPr>
-              <a:t> </a:t>
-            </a:r>
-            <a:r>
-              <a:rPr sz="1800" b="1">
-                <a:solidFill>
-                  <a:srgbClr val="007020"/>
-                </a:solidFill>
-                <a:latin typeface="Courier"/>
-              </a:rPr>
-              <a:t>as.data.frame</a:t>
-            </a:r>
-            <a:r>
-              <a:rPr sz="1800">
-                <a:latin typeface="Courier"/>
-              </a:rPr>
-              <a:t>(dummy_</a:t>
-            </a:r>
-            <a:r>
-              <a:rPr sz="1800">
-                <a:solidFill>
-                  <a:srgbClr val="40A070"/>
-                </a:solidFill>
-                <a:latin typeface="Courier"/>
-              </a:rPr>
-              <a:t>2</a:t>
-            </a:r>
-            <a:r>
-              <a:rPr sz="1800">
-                <a:latin typeface="Courier"/>
-              </a:rPr>
-              <a:t>)</a:t>
-            </a:r>
-            <a:br/>
-            <a:r>
-              <a:rPr sz="1800" b="1">
-                <a:solidFill>
-                  <a:srgbClr val="007020"/>
-                </a:solidFill>
-                <a:latin typeface="Courier"/>
-              </a:rPr>
-              <a:t>ggplot</a:t>
-            </a:r>
-            <a:r>
-              <a:rPr sz="1800">
-                <a:latin typeface="Courier"/>
-              </a:rPr>
-              <a:t>(dummy_</a:t>
-            </a:r>
-            <a:r>
-              <a:rPr sz="1800">
-                <a:solidFill>
-                  <a:srgbClr val="40A070"/>
-                </a:solidFill>
-                <a:latin typeface="Courier"/>
-              </a:rPr>
-              <a:t>2</a:t>
-            </a:r>
-            <a:r>
-              <a:rPr sz="1800">
-                <a:latin typeface="Courier"/>
-              </a:rPr>
-              <a:t>, </a:t>
-            </a:r>
-            <a:r>
-              <a:rPr sz="1800" b="1">
-                <a:solidFill>
-                  <a:srgbClr val="007020"/>
-                </a:solidFill>
-                <a:latin typeface="Courier"/>
-              </a:rPr>
-              <a:t>aes</a:t>
-            </a:r>
-            <a:r>
-              <a:rPr sz="1800">
-                <a:latin typeface="Courier"/>
-              </a:rPr>
-              <a:t>(</a:t>
-            </a:r>
-            <a:r>
-              <a:rPr sz="1800">
-                <a:solidFill>
-                  <a:srgbClr val="902000"/>
-                </a:solidFill>
-                <a:latin typeface="Courier"/>
-              </a:rPr>
-              <a:t>x =</a:t>
-            </a:r>
-            <a:r>
-              <a:rPr sz="1800">
-                <a:latin typeface="Courier"/>
-              </a:rPr>
-              <a:t>dummy_</a:t>
-            </a:r>
-            <a:r>
-              <a:rPr sz="1800">
-                <a:solidFill>
-                  <a:srgbClr val="40A070"/>
-                </a:solidFill>
-                <a:latin typeface="Courier"/>
-              </a:rPr>
-              <a:t>2</a:t>
-            </a:r>
-            <a:r>
-              <a:rPr sz="1800">
-                <a:latin typeface="Courier"/>
-              </a:rPr>
-              <a:t>)) </a:t>
-            </a:r>
-            <a:r>
-              <a:rPr sz="1800">
-                <a:solidFill>
-                  <a:srgbClr val="666666"/>
-                </a:solidFill>
-                <a:latin typeface="Courier"/>
-              </a:rPr>
-              <a:t>+</a:t>
-            </a:r>
-            <a:br/>
-            <a:r>
-              <a:rPr sz="1800">
-                <a:solidFill>
-                  <a:srgbClr val="4070A0"/>
-                </a:solidFill>
-                <a:latin typeface="Courier"/>
-              </a:rPr>
-              <a:t>  </a:t>
-            </a:r>
-            <a:r>
-              <a:rPr sz="1800" b="1">
-                <a:solidFill>
-                  <a:srgbClr val="007020"/>
-                </a:solidFill>
-                <a:latin typeface="Courier"/>
-              </a:rPr>
-              <a:t>geom_histogram</a:t>
-            </a:r>
-            <a:r>
-              <a:rPr sz="1800">
-                <a:latin typeface="Courier"/>
-              </a:rPr>
-              <a:t>()</a:t>
+              <a:t>Non Parametric data</a:t>
+            </a:r>
+          </a:p>
+          <a:p>
+            <a:pPr lvl="2"/>
+            <a:r>
+              <a:rPr/>
+              <a:t>Use the median (the middle number when they are ranked from lowest to highest) and the interquartile range (the number 75% of the way up the list when ranked minus the number 25% of the way)</a:t>
+            </a:r>
+          </a:p>
+          <a:p>
+            <a:pPr lvl="1"/>
+            <a:r>
+              <a:rPr/>
+              <a:t>You can use the command </a:t>
+            </a:r>
+            <a:r>
+              <a:rPr sz="1800">
+                <a:latin typeface="Courier"/>
+              </a:rPr>
+              <a:t>summary(data_frame_name)</a:t>
+            </a:r>
+            <a:r>
+              <a:rPr/>
+              <a:t> to get these numbers for each variable.</a:t>
             </a:r>
           </a:p>
         </p:txBody>
@@ -7989,23 +7388,15 @@
             </a:pPr>
             <a:r>
               <a:rPr/>
-              <a:t>Calculating</a:t>
-            </a:r>
-            <a:r>
-              <a:rPr/>
-              <a:t> </a:t>
-            </a:r>
-            <a:r>
-              <a:rPr/>
-              <a:t>mean</a:t>
-            </a:r>
-            <a:r>
-              <a:rPr/>
-              <a:t> </a:t>
-            </a:r>
-            <a:r>
-              <a:rPr/>
-              <a:t>and</a:t>
+              <a:t>Mean</a:t>
+            </a:r>
+            <a:r>
+              <a:rPr/>
+              <a:t> </a:t>
+            </a:r>
+            <a:r>
+              <a:rPr/>
+              <a:t>versus</a:t>
             </a:r>
             <a:r>
               <a:rPr/>
@@ -8047,9 +7438,63 @@
           <a:bodyPr/>
           <a:lstStyle/>
           <a:p>
+            <a:pPr lvl="1"/>
+            <a:r>
+              <a:rPr/>
+              <a:t>What does standard deviation mean?</a:t>
+            </a:r>
+          </a:p>
+          <a:p>
+            <a:pPr lvl="1"/>
+            <a:r>
+              <a:rPr/>
+              <a:t>Both graphs have the same mean (center), but the second one has data which is more spread out.</a:t>
+            </a:r>
+          </a:p>
+          <a:p>
             <a:pPr lvl="0" marL="1270000" indent="0">
               <a:buNone/>
             </a:pPr>
+            <a:r>
+              <a:rPr sz="1800" i="1">
+                <a:solidFill>
+                  <a:srgbClr val="60A0B0"/>
+                </a:solidFill>
+                <a:latin typeface="Courier"/>
+              </a:rPr>
+              <a:t># small standard deviation</a:t>
+            </a:r>
+            <a:br/>
+            <a:r>
+              <a:rPr sz="1800">
+                <a:latin typeface="Courier"/>
+              </a:rPr>
+              <a:t>dummy_</a:t>
+            </a:r>
+            <a:r>
+              <a:rPr sz="1800">
+                <a:solidFill>
+                  <a:srgbClr val="40A070"/>
+                </a:solidFill>
+                <a:latin typeface="Courier"/>
+              </a:rPr>
+              <a:t>1</a:t>
+            </a:r>
+            <a:r>
+              <a:rPr sz="1800">
+                <a:latin typeface="Courier"/>
+              </a:rPr>
+              <a:t> &lt;-</a:t>
+            </a:r>
+            <a:r>
+              <a:rPr sz="1800">
+                <a:solidFill>
+                  <a:srgbClr val="4070A0"/>
+                </a:solidFill>
+                <a:latin typeface="Courier"/>
+              </a:rPr>
+              <a:t> </a:t>
+            </a:r>
             <a:r>
               <a:rPr sz="1800" b="1">
                 <a:solidFill>
@@ -8057,28 +7502,28 @@
                 </a:solidFill>
                 <a:latin typeface="Courier"/>
               </a:rPr>
-              <a:t>mean</a:t>
-            </a:r>
-            <a:r>
-              <a:rPr sz="1800">
-                <a:latin typeface="Courier"/>
-              </a:rPr>
-              <a:t>(cchic</a:t>
+              <a:t>rnorm</a:t>
+            </a:r>
+            <a:r>
+              <a:rPr sz="1800">
+                <a:latin typeface="Courier"/>
+              </a:rPr>
+              <a:t>(</a:t>
             </a:r>
             <a:r>
               <a:rPr sz="1800">
                 <a:solidFill>
-                  <a:srgbClr val="666666"/>
+                  <a:srgbClr val="40A070"/>
                 </a:solidFill>
                 <a:latin typeface="Courier"/>
               </a:rPr>
-              <a:t>$</a:t>
-            </a:r>
-            <a:r>
-              <a:rPr sz="1800">
-                <a:latin typeface="Courier"/>
-              </a:rPr>
-              <a:t>height, </a:t>
+              <a:t>1000</a:t>
+            </a:r>
+            <a:r>
+              <a:rPr sz="1800">
+                <a:latin typeface="Courier"/>
+              </a:rPr>
+              <a:t>, </a:t>
             </a:r>
             <a:r>
               <a:rPr sz="1800">
@@ -8087,7 +7532,7 @@
                 </a:solidFill>
                 <a:latin typeface="Courier"/>
               </a:rPr>
-              <a:t>na.rm =</a:t>
+              <a:t>mean =</a:t>
             </a:r>
             <a:r>
               <a:rPr sz="1800">
@@ -8098,11 +7543,41 @@
             <a:r>
               <a:rPr sz="1800">
                 <a:solidFill>
-                  <a:srgbClr val="007020"/>
+                  <a:srgbClr val="40A070"/>
                 </a:solidFill>
                 <a:latin typeface="Courier"/>
               </a:rPr>
-              <a:t>TRUE</a:t>
+              <a:t>10</a:t>
+            </a:r>
+            <a:r>
+              <a:rPr sz="1800">
+                <a:latin typeface="Courier"/>
+              </a:rPr>
+              <a:t>, </a:t>
+            </a:r>
+            <a:r>
+              <a:rPr sz="1800">
+                <a:solidFill>
+                  <a:srgbClr val="902000"/>
+                </a:solidFill>
+                <a:latin typeface="Courier"/>
+              </a:rPr>
+              <a:t>sd =</a:t>
+            </a:r>
+            <a:r>
+              <a:rPr sz="1800">
+                <a:latin typeface="Courier"/>
+              </a:rPr>
+              <a:t> </a:t>
+            </a:r>
+            <a:r>
+              <a:rPr sz="1800">
+                <a:solidFill>
+                  <a:srgbClr val="40A070"/>
+                </a:solidFill>
+                <a:latin typeface="Courier"/>
+              </a:rPr>
+              <a:t>0.5</a:t>
             </a:r>
             <a:r>
               <a:rPr sz="1800">
@@ -8110,11 +7585,37 @@
               </a:rPr>
               <a:t>)</a:t>
             </a:r>
-          </a:p>
-          <a:p>
-            <a:pPr lvl="0" marL="1270000" indent="0">
-              <a:buNone/>
-            </a:pPr>
+            <a:br/>
+            <a:r>
+              <a:rPr sz="1800">
+                <a:latin typeface="Courier"/>
+              </a:rPr>
+              <a:t>dummy_</a:t>
+            </a:r>
+            <a:r>
+              <a:rPr sz="1800">
+                <a:solidFill>
+                  <a:srgbClr val="40A070"/>
+                </a:solidFill>
+                <a:latin typeface="Courier"/>
+              </a:rPr>
+              <a:t>1</a:t>
+            </a:r>
+            <a:r>
+              <a:rPr sz="1800">
+                <a:latin typeface="Courier"/>
+              </a:rPr>
+              <a:t> &lt;-</a:t>
+            </a:r>
+            <a:r>
+              <a:rPr sz="1800">
+                <a:solidFill>
+                  <a:srgbClr val="4070A0"/>
+                </a:solidFill>
+                <a:latin typeface="Courier"/>
+              </a:rPr>
+              <a:t> </a:t>
+            </a:r>
             <a:r>
               <a:rPr sz="1800" b="1">
                 <a:solidFill>
@@ -8122,13 +7623,104 @@
                 </a:solidFill>
                 <a:latin typeface="Courier"/>
               </a:rPr>
-              <a:t>sd</a:t>
-            </a:r>
-            <a:r>
-              <a:rPr sz="1800">
-                <a:latin typeface="Courier"/>
-              </a:rPr>
-              <a:t>(cchic</a:t>
+              <a:t>as.data.frame</a:t>
+            </a:r>
+            <a:r>
+              <a:rPr sz="1800">
+                <a:latin typeface="Courier"/>
+              </a:rPr>
+              <a:t>(dummy_</a:t>
+            </a:r>
+            <a:r>
+              <a:rPr sz="1800">
+                <a:solidFill>
+                  <a:srgbClr val="40A070"/>
+                </a:solidFill>
+                <a:latin typeface="Courier"/>
+              </a:rPr>
+              <a:t>1</a:t>
+            </a:r>
+            <a:r>
+              <a:rPr sz="1800">
+                <a:latin typeface="Courier"/>
+              </a:rPr>
+              <a:t>)</a:t>
+            </a:r>
+            <a:br/>
+            <a:r>
+              <a:rPr sz="1800" b="1">
+                <a:solidFill>
+                  <a:srgbClr val="007020"/>
+                </a:solidFill>
+                <a:latin typeface="Courier"/>
+              </a:rPr>
+              <a:t>ggplot</a:t>
+            </a:r>
+            <a:r>
+              <a:rPr sz="1800">
+                <a:latin typeface="Courier"/>
+              </a:rPr>
+              <a:t>(dummy_</a:t>
+            </a:r>
+            <a:r>
+              <a:rPr sz="1800">
+                <a:solidFill>
+                  <a:srgbClr val="40A070"/>
+                </a:solidFill>
+                <a:latin typeface="Courier"/>
+              </a:rPr>
+              <a:t>1</a:t>
+            </a:r>
+            <a:r>
+              <a:rPr sz="1800">
+                <a:latin typeface="Courier"/>
+              </a:rPr>
+              <a:t>, </a:t>
+            </a:r>
+            <a:r>
+              <a:rPr sz="1800" b="1">
+                <a:solidFill>
+                  <a:srgbClr val="007020"/>
+                </a:solidFill>
+                <a:latin typeface="Courier"/>
+              </a:rPr>
+              <a:t>aes</a:t>
+            </a:r>
+            <a:r>
+              <a:rPr sz="1800">
+                <a:latin typeface="Courier"/>
+              </a:rPr>
+              <a:t>(</a:t>
+            </a:r>
+            <a:r>
+              <a:rPr sz="1800">
+                <a:solidFill>
+                  <a:srgbClr val="902000"/>
+                </a:solidFill>
+                <a:latin typeface="Courier"/>
+              </a:rPr>
+              <a:t>x =</a:t>
+            </a:r>
+            <a:r>
+              <a:rPr sz="1800">
+                <a:latin typeface="Courier"/>
+              </a:rPr>
+              <a:t> dummy_</a:t>
+            </a:r>
+            <a:r>
+              <a:rPr sz="1800">
+                <a:solidFill>
+                  <a:srgbClr val="40A070"/>
+                </a:solidFill>
+                <a:latin typeface="Courier"/>
+              </a:rPr>
+              <a:t>1</a:t>
+            </a:r>
+            <a:r>
+              <a:rPr sz="1800">
+                <a:latin typeface="Courier"/>
+              </a:rPr>
+              <a:t>)) </a:t>
             </a:r>
             <a:r>
               <a:rPr sz="1800">
@@ -8137,13 +7729,104 @@
                 </a:solidFill>
                 <a:latin typeface="Courier"/>
               </a:rPr>
-              <a:t>$</a:t>
-            </a:r>
-            <a:r>
-              <a:rPr sz="1800">
-                <a:latin typeface="Courier"/>
-              </a:rPr>
-              <a:t>height, </a:t>
+              <a:t>+</a:t>
+            </a:r>
+            <a:br/>
+            <a:r>
+              <a:rPr sz="1800">
+                <a:solidFill>
+                  <a:srgbClr val="4070A0"/>
+                </a:solidFill>
+                <a:latin typeface="Courier"/>
+              </a:rPr>
+              <a:t>  </a:t>
+            </a:r>
+            <a:r>
+              <a:rPr sz="1800" b="1">
+                <a:solidFill>
+                  <a:srgbClr val="007020"/>
+                </a:solidFill>
+                <a:latin typeface="Courier"/>
+              </a:rPr>
+              <a:t>geom_histogram</a:t>
+            </a:r>
+            <a:r>
+              <a:rPr sz="1800">
+                <a:latin typeface="Courier"/>
+              </a:rPr>
+              <a:t>()</a:t>
+            </a:r>
+            <a:br/>
+            <a:br/>
+            <a:r>
+              <a:rPr sz="1800" i="1">
+                <a:solidFill>
+                  <a:srgbClr val="60A0B0"/>
+                </a:solidFill>
+                <a:latin typeface="Courier"/>
+              </a:rPr>
+              <a:t># larger standard deviation</a:t>
+            </a:r>
+            <a:br/>
+            <a:r>
+              <a:rPr sz="1800">
+                <a:latin typeface="Courier"/>
+              </a:rPr>
+              <a:t>dummy_</a:t>
+            </a:r>
+            <a:r>
+              <a:rPr sz="1800">
+                <a:solidFill>
+                  <a:srgbClr val="40A070"/>
+                </a:solidFill>
+                <a:latin typeface="Courier"/>
+              </a:rPr>
+              <a:t>2</a:t>
+            </a:r>
+            <a:r>
+              <a:rPr sz="1800">
+                <a:latin typeface="Courier"/>
+              </a:rPr>
+              <a:t> &lt;-</a:t>
+            </a:r>
+            <a:r>
+              <a:rPr sz="1800">
+                <a:solidFill>
+                  <a:srgbClr val="4070A0"/>
+                </a:solidFill>
+                <a:latin typeface="Courier"/>
+              </a:rPr>
+              <a:t> </a:t>
+            </a:r>
+            <a:r>
+              <a:rPr sz="1800" b="1">
+                <a:solidFill>
+                  <a:srgbClr val="007020"/>
+                </a:solidFill>
+                <a:latin typeface="Courier"/>
+              </a:rPr>
+              <a:t>rnorm</a:t>
+            </a:r>
+            <a:r>
+              <a:rPr sz="1800">
+                <a:latin typeface="Courier"/>
+              </a:rPr>
+              <a:t>(</a:t>
+            </a:r>
+            <a:r>
+              <a:rPr sz="1800">
+                <a:solidFill>
+                  <a:srgbClr val="40A070"/>
+                </a:solidFill>
+                <a:latin typeface="Courier"/>
+              </a:rPr>
+              <a:t>1000</a:t>
+            </a:r>
+            <a:r>
+              <a:rPr sz="1800">
+                <a:latin typeface="Courier"/>
+              </a:rPr>
+              <a:t>, </a:t>
             </a:r>
             <a:r>
               <a:rPr sz="1800">
@@ -8152,22 +7835,113 @@
                 </a:solidFill>
                 <a:latin typeface="Courier"/>
               </a:rPr>
-              <a:t>na.rm =</a:t>
-            </a:r>
-            <a:r>
-              <a:rPr sz="1800">
-                <a:latin typeface="Courier"/>
-              </a:rPr>
-              <a:t> </a:t>
-            </a:r>
-            <a:r>
-              <a:rPr sz="1800">
+              <a:t>mean =</a:t>
+            </a:r>
+            <a:r>
+              <a:rPr sz="1800">
+                <a:latin typeface="Courier"/>
+              </a:rPr>
+              <a:t> </a:t>
+            </a:r>
+            <a:r>
+              <a:rPr sz="1800">
+                <a:solidFill>
+                  <a:srgbClr val="40A070"/>
+                </a:solidFill>
+                <a:latin typeface="Courier"/>
+              </a:rPr>
+              <a:t>10</a:t>
+            </a:r>
+            <a:r>
+              <a:rPr sz="1800">
+                <a:latin typeface="Courier"/>
+              </a:rPr>
+              <a:t>, </a:t>
+            </a:r>
+            <a:r>
+              <a:rPr sz="1800">
+                <a:solidFill>
+                  <a:srgbClr val="902000"/>
+                </a:solidFill>
+                <a:latin typeface="Courier"/>
+              </a:rPr>
+              <a:t>sd =</a:t>
+            </a:r>
+            <a:r>
+              <a:rPr sz="1800">
+                <a:latin typeface="Courier"/>
+              </a:rPr>
+              <a:t> </a:t>
+            </a:r>
+            <a:r>
+              <a:rPr sz="1800">
+                <a:solidFill>
+                  <a:srgbClr val="40A070"/>
+                </a:solidFill>
+                <a:latin typeface="Courier"/>
+              </a:rPr>
+              <a:t>20</a:t>
+            </a:r>
+            <a:r>
+              <a:rPr sz="1800">
+                <a:latin typeface="Courier"/>
+              </a:rPr>
+              <a:t>)</a:t>
+            </a:r>
+            <a:br/>
+            <a:r>
+              <a:rPr sz="1800">
+                <a:latin typeface="Courier"/>
+              </a:rPr>
+              <a:t>dummy_</a:t>
+            </a:r>
+            <a:r>
+              <a:rPr sz="1800">
+                <a:solidFill>
+                  <a:srgbClr val="40A070"/>
+                </a:solidFill>
+                <a:latin typeface="Courier"/>
+              </a:rPr>
+              <a:t>2</a:t>
+            </a:r>
+            <a:r>
+              <a:rPr sz="1800">
+                <a:latin typeface="Courier"/>
+              </a:rPr>
+              <a:t> &lt;-</a:t>
+            </a:r>
+            <a:r>
+              <a:rPr sz="1800">
+                <a:solidFill>
+                  <a:srgbClr val="4070A0"/>
+                </a:solidFill>
+                <a:latin typeface="Courier"/>
+              </a:rPr>
+              <a:t> </a:t>
+            </a:r>
+            <a:r>
+              <a:rPr sz="1800" b="1">
                 <a:solidFill>
                   <a:srgbClr val="007020"/>
                 </a:solidFill>
                 <a:latin typeface="Courier"/>
               </a:rPr>
-              <a:t>TRUE</a:t>
+              <a:t>as.data.frame</a:t>
+            </a:r>
+            <a:r>
+              <a:rPr sz="1800">
+                <a:latin typeface="Courier"/>
+              </a:rPr>
+              <a:t>(dummy_</a:t>
+            </a:r>
+            <a:r>
+              <a:rPr sz="1800">
+                <a:solidFill>
+                  <a:srgbClr val="40A070"/>
+                </a:solidFill>
+                <a:latin typeface="Courier"/>
+              </a:rPr>
+              <a:t>2</a:t>
             </a:r>
             <a:r>
               <a:rPr sz="1800">
@@ -8175,24 +7949,115 @@
               </a:rPr>
               <a:t>)</a:t>
             </a:r>
-          </a:p>
-          <a:p>
-            <a:pPr lvl="0" marL="0" indent="0">
-              <a:buNone/>
-            </a:pPr>
-            <a:r>
-              <a:rPr/>
-              <a:t>The </a:t>
-            </a:r>
-            <a:r>
-              <a:rPr sz="1800">
-                <a:latin typeface="Courier"/>
-              </a:rPr>
-              <a:t>na.rm</a:t>
-            </a:r>
-            <a:r>
-              <a:rPr/>
-              <a:t> argument tells R to ignore missing values in the variable. What happens if you leave it out?</a:t>
+            <a:br/>
+            <a:r>
+              <a:rPr sz="1800" b="1">
+                <a:solidFill>
+                  <a:srgbClr val="007020"/>
+                </a:solidFill>
+                <a:latin typeface="Courier"/>
+              </a:rPr>
+              <a:t>ggplot</a:t>
+            </a:r>
+            <a:r>
+              <a:rPr sz="1800">
+                <a:latin typeface="Courier"/>
+              </a:rPr>
+              <a:t>(dummy_</a:t>
+            </a:r>
+            <a:r>
+              <a:rPr sz="1800">
+                <a:solidFill>
+                  <a:srgbClr val="40A070"/>
+                </a:solidFill>
+                <a:latin typeface="Courier"/>
+              </a:rPr>
+              <a:t>2</a:t>
+            </a:r>
+            <a:r>
+              <a:rPr sz="1800">
+                <a:latin typeface="Courier"/>
+              </a:rPr>
+              <a:t>, </a:t>
+            </a:r>
+            <a:r>
+              <a:rPr sz="1800" b="1">
+                <a:solidFill>
+                  <a:srgbClr val="007020"/>
+                </a:solidFill>
+                <a:latin typeface="Courier"/>
+              </a:rPr>
+              <a:t>aes</a:t>
+            </a:r>
+            <a:r>
+              <a:rPr sz="1800">
+                <a:latin typeface="Courier"/>
+              </a:rPr>
+              <a:t>(</a:t>
+            </a:r>
+            <a:r>
+              <a:rPr sz="1800">
+                <a:solidFill>
+                  <a:srgbClr val="902000"/>
+                </a:solidFill>
+                <a:latin typeface="Courier"/>
+              </a:rPr>
+              <a:t>x =</a:t>
+            </a:r>
+            <a:r>
+              <a:rPr sz="1800">
+                <a:latin typeface="Courier"/>
+              </a:rPr>
+              <a:t> dummy_</a:t>
+            </a:r>
+            <a:r>
+              <a:rPr sz="1800">
+                <a:solidFill>
+                  <a:srgbClr val="40A070"/>
+                </a:solidFill>
+                <a:latin typeface="Courier"/>
+              </a:rPr>
+              <a:t>2</a:t>
+            </a:r>
+            <a:r>
+              <a:rPr sz="1800">
+                <a:latin typeface="Courier"/>
+              </a:rPr>
+              <a:t>)) </a:t>
+            </a:r>
+            <a:r>
+              <a:rPr sz="1800">
+                <a:solidFill>
+                  <a:srgbClr val="666666"/>
+                </a:solidFill>
+                <a:latin typeface="Courier"/>
+              </a:rPr>
+              <a:t>+</a:t>
+            </a:r>
+            <a:br/>
+            <a:r>
+              <a:rPr sz="1800">
+                <a:solidFill>
+                  <a:srgbClr val="4070A0"/>
+                </a:solidFill>
+                <a:latin typeface="Courier"/>
+              </a:rPr>
+              <a:t>  </a:t>
+            </a:r>
+            <a:r>
+              <a:rPr sz="1800" b="1">
+                <a:solidFill>
+                  <a:srgbClr val="007020"/>
+                </a:solidFill>
+                <a:latin typeface="Courier"/>
+              </a:rPr>
+              <a:t>geom_histogram</a:t>
+            </a:r>
+            <a:r>
+              <a:rPr sz="1800">
+                <a:latin typeface="Courier"/>
+              </a:rPr>
+              <a:t>()</a:t>
             </a:r>
           </a:p>
         </p:txBody>
@@ -8253,7 +8118,7 @@
             </a:r>
             <a:r>
               <a:rPr/>
-              <a:t>median</a:t>
+              <a:t>mean</a:t>
             </a:r>
             <a:r>
               <a:rPr/>
@@ -8269,15 +8134,15 @@
             </a:r>
             <a:r>
               <a:rPr/>
-              <a:t>interquartile</a:t>
-            </a:r>
-            <a:r>
-              <a:rPr/>
-              <a:t> </a:t>
-            </a:r>
-            <a:r>
-              <a:rPr/>
-              <a:t>range</a:t>
+              <a:t>standard</a:t>
+            </a:r>
+            <a:r>
+              <a:rPr/>
+              <a:t> </a:t>
+            </a:r>
+            <a:r>
+              <a:rPr/>
+              <a:t>deviation</a:t>
             </a:r>
           </a:p>
         </p:txBody>
@@ -8313,7 +8178,7 @@
                 </a:solidFill>
                 <a:latin typeface="Courier"/>
               </a:rPr>
-              <a:t>median</a:t>
+              <a:t>mean</a:t>
             </a:r>
             <a:r>
               <a:rPr sz="1800">
@@ -8334,7 +8199,7 @@
               <a:rPr sz="1800">
                 <a:latin typeface="Courier"/>
               </a:rPr>
-              <a:t>age_years, </a:t>
+              <a:t>height, </a:t>
             </a:r>
             <a:r>
               <a:rPr sz="1800">
@@ -8378,7 +8243,7 @@
                 </a:solidFill>
                 <a:latin typeface="Courier"/>
               </a:rPr>
-              <a:t>IQR</a:t>
+              <a:t>sd</a:t>
             </a:r>
             <a:r>
               <a:rPr sz="1800">
@@ -8399,7 +8264,7 @@
               <a:rPr sz="1800">
                 <a:latin typeface="Courier"/>
               </a:rPr>
-              <a:t>age_years, </a:t>
+              <a:t>height, </a:t>
             </a:r>
             <a:r>
               <a:rPr sz="1800">
@@ -8438,7 +8303,17 @@
             </a:pPr>
             <a:r>
               <a:rPr/>
-              <a:t>Again, we ignore the missing values.</a:t>
+              <a:t>The </a:t>
+            </a:r>
+            <a:r>
+              <a:rPr sz="1800">
+                <a:latin typeface="Courier"/>
+              </a:rPr>
+              <a:t>na.rm</a:t>
+            </a:r>
+            <a:r>
+              <a:rPr/>
+              <a:t> argument tells R to ignore missing values in the variable. What happens if you leave it out?</a:t>
             </a:r>
           </a:p>
         </p:txBody>
@@ -8465,87 +8340,36 @@
           <a:chExt cx="0" cy="0"/>
         </a:xfrm>
       </p:grpSpPr>
-      <p:sp>
-        <p:nvSpPr>
-          <p:cNvPr id="2" name="Title 1">
-            <a:extLst>
-              <a:ext uri="{FF2B5EF4-FFF2-40B4-BE49-F238E27FC236}">
-                <a16:creationId xmlns:a16="http://schemas.microsoft.com/office/drawing/2014/main" id="{5567D468-EE70-CD4E-A3AC-039CC11EF1FB}"/>
-              </a:ext>
-            </a:extLst>
-          </p:cNvPr>
-          <p:cNvSpPr>
-            <a:spLocks noGrp="1"/>
-          </p:cNvSpPr>
-          <p:nvPr>
-            <p:ph type="title"/>
-          </p:nvPr>
-        </p:nvSpPr>
-        <p:spPr/>
-        <p:txBody>
-          <a:bodyPr/>
-          <a:lstStyle/>
-          <a:p>
-            <a:pPr lvl="0" marL="0" indent="0">
-              <a:buNone/>
-            </a:pPr>
-            <a:r>
-              <a:rPr/>
-              <a:t>Content</a:t>
-            </a:r>
-          </a:p>
-        </p:txBody>
-      </p:sp>
-      <p:sp>
-        <p:nvSpPr>
-          <p:cNvPr id="3" name="Content Placeholder 2">
-            <a:extLst>
-              <a:ext uri="{FF2B5EF4-FFF2-40B4-BE49-F238E27FC236}">
-                <a16:creationId xmlns:a16="http://schemas.microsoft.com/office/drawing/2014/main" id="{D10DDA37-E46B-B641-BC9F-636CB92A2C08}"/>
-              </a:ext>
-            </a:extLst>
-          </p:cNvPr>
-          <p:cNvSpPr>
-            <a:spLocks noGrp="1"/>
-          </p:cNvSpPr>
-          <p:nvPr>
-            <p:ph idx="1"/>
-          </p:nvPr>
-        </p:nvSpPr>
-        <p:spPr/>
-        <p:txBody>
-          <a:bodyPr/>
-          <a:lstStyle/>
-          <a:p>
-            <a:pPr lvl="1"/>
-            <a:r>
-              <a:rPr/>
-              <a:t>Types of Data</a:t>
-            </a:r>
-          </a:p>
-          <a:p>
-            <a:pPr lvl="1"/>
-            <a:r>
-              <a:rPr/>
-              <a:t>Exploring your dataset</a:t>
-            </a:r>
-          </a:p>
-          <a:p>
-            <a:pPr lvl="1"/>
-            <a:r>
-              <a:rPr/>
-              <a:t>Descriptive Statistics</a:t>
-            </a:r>
-          </a:p>
-          <a:p>
-            <a:pPr lvl="1"/>
-            <a:r>
-              <a:rPr/>
-              <a:t>Inferential Statistics</a:t>
-            </a:r>
-          </a:p>
-        </p:txBody>
-      </p:sp>
+      <p:pic>
+        <p:nvPicPr>
+          <p:cNvPr descr="Images/Clinician%20Coders%20Branding_FINAL_CMYK_Colour.png" id="0" name="Picture 1"/>
+          <p:cNvPicPr>
+            <a:picLocks noGrp="1" noChangeAspect="1"/>
+          </p:cNvPicPr>
+          <p:nvPr/>
+        </p:nvPicPr>
+        <p:blipFill>
+          <a:blip r:embed="rId2"/>
+          <a:stretch>
+            <a:fillRect/>
+          </a:stretch>
+        </p:blipFill>
+        <p:spPr bwMode="auto">
+          <a:xfrm>
+            <a:off x="838200" y="2260600"/>
+            <a:ext cx="10515600" cy="3454400"/>
+          </a:xfrm>
+          <a:prstGeom prst="rect">
+            <a:avLst/>
+          </a:prstGeom>
+          <a:noFill/>
+          <a:ln w="9525">
+            <a:noFill/>
+            <a:headEnd/>
+            <a:tailEnd/>
+          </a:ln>
+        </p:spPr>
+      </p:pic>
     </p:spTree>
   </p:cSld>
 </p:sld>
@@ -8594,23 +8418,39 @@
             </a:pPr>
             <a:r>
               <a:rPr/>
-              <a:t>Describing</a:t>
-            </a:r>
-            <a:r>
-              <a:rPr/>
-              <a:t> </a:t>
-            </a:r>
-            <a:r>
-              <a:rPr/>
-              <a:t>discrete</a:t>
-            </a:r>
-            <a:r>
-              <a:rPr/>
-              <a:t> </a:t>
-            </a:r>
-            <a:r>
-              <a:rPr/>
-              <a:t>data</a:t>
+              <a:t>Calculating</a:t>
+            </a:r>
+            <a:r>
+              <a:rPr/>
+              <a:t> </a:t>
+            </a:r>
+            <a:r>
+              <a:rPr/>
+              <a:t>median</a:t>
+            </a:r>
+            <a:r>
+              <a:rPr/>
+              <a:t> </a:t>
+            </a:r>
+            <a:r>
+              <a:rPr/>
+              <a:t>and</a:t>
+            </a:r>
+            <a:r>
+              <a:rPr/>
+              <a:t> </a:t>
+            </a:r>
+            <a:r>
+              <a:rPr/>
+              <a:t>interquartile</a:t>
+            </a:r>
+            <a:r>
+              <a:rPr/>
+              <a:t> </a:t>
+            </a:r>
+            <a:r>
+              <a:rPr/>
+              <a:t>range</a:t>
             </a:r>
           </a:p>
         </p:txBody>
@@ -8635,13 +8475,6 @@
         <p:txBody>
           <a:bodyPr/>
           <a:lstStyle/>
-          <a:p>
-            <a:pPr lvl="1"/>
-            <a:r>
-              <a:rPr/>
-              <a:t>Frequencies</a:t>
-            </a:r>
-          </a:p>
           <a:p>
             <a:pPr lvl="0" marL="1270000" indent="0">
               <a:buNone/>
@@ -8653,7 +8486,7 @@
                 </a:solidFill>
                 <a:latin typeface="Courier"/>
               </a:rPr>
-              <a:t>table</a:t>
+              <a:t>median</a:t>
             </a:r>
             <a:r>
               <a:rPr sz="1800">
@@ -8674,35 +8507,43 @@
               <a:rPr sz="1800">
                 <a:latin typeface="Courier"/>
               </a:rPr>
-              <a:t>care_level)</a:t>
-            </a:r>
-          </a:p>
-          <a:p>
-            <a:pPr lvl="1"/>
-            <a:r>
-              <a:rPr/>
-              <a:t>Proportions</a:t>
+              <a:t>age_years, </a:t>
+            </a:r>
+            <a:r>
+              <a:rPr sz="1800">
+                <a:solidFill>
+                  <a:srgbClr val="902000"/>
+                </a:solidFill>
+                <a:latin typeface="Courier"/>
+              </a:rPr>
+              <a:t>na.rm =</a:t>
+            </a:r>
+            <a:r>
+              <a:rPr sz="1800">
+                <a:latin typeface="Courier"/>
+              </a:rPr>
+              <a:t> </a:t>
+            </a:r>
+            <a:r>
+              <a:rPr sz="1800">
+                <a:solidFill>
+                  <a:srgbClr val="007020"/>
+                </a:solidFill>
+                <a:latin typeface="Courier"/>
+              </a:rPr>
+              <a:t>TRUE</a:t>
+            </a:r>
+            <a:r>
+              <a:rPr sz="1800">
+                <a:latin typeface="Courier"/>
+              </a:rPr>
+              <a:t>)</a:t>
             </a:r>
           </a:p>
           <a:p>
             <a:pPr lvl="0" marL="1270000" indent="0">
               <a:buNone/>
             </a:pPr>
-            <a:r>
-              <a:rPr sz="1800">
-                <a:latin typeface="Courier"/>
-              </a:rPr>
-              <a:t>care &lt;-</a:t>
-            </a:r>
-            <a:r>
-              <a:rPr sz="1800">
-                <a:solidFill>
-                  <a:srgbClr val="4070A0"/>
-                </a:solidFill>
-                <a:latin typeface="Courier"/>
-              </a:rPr>
-              <a:t> </a:t>
-            </a:r>
             <a:r>
               <a:rPr sz="1800" b="1">
                 <a:solidFill>
@@ -8710,7 +8551,7 @@
                 </a:solidFill>
                 <a:latin typeface="Courier"/>
               </a:rPr>
-              <a:t>table</a:t>
+              <a:t>IQR</a:t>
             </a:r>
             <a:r>
               <a:rPr sz="1800">
@@ -8731,50 +8572,46 @@
               <a:rPr sz="1800">
                 <a:latin typeface="Courier"/>
               </a:rPr>
-              <a:t>care_level)</a:t>
-            </a:r>
-            <a:br/>
-            <a:r>
-              <a:rPr sz="1800" b="1">
+              <a:t>age_years, </a:t>
+            </a:r>
+            <a:r>
+              <a:rPr sz="1800">
+                <a:solidFill>
+                  <a:srgbClr val="902000"/>
+                </a:solidFill>
+                <a:latin typeface="Courier"/>
+              </a:rPr>
+              <a:t>na.rm =</a:t>
+            </a:r>
+            <a:r>
+              <a:rPr sz="1800">
+                <a:latin typeface="Courier"/>
+              </a:rPr>
+              <a:t> </a:t>
+            </a:r>
+            <a:r>
+              <a:rPr sz="1800">
                 <a:solidFill>
                   <a:srgbClr val="007020"/>
                 </a:solidFill>
                 <a:latin typeface="Courier"/>
               </a:rPr>
-              <a:t>prop.table</a:t>
-            </a:r>
-            <a:r>
-              <a:rPr sz="1800">
-                <a:latin typeface="Courier"/>
-              </a:rPr>
-              <a:t> (care)</a:t>
-            </a:r>
-          </a:p>
-          <a:p>
-            <a:pPr lvl="1"/>
-            <a:r>
-              <a:rPr/>
-              <a:t>Percentatages</a:t>
-            </a:r>
-          </a:p>
-          <a:p>
-            <a:pPr lvl="0" marL="1270000" indent="0">
+              <a:t>TRUE</a:t>
+            </a:r>
+            <a:r>
+              <a:rPr sz="1800">
+                <a:latin typeface="Courier"/>
+              </a:rPr>
+              <a:t>)</a:t>
+            </a:r>
+          </a:p>
+          <a:p>
+            <a:pPr lvl="0" marL="0" indent="0">
               <a:buNone/>
             </a:pPr>
             <a:r>
-              <a:rPr sz="1800" b="1">
-                <a:solidFill>
-                  <a:srgbClr val="007020"/>
-                </a:solidFill>
-                <a:latin typeface="Courier"/>
-              </a:rPr>
-              <a:t>PercTable</a:t>
-            </a:r>
-            <a:r>
-              <a:rPr sz="1800">
-                <a:latin typeface="Courier"/>
-              </a:rPr>
-              <a:t>(care)</a:t>
+              <a:rPr/>
+              <a:t>Again, we ignore the missing values.</a:t>
             </a:r>
           </a:p>
         </p:txBody>
@@ -8785,6 +8622,239 @@
 </file>
 
 <file path=ppt/slides/slide21.xml><?xml version="1.0" encoding="utf-8"?>
+<p:sld xmlns:a="http://schemas.openxmlformats.org/drawingml/2006/main" xmlns:r="http://schemas.openxmlformats.org/officeDocument/2006/relationships" xmlns:p="http://schemas.openxmlformats.org/presentationml/2006/main">
+  <p:cSld>
+    <p:spTree>
+      <p:nvGrpSpPr>
+        <p:cNvPr id="1" name=""/>
+        <p:cNvGrpSpPr/>
+        <p:nvPr/>
+      </p:nvGrpSpPr>
+      <p:grpSpPr>
+        <a:xfrm>
+          <a:off x="0" y="0"/>
+          <a:ext cx="0" cy="0"/>
+          <a:chOff x="0" y="0"/>
+          <a:chExt cx="0" cy="0"/>
+        </a:xfrm>
+      </p:grpSpPr>
+      <p:sp>
+        <p:nvSpPr>
+          <p:cNvPr id="2" name="Title 1">
+            <a:extLst>
+              <a:ext uri="{FF2B5EF4-FFF2-40B4-BE49-F238E27FC236}">
+                <a16:creationId xmlns:a16="http://schemas.microsoft.com/office/drawing/2014/main" id="{5567D468-EE70-CD4E-A3AC-039CC11EF1FB}"/>
+              </a:ext>
+            </a:extLst>
+          </p:cNvPr>
+          <p:cNvSpPr>
+            <a:spLocks noGrp="1"/>
+          </p:cNvSpPr>
+          <p:nvPr>
+            <p:ph type="title"/>
+          </p:nvPr>
+        </p:nvSpPr>
+        <p:spPr/>
+        <p:txBody>
+          <a:bodyPr/>
+          <a:lstStyle/>
+          <a:p>
+            <a:pPr lvl="0" marL="0" indent="0">
+              <a:buNone/>
+            </a:pPr>
+            <a:r>
+              <a:rPr/>
+              <a:t>Describing</a:t>
+            </a:r>
+            <a:r>
+              <a:rPr/>
+              <a:t> </a:t>
+            </a:r>
+            <a:r>
+              <a:rPr/>
+              <a:t>discrete</a:t>
+            </a:r>
+            <a:r>
+              <a:rPr/>
+              <a:t> </a:t>
+            </a:r>
+            <a:r>
+              <a:rPr/>
+              <a:t>data</a:t>
+            </a:r>
+          </a:p>
+        </p:txBody>
+      </p:sp>
+      <p:sp>
+        <p:nvSpPr>
+          <p:cNvPr id="3" name="Content Placeholder 2">
+            <a:extLst>
+              <a:ext uri="{FF2B5EF4-FFF2-40B4-BE49-F238E27FC236}">
+                <a16:creationId xmlns:a16="http://schemas.microsoft.com/office/drawing/2014/main" id="{D10DDA37-E46B-B641-BC9F-636CB92A2C08}"/>
+              </a:ext>
+            </a:extLst>
+          </p:cNvPr>
+          <p:cNvSpPr>
+            <a:spLocks noGrp="1"/>
+          </p:cNvSpPr>
+          <p:nvPr>
+            <p:ph idx="1"/>
+          </p:nvPr>
+        </p:nvSpPr>
+        <p:spPr/>
+        <p:txBody>
+          <a:bodyPr/>
+          <a:lstStyle/>
+          <a:p>
+            <a:pPr lvl="1"/>
+            <a:r>
+              <a:rPr/>
+              <a:t>Frequencies</a:t>
+            </a:r>
+          </a:p>
+          <a:p>
+            <a:pPr lvl="0" marL="1270000" indent="0">
+              <a:buNone/>
+            </a:pPr>
+            <a:r>
+              <a:rPr sz="1800" b="1">
+                <a:solidFill>
+                  <a:srgbClr val="007020"/>
+                </a:solidFill>
+                <a:latin typeface="Courier"/>
+              </a:rPr>
+              <a:t>table</a:t>
+            </a:r>
+            <a:r>
+              <a:rPr sz="1800">
+                <a:latin typeface="Courier"/>
+              </a:rPr>
+              <a:t>(cchic</a:t>
+            </a:r>
+            <a:r>
+              <a:rPr sz="1800">
+                <a:solidFill>
+                  <a:srgbClr val="666666"/>
+                </a:solidFill>
+                <a:latin typeface="Courier"/>
+              </a:rPr>
+              <a:t>$</a:t>
+            </a:r>
+            <a:r>
+              <a:rPr sz="1800">
+                <a:latin typeface="Courier"/>
+              </a:rPr>
+              <a:t>care_level)</a:t>
+            </a:r>
+          </a:p>
+          <a:p>
+            <a:pPr lvl="1"/>
+            <a:r>
+              <a:rPr/>
+              <a:t>Proportions</a:t>
+            </a:r>
+          </a:p>
+          <a:p>
+            <a:pPr lvl="0" marL="1270000" indent="0">
+              <a:buNone/>
+            </a:pPr>
+            <a:r>
+              <a:rPr sz="1800">
+                <a:latin typeface="Courier"/>
+              </a:rPr>
+              <a:t>care &lt;-</a:t>
+            </a:r>
+            <a:r>
+              <a:rPr sz="1800">
+                <a:solidFill>
+                  <a:srgbClr val="4070A0"/>
+                </a:solidFill>
+                <a:latin typeface="Courier"/>
+              </a:rPr>
+              <a:t> </a:t>
+            </a:r>
+            <a:r>
+              <a:rPr sz="1800" b="1">
+                <a:solidFill>
+                  <a:srgbClr val="007020"/>
+                </a:solidFill>
+                <a:latin typeface="Courier"/>
+              </a:rPr>
+              <a:t>table</a:t>
+            </a:r>
+            <a:r>
+              <a:rPr sz="1800">
+                <a:latin typeface="Courier"/>
+              </a:rPr>
+              <a:t>(cchic</a:t>
+            </a:r>
+            <a:r>
+              <a:rPr sz="1800">
+                <a:solidFill>
+                  <a:srgbClr val="666666"/>
+                </a:solidFill>
+                <a:latin typeface="Courier"/>
+              </a:rPr>
+              <a:t>$</a:t>
+            </a:r>
+            <a:r>
+              <a:rPr sz="1800">
+                <a:latin typeface="Courier"/>
+              </a:rPr>
+              <a:t>care_level)</a:t>
+            </a:r>
+            <a:br/>
+            <a:r>
+              <a:rPr sz="1800" b="1">
+                <a:solidFill>
+                  <a:srgbClr val="007020"/>
+                </a:solidFill>
+                <a:latin typeface="Courier"/>
+              </a:rPr>
+              <a:t>prop.table</a:t>
+            </a:r>
+            <a:r>
+              <a:rPr sz="1800">
+                <a:latin typeface="Courier"/>
+              </a:rPr>
+              <a:t>(care)</a:t>
+            </a:r>
+          </a:p>
+          <a:p>
+            <a:pPr lvl="1"/>
+            <a:r>
+              <a:rPr/>
+              <a:t>Percentatages</a:t>
+            </a:r>
+          </a:p>
+          <a:p>
+            <a:pPr lvl="0" marL="1270000" indent="0">
+              <a:buNone/>
+            </a:pPr>
+            <a:r>
+              <a:rPr sz="1800" b="1">
+                <a:solidFill>
+                  <a:srgbClr val="007020"/>
+                </a:solidFill>
+                <a:latin typeface="Courier"/>
+              </a:rPr>
+              <a:t>PercTable</a:t>
+            </a:r>
+            <a:r>
+              <a:rPr sz="1800">
+                <a:latin typeface="Courier"/>
+              </a:rPr>
+              <a:t>(care)</a:t>
+            </a:r>
+          </a:p>
+        </p:txBody>
+      </p:sp>
+    </p:spTree>
+  </p:cSld>
+</p:sld>
+</file>
+
+<file path=ppt/slides/slide22.xml><?xml version="1.0" encoding="utf-8"?>
 <p:sld xmlns:a="http://schemas.openxmlformats.org/drawingml/2006/main" xmlns:r="http://schemas.openxmlformats.org/officeDocument/2006/relationships" xmlns:p="http://schemas.openxmlformats.org/presentationml/2006/main">
   <p:cSld>
     <p:spTree>
@@ -8905,7 +8975,7 @@
 </p:sld>
 </file>
 
-<file path=ppt/slides/slide22.xml><?xml version="1.0" encoding="utf-8"?>
+<file path=ppt/slides/slide23.xml><?xml version="1.0" encoding="utf-8"?>
 <p:sld xmlns:a="http://schemas.openxmlformats.org/drawingml/2006/main" xmlns:r="http://schemas.openxmlformats.org/officeDocument/2006/relationships" xmlns:p="http://schemas.openxmlformats.org/presentationml/2006/main">
   <p:cSld>
     <p:spTree>
@@ -9016,7 +9086,7 @@
 </p:sld>
 </file>
 
-<file path=ppt/slides/slide23.xml><?xml version="1.0" encoding="utf-8"?>
+<file path=ppt/slides/slide24.xml><?xml version="1.0" encoding="utf-8"?>
 <p:sld xmlns:a="http://schemas.openxmlformats.org/drawingml/2006/main" xmlns:r="http://schemas.openxmlformats.org/officeDocument/2006/relationships" xmlns:p="http://schemas.openxmlformats.org/presentationml/2006/main">
   <p:cSld>
     <p:spTree>
@@ -9123,7 +9193,7 @@
 </p:sld>
 </file>
 
-<file path=ppt/slides/slide24.xml><?xml version="1.0" encoding="utf-8"?>
+<file path=ppt/slides/slide25.xml><?xml version="1.0" encoding="utf-8"?>
 <p:sld xmlns:a="http://schemas.openxmlformats.org/drawingml/2006/main" xmlns:r="http://schemas.openxmlformats.org/officeDocument/2006/relationships" xmlns:p="http://schemas.openxmlformats.org/presentationml/2006/main">
   <p:cSld>
     <p:spTree>
@@ -9238,117 +9308,6 @@
 </p:sld>
 </file>
 
-<file path=ppt/slides/slide25.xml><?xml version="1.0" encoding="utf-8"?>
-<p:sld xmlns:a="http://schemas.openxmlformats.org/drawingml/2006/main" xmlns:r="http://schemas.openxmlformats.org/officeDocument/2006/relationships" xmlns:p="http://schemas.openxmlformats.org/presentationml/2006/main">
-  <p:cSld>
-    <p:spTree>
-      <p:nvGrpSpPr>
-        <p:cNvPr id="1" name=""/>
-        <p:cNvGrpSpPr/>
-        <p:nvPr/>
-      </p:nvGrpSpPr>
-      <p:grpSpPr>
-        <a:xfrm>
-          <a:off x="0" y="0"/>
-          <a:ext cx="0" cy="0"/>
-          <a:chOff x="0" y="0"/>
-          <a:chExt cx="0" cy="0"/>
-        </a:xfrm>
-      </p:grpSpPr>
-      <p:sp>
-        <p:nvSpPr>
-          <p:cNvPr id="2" name="Title 1">
-            <a:extLst>
-              <a:ext uri="{FF2B5EF4-FFF2-40B4-BE49-F238E27FC236}">
-                <a16:creationId xmlns:a16="http://schemas.microsoft.com/office/drawing/2014/main" id="{5567D468-EE70-CD4E-A3AC-039CC11EF1FB}"/>
-              </a:ext>
-            </a:extLst>
-          </p:cNvPr>
-          <p:cNvSpPr>
-            <a:spLocks noGrp="1"/>
-          </p:cNvSpPr>
-          <p:nvPr>
-            <p:ph type="title"/>
-          </p:nvPr>
-        </p:nvSpPr>
-        <p:spPr/>
-        <p:txBody>
-          <a:bodyPr/>
-          <a:lstStyle/>
-          <a:p>
-            <a:pPr lvl="0" marL="0" indent="0">
-              <a:buNone/>
-            </a:pPr>
-            <a:r>
-              <a:rPr/>
-              <a:t>Testing</a:t>
-            </a:r>
-            <a:r>
-              <a:rPr/>
-              <a:t> </a:t>
-            </a:r>
-            <a:r>
-              <a:rPr/>
-              <a:t>significance</a:t>
-            </a:r>
-          </a:p>
-        </p:txBody>
-      </p:sp>
-      <p:sp>
-        <p:nvSpPr>
-          <p:cNvPr id="3" name="Content Placeholder 2">
-            <a:extLst>
-              <a:ext uri="{FF2B5EF4-FFF2-40B4-BE49-F238E27FC236}">
-                <a16:creationId xmlns:a16="http://schemas.microsoft.com/office/drawing/2014/main" id="{D10DDA37-E46B-B641-BC9F-636CB92A2C08}"/>
-              </a:ext>
-            </a:extLst>
-          </p:cNvPr>
-          <p:cNvSpPr>
-            <a:spLocks noGrp="1"/>
-          </p:cNvSpPr>
-          <p:nvPr>
-            <p:ph idx="1"/>
-          </p:nvPr>
-        </p:nvSpPr>
-        <p:spPr/>
-        <p:txBody>
-          <a:bodyPr/>
-          <a:lstStyle/>
-          <a:p>
-            <a:pPr lvl="1"/>
-            <a:r>
-              <a:rPr/>
-              <a:t>p-value</a:t>
-            </a:r>
-          </a:p>
-          <a:p>
-            <a:pPr lvl="1"/>
-            <a:r>
-              <a:rPr/>
-              <a:t>&lt;0.05</a:t>
-            </a:r>
-          </a:p>
-          <a:p>
-            <a:pPr lvl="1"/>
-            <a:r>
-              <a:rPr/>
-              <a:t>0.03-0.049</a:t>
-            </a:r>
-          </a:p>
-          <a:p>
-            <a:pPr lvl="2"/>
-            <a:r>
-              <a:rPr/>
-              <a:t>Would benefit from further testing.</a:t>
-            </a:r>
-          </a:p>
-        </p:txBody>
-      </p:sp>
-    </p:spTree>
-  </p:cSld>
-</p:sld>
-</file>
-
 <file path=ppt/slides/slide26.xml><?xml version="1.0" encoding="utf-8"?>
 <p:sld xmlns:a="http://schemas.openxmlformats.org/drawingml/2006/main" xmlns:r="http://schemas.openxmlformats.org/officeDocument/2006/relationships" xmlns:p="http://schemas.openxmlformats.org/presentationml/2006/main">
   <p:cSld>
@@ -9392,15 +9351,15 @@
             </a:pPr>
             <a:r>
               <a:rPr/>
-              <a:t>Comparing</a:t>
-            </a:r>
-            <a:r>
-              <a:rPr/>
-              <a:t> </a:t>
-            </a:r>
-            <a:r>
-              <a:rPr/>
-              <a:t>means</a:t>
+              <a:t>Testing</a:t>
+            </a:r>
+            <a:r>
+              <a:rPr/>
+              <a:t> </a:t>
+            </a:r>
+            <a:r>
+              <a:rPr/>
+              <a:t>significance</a:t>
             </a:r>
           </a:p>
         </p:txBody>
@@ -9426,40 +9385,31 @@
           <a:bodyPr/>
           <a:lstStyle/>
           <a:p>
-            <a:pPr lvl="0" marL="0" indent="0">
-              <a:buNone/>
-            </a:pPr>
-            <a:r>
-              <a:rPr/>
-              <a:t>It all starts with a hypothesis</a:t>
-            </a:r>
-          </a:p>
-          <a:p>
             <a:pPr lvl="1"/>
             <a:r>
               <a:rPr/>
-              <a:t>Null hypothesis</a:t>
+              <a:t>p-value</a:t>
+            </a:r>
+          </a:p>
+          <a:p>
+            <a:pPr lvl="1"/>
+            <a:r>
+              <a:rPr/>
+              <a:t>&lt;0.05</a:t>
+            </a:r>
+          </a:p>
+          <a:p>
+            <a:pPr lvl="1"/>
+            <a:r>
+              <a:rPr/>
+              <a:t>0.03-0.049</a:t>
             </a:r>
           </a:p>
           <a:p>
             <a:pPr lvl="2"/>
             <a:r>
               <a:rPr/>
-              <a:t>“There is no difference in mean height between men and women”</a:t>
-            </a:r>
-          </a:p>
-          <a:p>
-            <a:pPr lvl="1"/>
-            <a:r>
-              <a:rPr/>
-              <a:t>Alternate hypothesis</a:t>
-            </a:r>
-          </a:p>
-          <a:p>
-            <a:pPr lvl="2"/>
-            <a:r>
-              <a:rPr/>
-              <a:t>“There is a difference in mean height between men and women”</a:t>
+              <a:t>Would benefit from further testing.</a:t>
             </a:r>
           </a:p>
         </p:txBody>
@@ -9512,31 +9462,15 @@
             </a:pPr>
             <a:r>
               <a:rPr/>
-              <a:t>More</a:t>
-            </a:r>
-            <a:r>
-              <a:rPr/>
-              <a:t> </a:t>
-            </a:r>
-            <a:r>
-              <a:rPr/>
-              <a:t>on</a:t>
-            </a:r>
-            <a:r>
-              <a:rPr/>
-              <a:t> </a:t>
-            </a:r>
-            <a:r>
-              <a:rPr/>
-              <a:t>hypothesis</a:t>
-            </a:r>
-            <a:r>
-              <a:rPr/>
-              <a:t> </a:t>
-            </a:r>
-            <a:r>
-              <a:rPr/>
-              <a:t>testing</a:t>
+              <a:t>Comparing</a:t>
+            </a:r>
+            <a:r>
+              <a:rPr/>
+              <a:t> </a:t>
+            </a:r>
+            <a:r>
+              <a:rPr/>
+              <a:t>means</a:t>
             </a:r>
           </a:p>
         </p:txBody>
@@ -9562,38 +9496,40 @@
           <a:bodyPr/>
           <a:lstStyle/>
           <a:p>
+            <a:pPr lvl="0" marL="0" indent="0">
+              <a:buNone/>
+            </a:pPr>
+            <a:r>
+              <a:rPr/>
+              <a:t>It all starts with a hypothesis</a:t>
+            </a:r>
+          </a:p>
+          <a:p>
             <a:pPr lvl="1"/>
             <a:r>
               <a:rPr/>
-              <a:t>The null hypothesis (H0) assumes that the true mean difference (μd) is equal to zero.</a:t>
+              <a:t>Null hypothesis</a:t>
+            </a:r>
+          </a:p>
+          <a:p>
+            <a:pPr lvl="2"/>
+            <a:r>
+              <a:rPr/>
+              <a:t>“There is no difference in mean height between men and women”</a:t>
             </a:r>
           </a:p>
           <a:p>
             <a:pPr lvl="1"/>
             <a:r>
               <a:rPr/>
-              <a:t>The two-tailed alternative hypothesis (H1) assumes that μd is not equal to zero.</a:t>
-            </a:r>
-          </a:p>
-          <a:p>
-            <a:pPr lvl="1"/>
-            <a:r>
-              <a:rPr/>
-              <a:t>The upper-tailed alternative hypothesis (H1) assumes that μd is greater than zero.</a:t>
-            </a:r>
-          </a:p>
-          <a:p>
-            <a:pPr lvl="1"/>
-            <a:r>
-              <a:rPr/>
-              <a:t>The lower-tailed alternative hypothesis (H1) assumes that μd is less than zero.</a:t>
-            </a:r>
-          </a:p>
-          <a:p>
-            <a:pPr lvl="1"/>
-            <a:r>
-              <a:rPr/>
-              <a:t>Remember: hypotheses are never about data, they are about the processes which produce the data. The value of μd is unknown. The goal of hypothesis testing is to determine the hypothesis (null or alternative) with which the data are more consistent.</a:t>
+              <a:t>Alternate hypothesis</a:t>
+            </a:r>
+          </a:p>
+          <a:p>
+            <a:pPr lvl="2"/>
+            <a:r>
+              <a:rPr/>
+              <a:t>“There is a difference in mean height between men and women”</a:t>
             </a:r>
           </a:p>
         </p:txBody>
@@ -9646,15 +9582,31 @@
             </a:pPr>
             <a:r>
               <a:rPr/>
-              <a:t>Comparing</a:t>
-            </a:r>
-            <a:r>
-              <a:rPr/>
-              <a:t> </a:t>
-            </a:r>
-            <a:r>
-              <a:rPr/>
-              <a:t>means</a:t>
+              <a:t>More</a:t>
+            </a:r>
+            <a:r>
+              <a:rPr/>
+              <a:t> </a:t>
+            </a:r>
+            <a:r>
+              <a:rPr/>
+              <a:t>on</a:t>
+            </a:r>
+            <a:r>
+              <a:rPr/>
+              <a:t> </a:t>
+            </a:r>
+            <a:r>
+              <a:rPr/>
+              <a:t>hypothesis</a:t>
+            </a:r>
+            <a:r>
+              <a:rPr/>
+              <a:t> </a:t>
+            </a:r>
+            <a:r>
+              <a:rPr/>
+              <a:t>testing</a:t>
             </a:r>
           </a:p>
         </p:txBody>
@@ -9680,193 +9632,38 @@
           <a:bodyPr/>
           <a:lstStyle/>
           <a:p>
-            <a:pPr lvl="0" marL="0" indent="0">
-              <a:buNone/>
-            </a:pPr>
-            <a:r>
-              <a:rPr/>
-              <a:t>Is there a difference between the heights of males and females?</a:t>
-            </a:r>
-          </a:p>
-          <a:p>
-            <a:pPr lvl="0" marL="1270000" indent="0">
-              <a:buNone/>
-            </a:pPr>
-            <a:r>
-              <a:rPr sz="1800">
-                <a:latin typeface="Courier"/>
-              </a:rPr>
-              <a:t>cchic </a:t>
-            </a:r>
-            <a:r>
-              <a:rPr sz="1800">
-                <a:solidFill>
-                  <a:srgbClr val="666666"/>
-                </a:solidFill>
-                <a:latin typeface="Courier"/>
-              </a:rPr>
-              <a:t>%&gt;%</a:t>
-            </a:r>
-            <a:r>
-              <a:rPr sz="1800">
-                <a:solidFill>
-                  <a:srgbClr val="4070A0"/>
-                </a:solidFill>
-                <a:latin typeface="Courier"/>
-              </a:rPr>
-              <a:t> </a:t>
-            </a:r>
-            <a:br/>
-            <a:r>
-              <a:rPr sz="1800">
-                <a:solidFill>
-                  <a:srgbClr val="4070A0"/>
-                </a:solidFill>
-                <a:latin typeface="Courier"/>
-              </a:rPr>
-              <a:t>  </a:t>
-            </a:r>
-            <a:r>
-              <a:rPr sz="1800" b="1">
-                <a:solidFill>
-                  <a:srgbClr val="007020"/>
-                </a:solidFill>
-                <a:latin typeface="Courier"/>
-              </a:rPr>
-              <a:t>group_by</a:t>
-            </a:r>
-            <a:r>
-              <a:rPr sz="1800">
-                <a:latin typeface="Courier"/>
-              </a:rPr>
-              <a:t>(sex) </a:t>
-            </a:r>
-            <a:r>
-              <a:rPr sz="1800">
-                <a:solidFill>
-                  <a:srgbClr val="666666"/>
-                </a:solidFill>
-                <a:latin typeface="Courier"/>
-              </a:rPr>
-              <a:t>%&gt;%</a:t>
-            </a:r>
-            <a:r>
-              <a:rPr sz="1800">
-                <a:solidFill>
-                  <a:srgbClr val="4070A0"/>
-                </a:solidFill>
-                <a:latin typeface="Courier"/>
-              </a:rPr>
-              <a:t> </a:t>
-            </a:r>
-            <a:br/>
-            <a:r>
-              <a:rPr sz="1800">
-                <a:solidFill>
-                  <a:srgbClr val="4070A0"/>
-                </a:solidFill>
-                <a:latin typeface="Courier"/>
-              </a:rPr>
-              <a:t>  </a:t>
-            </a:r>
-            <a:r>
-              <a:rPr sz="1800" b="1">
-                <a:solidFill>
-                  <a:srgbClr val="007020"/>
-                </a:solidFill>
-                <a:latin typeface="Courier"/>
-              </a:rPr>
-              <a:t>summarise</a:t>
-            </a:r>
-            <a:r>
-              <a:rPr sz="1800">
-                <a:latin typeface="Courier"/>
-              </a:rPr>
-              <a:t>(</a:t>
-            </a:r>
-            <a:r>
-              <a:rPr sz="1800">
-                <a:solidFill>
-                  <a:srgbClr val="902000"/>
-                </a:solidFill>
-                <a:latin typeface="Courier"/>
-              </a:rPr>
-              <a:t>av.height =</a:t>
-            </a:r>
-            <a:r>
-              <a:rPr sz="1800">
-                <a:latin typeface="Courier"/>
-              </a:rPr>
-              <a:t> </a:t>
-            </a:r>
-            <a:r>
-              <a:rPr sz="1800" b="1">
-                <a:solidFill>
-                  <a:srgbClr val="007020"/>
-                </a:solidFill>
-                <a:latin typeface="Courier"/>
-              </a:rPr>
-              <a:t>mean</a:t>
-            </a:r>
-            <a:r>
-              <a:rPr sz="1800">
-                <a:latin typeface="Courier"/>
-              </a:rPr>
-              <a:t>(height, </a:t>
-            </a:r>
-            <a:r>
-              <a:rPr sz="1800">
-                <a:solidFill>
-                  <a:srgbClr val="902000"/>
-                </a:solidFill>
-                <a:latin typeface="Courier"/>
-              </a:rPr>
-              <a:t>na.rm=</a:t>
-            </a:r>
-            <a:r>
-              <a:rPr sz="1800">
-                <a:latin typeface="Courier"/>
-              </a:rPr>
-              <a:t> </a:t>
-            </a:r>
-            <a:r>
-              <a:rPr sz="1800">
-                <a:solidFill>
-                  <a:srgbClr val="007020"/>
-                </a:solidFill>
-                <a:latin typeface="Courier"/>
-              </a:rPr>
-              <a:t>TRUE</a:t>
-            </a:r>
-            <a:r>
-              <a:rPr sz="1800">
-                <a:latin typeface="Courier"/>
-              </a:rPr>
-              <a:t>))</a:t>
-            </a:r>
-          </a:p>
-          <a:p>
-            <a:pPr lvl="0" marL="1270000" indent="0">
-              <a:buNone/>
-            </a:pPr>
-            <a:r>
-              <a:rPr sz="1800">
-                <a:latin typeface="Courier"/>
-              </a:rPr>
-              <a:t>## # A tibble: 2 x 2
-##   sex   av.height
-##   &lt;chr&gt;     &lt;dbl&gt;
-## 1 F          163.
-## 2 M          173.</a:t>
-            </a:r>
-          </a:p>
-          <a:p>
-            <a:pPr lvl="0" marL="0" indent="0">
-              <a:buNone/>
-            </a:pPr>
-            <a:r>
-              <a:rPr/>
-              <a:t>Is the difference between heights statistically significant?</a:t>
+            <a:pPr lvl="1"/>
+            <a:r>
+              <a:rPr/>
+              <a:t>The null hypothesis (H0) assumes that the true mean difference (μd) is equal to zero.</a:t>
+            </a:r>
+          </a:p>
+          <a:p>
+            <a:pPr lvl="1"/>
+            <a:r>
+              <a:rPr/>
+              <a:t>The two-tailed alternative hypothesis (H1) assumes that μd is not equal to zero.</a:t>
+            </a:r>
+          </a:p>
+          <a:p>
+            <a:pPr lvl="1"/>
+            <a:r>
+              <a:rPr/>
+              <a:t>The upper-tailed alternative hypothesis (H1) assumes that μd is greater than zero.</a:t>
+            </a:r>
+          </a:p>
+          <a:p>
+            <a:pPr lvl="1"/>
+            <a:r>
+              <a:rPr/>
+              <a:t>The lower-tailed alternative hypothesis (H1) assumes that μd is less than zero.</a:t>
+            </a:r>
+          </a:p>
+          <a:p>
+            <a:pPr lvl="1"/>
+            <a:r>
+              <a:rPr/>
+              <a:t>Remember: hypotheses are never about data, they are about the processes which produce the data. The value of μd is unknown. The goal of hypothesis testing is to determine the hypothesis (null or alternative) with which the data are more consistent.</a:t>
             </a:r>
           </a:p>
         </p:txBody>
@@ -9877,6 +9674,364 @@
 </file>
 
 <file path=ppt/slides/slide29.xml><?xml version="1.0" encoding="utf-8"?>
+<p:sld xmlns:a="http://schemas.openxmlformats.org/drawingml/2006/main" xmlns:r="http://schemas.openxmlformats.org/officeDocument/2006/relationships" xmlns:p="http://schemas.openxmlformats.org/presentationml/2006/main">
+  <p:cSld>
+    <p:spTree>
+      <p:nvGrpSpPr>
+        <p:cNvPr id="1" name=""/>
+        <p:cNvGrpSpPr/>
+        <p:nvPr/>
+      </p:nvGrpSpPr>
+      <p:grpSpPr>
+        <a:xfrm>
+          <a:off x="0" y="0"/>
+          <a:ext cx="0" cy="0"/>
+          <a:chOff x="0" y="0"/>
+          <a:chExt cx="0" cy="0"/>
+        </a:xfrm>
+      </p:grpSpPr>
+      <p:sp>
+        <p:nvSpPr>
+          <p:cNvPr id="2" name="Title 1">
+            <a:extLst>
+              <a:ext uri="{FF2B5EF4-FFF2-40B4-BE49-F238E27FC236}">
+                <a16:creationId xmlns:a16="http://schemas.microsoft.com/office/drawing/2014/main" id="{5567D468-EE70-CD4E-A3AC-039CC11EF1FB}"/>
+              </a:ext>
+            </a:extLst>
+          </p:cNvPr>
+          <p:cNvSpPr>
+            <a:spLocks noGrp="1"/>
+          </p:cNvSpPr>
+          <p:nvPr>
+            <p:ph type="title"/>
+          </p:nvPr>
+        </p:nvSpPr>
+        <p:spPr/>
+        <p:txBody>
+          <a:bodyPr/>
+          <a:lstStyle/>
+          <a:p>
+            <a:pPr lvl="0" marL="0" indent="0">
+              <a:buNone/>
+            </a:pPr>
+            <a:r>
+              <a:rPr/>
+              <a:t>Comparing</a:t>
+            </a:r>
+            <a:r>
+              <a:rPr/>
+              <a:t> </a:t>
+            </a:r>
+            <a:r>
+              <a:rPr/>
+              <a:t>means</a:t>
+            </a:r>
+          </a:p>
+        </p:txBody>
+      </p:sp>
+      <p:sp>
+        <p:nvSpPr>
+          <p:cNvPr id="3" name="Content Placeholder 2">
+            <a:extLst>
+              <a:ext uri="{FF2B5EF4-FFF2-40B4-BE49-F238E27FC236}">
+                <a16:creationId xmlns:a16="http://schemas.microsoft.com/office/drawing/2014/main" id="{D10DDA37-E46B-B641-BC9F-636CB92A2C08}"/>
+              </a:ext>
+            </a:extLst>
+          </p:cNvPr>
+          <p:cNvSpPr>
+            <a:spLocks noGrp="1"/>
+          </p:cNvSpPr>
+          <p:nvPr>
+            <p:ph idx="1"/>
+          </p:nvPr>
+        </p:nvSpPr>
+        <p:spPr/>
+        <p:txBody>
+          <a:bodyPr/>
+          <a:lstStyle/>
+          <a:p>
+            <a:pPr lvl="0" marL="0" indent="0">
+              <a:buNone/>
+            </a:pPr>
+            <a:r>
+              <a:rPr/>
+              <a:t>Is there a difference between the heights of males and females?</a:t>
+            </a:r>
+          </a:p>
+          <a:p>
+            <a:pPr lvl="0" marL="1270000" indent="0">
+              <a:buNone/>
+            </a:pPr>
+            <a:r>
+              <a:rPr sz="1800">
+                <a:latin typeface="Courier"/>
+              </a:rPr>
+              <a:t>cchic </a:t>
+            </a:r>
+            <a:r>
+              <a:rPr sz="1800">
+                <a:solidFill>
+                  <a:srgbClr val="666666"/>
+                </a:solidFill>
+                <a:latin typeface="Courier"/>
+              </a:rPr>
+              <a:t>%&gt;%</a:t>
+            </a:r>
+            <a:br/>
+            <a:r>
+              <a:rPr sz="1800">
+                <a:solidFill>
+                  <a:srgbClr val="4070A0"/>
+                </a:solidFill>
+                <a:latin typeface="Courier"/>
+              </a:rPr>
+              <a:t>  </a:t>
+            </a:r>
+            <a:r>
+              <a:rPr sz="1800" b="1">
+                <a:solidFill>
+                  <a:srgbClr val="007020"/>
+                </a:solidFill>
+                <a:latin typeface="Courier"/>
+              </a:rPr>
+              <a:t>group_by</a:t>
+            </a:r>
+            <a:r>
+              <a:rPr sz="1800">
+                <a:latin typeface="Courier"/>
+              </a:rPr>
+              <a:t>(sex) </a:t>
+            </a:r>
+            <a:r>
+              <a:rPr sz="1800">
+                <a:solidFill>
+                  <a:srgbClr val="666666"/>
+                </a:solidFill>
+                <a:latin typeface="Courier"/>
+              </a:rPr>
+              <a:t>%&gt;%</a:t>
+            </a:r>
+            <a:br/>
+            <a:r>
+              <a:rPr sz="1800">
+                <a:solidFill>
+                  <a:srgbClr val="4070A0"/>
+                </a:solidFill>
+                <a:latin typeface="Courier"/>
+              </a:rPr>
+              <a:t>  </a:t>
+            </a:r>
+            <a:r>
+              <a:rPr sz="1800" b="1">
+                <a:solidFill>
+                  <a:srgbClr val="007020"/>
+                </a:solidFill>
+                <a:latin typeface="Courier"/>
+              </a:rPr>
+              <a:t>summarise</a:t>
+            </a:r>
+            <a:r>
+              <a:rPr sz="1800">
+                <a:latin typeface="Courier"/>
+              </a:rPr>
+              <a:t>(</a:t>
+            </a:r>
+            <a:r>
+              <a:rPr sz="1800">
+                <a:solidFill>
+                  <a:srgbClr val="902000"/>
+                </a:solidFill>
+                <a:latin typeface="Courier"/>
+              </a:rPr>
+              <a:t>av.height =</a:t>
+            </a:r>
+            <a:r>
+              <a:rPr sz="1800">
+                <a:latin typeface="Courier"/>
+              </a:rPr>
+              <a:t> </a:t>
+            </a:r>
+            <a:r>
+              <a:rPr sz="1800" b="1">
+                <a:solidFill>
+                  <a:srgbClr val="007020"/>
+                </a:solidFill>
+                <a:latin typeface="Courier"/>
+              </a:rPr>
+              <a:t>mean</a:t>
+            </a:r>
+            <a:r>
+              <a:rPr sz="1800">
+                <a:latin typeface="Courier"/>
+              </a:rPr>
+              <a:t>(height, </a:t>
+            </a:r>
+            <a:r>
+              <a:rPr sz="1800">
+                <a:solidFill>
+                  <a:srgbClr val="902000"/>
+                </a:solidFill>
+                <a:latin typeface="Courier"/>
+              </a:rPr>
+              <a:t>na.rm =</a:t>
+            </a:r>
+            <a:r>
+              <a:rPr sz="1800">
+                <a:latin typeface="Courier"/>
+              </a:rPr>
+              <a:t> </a:t>
+            </a:r>
+            <a:r>
+              <a:rPr sz="1800">
+                <a:solidFill>
+                  <a:srgbClr val="007020"/>
+                </a:solidFill>
+                <a:latin typeface="Courier"/>
+              </a:rPr>
+              <a:t>TRUE</a:t>
+            </a:r>
+            <a:r>
+              <a:rPr sz="1800">
+                <a:latin typeface="Courier"/>
+              </a:rPr>
+              <a:t>))</a:t>
+            </a:r>
+          </a:p>
+          <a:p>
+            <a:pPr lvl="0" marL="1270000" indent="0">
+              <a:buNone/>
+            </a:pPr>
+            <a:r>
+              <a:rPr sz="1800">
+                <a:latin typeface="Courier"/>
+              </a:rPr>
+              <a:t>## # A tibble: 2 x 2
+##   sex   av.height
+##   &lt;chr&gt;     &lt;dbl&gt;
+## 1 F          163.
+## 2 M          173.</a:t>
+            </a:r>
+          </a:p>
+          <a:p>
+            <a:pPr lvl="0" marL="0" indent="0">
+              <a:buNone/>
+            </a:pPr>
+            <a:r>
+              <a:rPr/>
+              <a:t>Is the difference between heights statistically significant?</a:t>
+            </a:r>
+          </a:p>
+        </p:txBody>
+      </p:sp>
+    </p:spTree>
+  </p:cSld>
+</p:sld>
+</file>
+
+<file path=ppt/slides/slide3.xml><?xml version="1.0" encoding="utf-8"?>
+<p:sld xmlns:a="http://schemas.openxmlformats.org/drawingml/2006/main" xmlns:r="http://schemas.openxmlformats.org/officeDocument/2006/relationships" xmlns:p="http://schemas.openxmlformats.org/presentationml/2006/main">
+  <p:cSld>
+    <p:spTree>
+      <p:nvGrpSpPr>
+        <p:cNvPr id="1" name=""/>
+        <p:cNvGrpSpPr/>
+        <p:nvPr/>
+      </p:nvGrpSpPr>
+      <p:grpSpPr>
+        <a:xfrm>
+          <a:off x="0" y="0"/>
+          <a:ext cx="0" cy="0"/>
+          <a:chOff x="0" y="0"/>
+          <a:chExt cx="0" cy="0"/>
+        </a:xfrm>
+      </p:grpSpPr>
+      <p:sp>
+        <p:nvSpPr>
+          <p:cNvPr id="2" name="Title 1">
+            <a:extLst>
+              <a:ext uri="{FF2B5EF4-FFF2-40B4-BE49-F238E27FC236}">
+                <a16:creationId xmlns:a16="http://schemas.microsoft.com/office/drawing/2014/main" id="{5567D468-EE70-CD4E-A3AC-039CC11EF1FB}"/>
+              </a:ext>
+            </a:extLst>
+          </p:cNvPr>
+          <p:cNvSpPr>
+            <a:spLocks noGrp="1"/>
+          </p:cNvSpPr>
+          <p:nvPr>
+            <p:ph type="title"/>
+          </p:nvPr>
+        </p:nvSpPr>
+        <p:spPr/>
+        <p:txBody>
+          <a:bodyPr/>
+          <a:lstStyle/>
+          <a:p>
+            <a:pPr lvl="0" marL="0" indent="0">
+              <a:buNone/>
+            </a:pPr>
+            <a:r>
+              <a:rPr/>
+              <a:t>Content</a:t>
+            </a:r>
+          </a:p>
+        </p:txBody>
+      </p:sp>
+      <p:sp>
+        <p:nvSpPr>
+          <p:cNvPr id="3" name="Content Placeholder 2">
+            <a:extLst>
+              <a:ext uri="{FF2B5EF4-FFF2-40B4-BE49-F238E27FC236}">
+                <a16:creationId xmlns:a16="http://schemas.microsoft.com/office/drawing/2014/main" id="{D10DDA37-E46B-B641-BC9F-636CB92A2C08}"/>
+              </a:ext>
+            </a:extLst>
+          </p:cNvPr>
+          <p:cNvSpPr>
+            <a:spLocks noGrp="1"/>
+          </p:cNvSpPr>
+          <p:nvPr>
+            <p:ph idx="1"/>
+          </p:nvPr>
+        </p:nvSpPr>
+        <p:spPr/>
+        <p:txBody>
+          <a:bodyPr/>
+          <a:lstStyle/>
+          <a:p>
+            <a:pPr lvl="1"/>
+            <a:r>
+              <a:rPr/>
+              <a:t>Types of Data</a:t>
+            </a:r>
+          </a:p>
+          <a:p>
+            <a:pPr lvl="1"/>
+            <a:r>
+              <a:rPr/>
+              <a:t>Exploring your dataset</a:t>
+            </a:r>
+          </a:p>
+          <a:p>
+            <a:pPr lvl="1"/>
+            <a:r>
+              <a:rPr/>
+              <a:t>Descriptive Statistics</a:t>
+            </a:r>
+          </a:p>
+          <a:p>
+            <a:pPr lvl="1"/>
+            <a:r>
+              <a:rPr/>
+              <a:t>Inferential Statistics</a:t>
+            </a:r>
+          </a:p>
+        </p:txBody>
+      </p:sp>
+    </p:spTree>
+  </p:cSld>
+</p:sld>
+</file>
+
+<file path=ppt/slides/slide30.xml><?xml version="1.0" encoding="utf-8"?>
 <p:sld xmlns:a="http://schemas.openxmlformats.org/drawingml/2006/main" xmlns:r="http://schemas.openxmlformats.org/officeDocument/2006/relationships" xmlns:p="http://schemas.openxmlformats.org/presentationml/2006/main">
   <p:cSld>
     <p:spTree>
@@ -9995,231 +10150,6 @@
 </p:sld>
 </file>
 
-<file path=ppt/slides/slide3.xml><?xml version="1.0" encoding="utf-8"?>
-<p:sld xmlns:a="http://schemas.openxmlformats.org/drawingml/2006/main" xmlns:r="http://schemas.openxmlformats.org/officeDocument/2006/relationships" xmlns:p="http://schemas.openxmlformats.org/presentationml/2006/main">
-  <p:cSld>
-    <p:spTree>
-      <p:nvGrpSpPr>
-        <p:cNvPr id="1" name=""/>
-        <p:cNvGrpSpPr/>
-        <p:nvPr/>
-      </p:nvGrpSpPr>
-      <p:grpSpPr>
-        <a:xfrm>
-          <a:off x="0" y="0"/>
-          <a:ext cx="0" cy="0"/>
-          <a:chOff x="0" y="0"/>
-          <a:chExt cx="0" cy="0"/>
-        </a:xfrm>
-      </p:grpSpPr>
-      <p:sp>
-        <p:nvSpPr>
-          <p:cNvPr id="2" name="Title 1">
-            <a:extLst>
-              <a:ext uri="{FF2B5EF4-FFF2-40B4-BE49-F238E27FC236}">
-                <a16:creationId xmlns:a16="http://schemas.microsoft.com/office/drawing/2014/main" id="{5567D468-EE70-CD4E-A3AC-039CC11EF1FB}"/>
-              </a:ext>
-            </a:extLst>
-          </p:cNvPr>
-          <p:cNvSpPr>
-            <a:spLocks noGrp="1"/>
-          </p:cNvSpPr>
-          <p:nvPr>
-            <p:ph type="title"/>
-          </p:nvPr>
-        </p:nvSpPr>
-        <p:spPr/>
-        <p:txBody>
-          <a:bodyPr/>
-          <a:lstStyle/>
-          <a:p>
-            <a:pPr lvl="0" marL="0" indent="0">
-              <a:buNone/>
-            </a:pPr>
-            <a:r>
-              <a:rPr/>
-              <a:t>Wait!</a:t>
-            </a:r>
-          </a:p>
-        </p:txBody>
-      </p:sp>
-      <p:sp>
-        <p:nvSpPr>
-          <p:cNvPr id="3" name="Content Placeholder 2">
-            <a:extLst>
-              <a:ext uri="{FF2B5EF4-FFF2-40B4-BE49-F238E27FC236}">
-                <a16:creationId xmlns:a16="http://schemas.microsoft.com/office/drawing/2014/main" id="{D10DDA37-E46B-B641-BC9F-636CB92A2C08}"/>
-              </a:ext>
-            </a:extLst>
-          </p:cNvPr>
-          <p:cNvSpPr>
-            <a:spLocks noGrp="1"/>
-          </p:cNvSpPr>
-          <p:nvPr>
-            <p:ph idx="1"/>
-          </p:nvPr>
-        </p:nvSpPr>
-        <p:spPr/>
-        <p:txBody>
-          <a:bodyPr/>
-          <a:lstStyle/>
-          <a:p>
-            <a:pPr lvl="1"/>
-            <a:r>
-              <a:rPr/>
-              <a:t>Make sure </a:t>
-            </a:r>
-            <a:r>
-              <a:rPr sz="1800">
-                <a:latin typeface="Courier"/>
-              </a:rPr>
-              <a:t>cchic</a:t>
-            </a:r>
-            <a:r>
-              <a:rPr/>
-              <a:t> R dataframe from your work yesterday is loaded</a:t>
-            </a:r>
-          </a:p>
-          <a:p>
-            <a:pPr lvl="1"/>
-            <a:r>
-              <a:rPr/>
-              <a:t>Ensure this includes the variables you created including </a:t>
-            </a:r>
-            <a:r>
-              <a:rPr sz="1800">
-                <a:latin typeface="Courier"/>
-              </a:rPr>
-              <a:t>los</a:t>
-            </a:r>
-          </a:p>
-        </p:txBody>
-      </p:sp>
-    </p:spTree>
-  </p:cSld>
-</p:sld>
-</file>
-
-<file path=ppt/slides/slide30.xml><?xml version="1.0" encoding="utf-8"?>
-<p:sld xmlns:a="http://schemas.openxmlformats.org/drawingml/2006/main" xmlns:r="http://schemas.openxmlformats.org/officeDocument/2006/relationships" xmlns:p="http://schemas.openxmlformats.org/presentationml/2006/main">
-  <p:cSld>
-    <p:spTree>
-      <p:nvGrpSpPr>
-        <p:cNvPr id="1" name=""/>
-        <p:cNvGrpSpPr/>
-        <p:nvPr/>
-      </p:nvGrpSpPr>
-      <p:grpSpPr>
-        <a:xfrm>
-          <a:off x="0" y="0"/>
-          <a:ext cx="0" cy="0"/>
-          <a:chOff x="0" y="0"/>
-          <a:chExt cx="0" cy="0"/>
-        </a:xfrm>
-      </p:grpSpPr>
-      <p:sp>
-        <p:nvSpPr>
-          <p:cNvPr id="2" name="Title 1">
-            <a:extLst>
-              <a:ext uri="{FF2B5EF4-FFF2-40B4-BE49-F238E27FC236}">
-                <a16:creationId xmlns:a16="http://schemas.microsoft.com/office/drawing/2014/main" id="{5567D468-EE70-CD4E-A3AC-039CC11EF1FB}"/>
-              </a:ext>
-            </a:extLst>
-          </p:cNvPr>
-          <p:cNvSpPr>
-            <a:spLocks noGrp="1"/>
-          </p:cNvSpPr>
-          <p:nvPr>
-            <p:ph type="title"/>
-          </p:nvPr>
-        </p:nvSpPr>
-        <p:spPr/>
-        <p:txBody>
-          <a:bodyPr/>
-          <a:lstStyle/>
-          <a:p>
-            <a:pPr lvl="0" marL="0" indent="0">
-              <a:buNone/>
-            </a:pPr>
-            <a:r>
-              <a:rPr/>
-              <a:t>Assumptions</a:t>
-            </a:r>
-            <a:r>
-              <a:rPr/>
-              <a:t> </a:t>
-            </a:r>
-            <a:r>
-              <a:rPr/>
-              <a:t>of</a:t>
-            </a:r>
-            <a:r>
-              <a:rPr/>
-              <a:t> </a:t>
-            </a:r>
-            <a:r>
-              <a:rPr/>
-              <a:t>a</a:t>
-            </a:r>
-            <a:r>
-              <a:rPr/>
-              <a:t> </a:t>
-            </a:r>
-            <a:r>
-              <a:rPr/>
-              <a:t>t-test</a:t>
-            </a:r>
-          </a:p>
-        </p:txBody>
-      </p:sp>
-      <p:sp>
-        <p:nvSpPr>
-          <p:cNvPr id="3" name="Content Placeholder 2">
-            <a:extLst>
-              <a:ext uri="{FF2B5EF4-FFF2-40B4-BE49-F238E27FC236}">
-                <a16:creationId xmlns:a16="http://schemas.microsoft.com/office/drawing/2014/main" id="{D10DDA37-E46B-B641-BC9F-636CB92A2C08}"/>
-              </a:ext>
-            </a:extLst>
-          </p:cNvPr>
-          <p:cNvSpPr>
-            <a:spLocks noGrp="1"/>
-          </p:cNvSpPr>
-          <p:nvPr>
-            <p:ph idx="1"/>
-          </p:nvPr>
-        </p:nvSpPr>
-        <p:spPr/>
-        <p:txBody>
-          <a:bodyPr/>
-          <a:lstStyle/>
-          <a:p>
-            <a:pPr lvl="1"/>
-            <a:r>
-              <a:rPr/>
-              <a:t>One independent categorical variable with 2 groups and one dependent continuous variable</a:t>
-            </a:r>
-          </a:p>
-          <a:p>
-            <a:pPr lvl="1"/>
-            <a:r>
-              <a:rPr/>
-              <a:t>The dependent variable is approximately normally distributed in each group</a:t>
-            </a:r>
-          </a:p>
-          <a:p>
-            <a:pPr lvl="1"/>
-            <a:r>
-              <a:rPr/>
-              <a:t>The observations are independent of each other</a:t>
-            </a:r>
-          </a:p>
-        </p:txBody>
-      </p:sp>
-    </p:spTree>
-  </p:cSld>
-</p:sld>
-</file>
-
 <file path=ppt/slides/slide31.xml><?xml version="1.0" encoding="utf-8"?>
 <p:sld xmlns:a="http://schemas.openxmlformats.org/drawingml/2006/main" xmlns:r="http://schemas.openxmlformats.org/officeDocument/2006/relationships" xmlns:p="http://schemas.openxmlformats.org/presentationml/2006/main">
   <p:cSld>
@@ -10263,7 +10193,15 @@
             </a:pPr>
             <a:r>
               <a:rPr/>
-              <a:t>Doing</a:t>
+              <a:t>Assumptions</a:t>
+            </a:r>
+            <a:r>
+              <a:rPr/>
+              <a:t> </a:t>
+            </a:r>
+            <a:r>
+              <a:rPr/>
+              <a:t>of</a:t>
             </a:r>
             <a:r>
               <a:rPr/>
@@ -10305,115 +10243,24 @@
           <a:bodyPr/>
           <a:lstStyle/>
           <a:p>
-            <a:pPr lvl="0" marL="0" indent="0">
-              <a:buNone/>
-            </a:pPr>
-            <a:r>
-              <a:rPr/>
-              <a:t>Try:</a:t>
-            </a:r>
-          </a:p>
-          <a:p>
-            <a:pPr lvl="0" marL="1270000" indent="0">
-              <a:buNone/>
-            </a:pPr>
-            <a:r>
-              <a:rPr sz="1800" b="1">
-                <a:solidFill>
-                  <a:srgbClr val="007020"/>
-                </a:solidFill>
-                <a:latin typeface="Courier"/>
-              </a:rPr>
-              <a:t>t.test</a:t>
-            </a:r>
-            <a:r>
-              <a:rPr sz="1800">
-                <a:latin typeface="Courier"/>
-              </a:rPr>
-              <a:t>(cchic</a:t>
-            </a:r>
-            <a:r>
-              <a:rPr sz="1800">
-                <a:solidFill>
-                  <a:srgbClr val="666666"/>
-                </a:solidFill>
-                <a:latin typeface="Courier"/>
-              </a:rPr>
-              <a:t>$</a:t>
-            </a:r>
-            <a:r>
-              <a:rPr sz="1800">
-                <a:latin typeface="Courier"/>
-              </a:rPr>
-              <a:t>height, cchic</a:t>
-            </a:r>
-            <a:r>
-              <a:rPr sz="1800">
-                <a:solidFill>
-                  <a:srgbClr val="666666"/>
-                </a:solidFill>
-                <a:latin typeface="Courier"/>
-              </a:rPr>
-              <a:t>$</a:t>
-            </a:r>
-            <a:r>
-              <a:rPr sz="1800">
-                <a:latin typeface="Courier"/>
-              </a:rPr>
-              <a:t>sex)</a:t>
-            </a:r>
-          </a:p>
-          <a:p>
-            <a:pPr lvl="0" marL="1270000" indent="0">
-              <a:buNone/>
-            </a:pPr>
-            <a:r>
-              <a:rPr sz="1800">
-                <a:latin typeface="Courier"/>
-              </a:rPr>
-              <a:t>## Warning in mean.default(y): argument is not numeric or logical: returning
-## NA</a:t>
-            </a:r>
-          </a:p>
-          <a:p>
-            <a:pPr lvl="0" marL="1270000" indent="0">
-              <a:buNone/>
-            </a:pPr>
-            <a:r>
-              <a:rPr sz="1800">
-                <a:latin typeface="Courier"/>
-              </a:rPr>
-              <a:t>## Warning in var(y): NAs introduced by coercion</a:t>
-            </a:r>
-          </a:p>
-          <a:p>
-            <a:pPr lvl="0" marL="1270000" indent="0">
-              <a:buNone/>
-            </a:pPr>
-            <a:r>
-              <a:rPr sz="1800">
-                <a:latin typeface="Courier"/>
-              </a:rPr>
-              <a:t>## Error in if (stderr &lt; 10 * .Machine$double.eps * max(abs(mx), abs(my))) stop("data are essentially constant"): missing value where TRUE/FALSE needed</a:t>
-            </a:r>
-          </a:p>
-          <a:p>
-            <a:pPr lvl="0" marL="0" indent="0">
-              <a:buNone/>
-            </a:pPr>
-            <a:r>
-              <a:rPr/>
-              <a:t>Notice the error. </a:t>
-            </a:r>
-            <a:r>
-              <a:rPr sz="1800">
-                <a:latin typeface="Courier"/>
-              </a:rPr>
-              <a:t>sex</a:t>
-            </a:r>
-            <a:r>
-              <a:rPr/>
-              <a:t> is in the wrong format.</a:t>
+            <a:pPr lvl="1"/>
+            <a:r>
+              <a:rPr/>
+              <a:t>One independent categorical variable with 2 groups and one dependent continuous variable</a:t>
+            </a:r>
+          </a:p>
+          <a:p>
+            <a:pPr lvl="1"/>
+            <a:r>
+              <a:rPr/>
+              <a:t>The dependent variable is approximately normally distributed in each group</a:t>
+            </a:r>
+          </a:p>
+          <a:p>
+            <a:pPr lvl="1"/>
+            <a:r>
+              <a:rPr/>
+              <a:t>The observations are independent of each other</a:t>
             </a:r>
           </a:p>
         </p:txBody>
@@ -10513,62 +10360,13 @@
             </a:pPr>
             <a:r>
               <a:rPr/>
-              <a:t>Correct this by changing the format of this variable in R.</a:t>
+              <a:t>Try:</a:t>
             </a:r>
           </a:p>
           <a:p>
             <a:pPr lvl="0" marL="1270000" indent="0">
               <a:buNone/>
             </a:pPr>
-            <a:r>
-              <a:rPr sz="1800">
-                <a:latin typeface="Courier"/>
-              </a:rPr>
-              <a:t>cchic &lt;-</a:t>
-            </a:r>
-            <a:r>
-              <a:rPr sz="1800">
-                <a:solidFill>
-                  <a:srgbClr val="4070A0"/>
-                </a:solidFill>
-                <a:latin typeface="Courier"/>
-              </a:rPr>
-              <a:t> </a:t>
-            </a:r>
-            <a:r>
-              <a:rPr sz="1800">
-                <a:latin typeface="Courier"/>
-              </a:rPr>
-              <a:t>cchic </a:t>
-            </a:r>
-            <a:r>
-              <a:rPr sz="1800">
-                <a:solidFill>
-                  <a:srgbClr val="666666"/>
-                </a:solidFill>
-                <a:latin typeface="Courier"/>
-              </a:rPr>
-              <a:t>%&gt;%</a:t>
-            </a:r>
-            <a:r>
-              <a:rPr sz="1800">
-                <a:solidFill>
-                  <a:srgbClr val="4070A0"/>
-                </a:solidFill>
-                <a:latin typeface="Courier"/>
-              </a:rPr>
-              <a:t> </a:t>
-            </a:r>
-            <a:br/>
-            <a:r>
-              <a:rPr sz="1800">
-                <a:solidFill>
-                  <a:srgbClr val="4070A0"/>
-                </a:solidFill>
-                <a:latin typeface="Courier"/>
-              </a:rPr>
-              <a:t>  </a:t>
-            </a:r>
             <a:r>
               <a:rPr sz="1800" b="1">
                 <a:solidFill>
@@ -10576,43 +10374,13 @@
                 </a:solidFill>
                 <a:latin typeface="Courier"/>
               </a:rPr>
-              <a:t>mutate</a:t>
-            </a:r>
-            <a:r>
-              <a:rPr sz="1800">
-                <a:latin typeface="Courier"/>
-              </a:rPr>
-              <a:t>(</a:t>
-            </a:r>
-            <a:r>
-              <a:rPr sz="1800">
-                <a:solidFill>
-                  <a:srgbClr val="902000"/>
-                </a:solidFill>
-                <a:latin typeface="Courier"/>
-              </a:rPr>
-              <a:t>gender =</a:t>
-            </a:r>
-            <a:r>
-              <a:rPr sz="1800">
-                <a:latin typeface="Courier"/>
-              </a:rPr>
-              <a:t> </a:t>
-            </a:r>
-            <a:r>
-              <a:rPr sz="1800" b="1">
-                <a:solidFill>
-                  <a:srgbClr val="007020"/>
-                </a:solidFill>
-                <a:latin typeface="Courier"/>
-              </a:rPr>
-              <a:t>as.factor</a:t>
-            </a:r>
-            <a:r>
-              <a:rPr sz="1800">
-                <a:latin typeface="Courier"/>
-              </a:rPr>
-              <a:t>(sex)) </a:t>
+              <a:t>t.test</a:t>
+            </a:r>
+            <a:r>
+              <a:rPr sz="1800">
+                <a:latin typeface="Courier"/>
+              </a:rPr>
+              <a:t>(cchic</a:t>
             </a:r>
             <a:r>
               <a:rPr sz="1800">
@@ -10621,100 +10389,13 @@
                 </a:solidFill>
                 <a:latin typeface="Courier"/>
               </a:rPr>
-              <a:t>%&gt;%</a:t>
-            </a:r>
-            <a:r>
-              <a:rPr sz="1800">
-                <a:solidFill>
-                  <a:srgbClr val="4070A0"/>
-                </a:solidFill>
-                <a:latin typeface="Courier"/>
-              </a:rPr>
-              <a:t> </a:t>
-            </a:r>
-            <a:br/>
-            <a:r>
-              <a:rPr sz="1800">
-                <a:solidFill>
-                  <a:srgbClr val="4070A0"/>
-                </a:solidFill>
-                <a:latin typeface="Courier"/>
-              </a:rPr>
-              <a:t>  </a:t>
-            </a:r>
-            <a:r>
-              <a:rPr sz="1800" b="1">
-                <a:solidFill>
-                  <a:srgbClr val="007020"/>
-                </a:solidFill>
-                <a:latin typeface="Courier"/>
-              </a:rPr>
-              <a:t>mutate</a:t>
-            </a:r>
-            <a:r>
-              <a:rPr sz="1800">
-                <a:latin typeface="Courier"/>
-              </a:rPr>
-              <a:t>(</a:t>
-            </a:r>
-            <a:r>
-              <a:rPr sz="1800">
-                <a:solidFill>
-                  <a:srgbClr val="902000"/>
-                </a:solidFill>
-                <a:latin typeface="Courier"/>
-              </a:rPr>
-              <a:t>gender_num =</a:t>
-            </a:r>
-            <a:r>
-              <a:rPr sz="1800">
-                <a:latin typeface="Courier"/>
-              </a:rPr>
-              <a:t> </a:t>
-            </a:r>
-            <a:r>
-              <a:rPr sz="1800" b="1">
-                <a:solidFill>
-                  <a:srgbClr val="007020"/>
-                </a:solidFill>
-                <a:latin typeface="Courier"/>
-              </a:rPr>
-              <a:t>as.numeric</a:t>
-            </a:r>
-            <a:r>
-              <a:rPr sz="1800">
-                <a:latin typeface="Courier"/>
-              </a:rPr>
-              <a:t>(gender))</a:t>
-            </a:r>
-          </a:p>
-          <a:p>
-            <a:pPr lvl="0" marL="0" indent="0">
-              <a:buNone/>
-            </a:pPr>
-            <a:r>
-              <a:rPr/>
-              <a:t>Now do the test.</a:t>
-            </a:r>
-          </a:p>
-          <a:p>
-            <a:pPr lvl="0" marL="1270000" indent="0">
-              <a:buNone/>
-            </a:pPr>
-            <a:r>
-              <a:rPr sz="1800" b="1">
-                <a:solidFill>
-                  <a:srgbClr val="007020"/>
-                </a:solidFill>
-                <a:latin typeface="Courier"/>
-              </a:rPr>
-              <a:t>t.test</a:t>
-            </a:r>
-            <a:r>
-              <a:rPr sz="1800">
-                <a:latin typeface="Courier"/>
-              </a:rPr>
-              <a:t>(cchic</a:t>
+              <a:t>$</a:t>
+            </a:r>
+            <a:r>
+              <a:rPr sz="1800">
+                <a:latin typeface="Courier"/>
+              </a:rPr>
+              <a:t>height, cchic</a:t>
             </a:r>
             <a:r>
               <a:rPr sz="1800">
@@ -10729,22 +10410,60 @@
               <a:rPr sz="1800">
                 <a:latin typeface="Courier"/>
               </a:rPr>
-              <a:t>height, cchic</a:t>
-            </a:r>
-            <a:r>
-              <a:rPr sz="1800">
-                <a:solidFill>
-                  <a:srgbClr val="666666"/>
-                </a:solidFill>
-                <a:latin typeface="Courier"/>
-              </a:rPr>
-              <a:t>$</a:t>
-            </a:r>
-            <a:r>
-              <a:rPr sz="1800">
-                <a:latin typeface="Courier"/>
-              </a:rPr>
-              <a:t>gender_num)</a:t>
+              <a:t>sex)</a:t>
+            </a:r>
+          </a:p>
+          <a:p>
+            <a:pPr lvl="0" marL="1270000" indent="0">
+              <a:buNone/>
+            </a:pPr>
+            <a:r>
+              <a:rPr sz="1800">
+                <a:latin typeface="Courier"/>
+              </a:rPr>
+              <a:t>## Warning in mean.default(y): argument is not numeric or logical: returning
+## NA</a:t>
+            </a:r>
+          </a:p>
+          <a:p>
+            <a:pPr lvl="0" marL="1270000" indent="0">
+              <a:buNone/>
+            </a:pPr>
+            <a:r>
+              <a:rPr sz="1800">
+                <a:latin typeface="Courier"/>
+              </a:rPr>
+              <a:t>## Warning in var(y): NAs introduced by coercion</a:t>
+            </a:r>
+          </a:p>
+          <a:p>
+            <a:pPr lvl="0" marL="1270000" indent="0">
+              <a:buNone/>
+            </a:pPr>
+            <a:r>
+              <a:rPr sz="1800">
+                <a:latin typeface="Courier"/>
+              </a:rPr>
+              <a:t>## Error in if (stderr &lt; 10 * .Machine$double.eps * max(abs(mx), abs(my))) stop("data are essentially constant"): missing value where TRUE/FALSE needed</a:t>
+            </a:r>
+          </a:p>
+          <a:p>
+            <a:pPr lvl="0" marL="0" indent="0">
+              <a:buNone/>
+            </a:pPr>
+            <a:r>
+              <a:rPr/>
+              <a:t>Notice the error. </a:t>
+            </a:r>
+            <a:r>
+              <a:rPr sz="1800">
+                <a:latin typeface="Courier"/>
+              </a:rPr>
+              <a:t>sex</a:t>
+            </a:r>
+            <a:r>
+              <a:rPr/>
+              <a:t> is in the wrong format.</a:t>
             </a:r>
           </a:p>
         </p:txBody>
@@ -10805,7 +10524,7 @@
             </a:r>
             <a:r>
               <a:rPr/>
-              <a:t>the</a:t>
+              <a:t>a</a:t>
             </a:r>
             <a:r>
               <a:rPr/>
@@ -10839,6 +10558,15 @@
           <a:bodyPr/>
           <a:lstStyle/>
           <a:p>
+            <a:pPr lvl="0" marL="0" indent="0">
+              <a:buNone/>
+            </a:pPr>
+            <a:r>
+              <a:rPr/>
+              <a:t>Correct this by changing the format of this variable in R.</a:t>
+            </a:r>
+          </a:p>
+          <a:p>
             <a:pPr lvl="0" marL="1270000" indent="0">
               <a:buNone/>
             </a:pPr>
@@ -10846,17 +10574,209 @@
               <a:rPr sz="1800">
                 <a:latin typeface="Courier"/>
               </a:rPr>
-              <a:t>## 
-##  Welch Two Sample t-test
-## 
-## data:  cchic$height and cchic$gender_num
-## t = 167.77, df = 100.51, p-value &lt; 2.2e-16
-## alternative hypothesis: true difference in means is not equal to 0
-## 95 percent confidence interval:
-##  164.1740 168.1032
-## sample estimates:
-##  mean of x  mean of y 
-## 167.623762   1.485149</a:t>
+              <a:t>cchic &lt;-</a:t>
+            </a:r>
+            <a:r>
+              <a:rPr sz="1800">
+                <a:solidFill>
+                  <a:srgbClr val="4070A0"/>
+                </a:solidFill>
+                <a:latin typeface="Courier"/>
+              </a:rPr>
+              <a:t> </a:t>
+            </a:r>
+            <a:r>
+              <a:rPr sz="1800">
+                <a:latin typeface="Courier"/>
+              </a:rPr>
+              <a:t>cchic </a:t>
+            </a:r>
+            <a:r>
+              <a:rPr sz="1800">
+                <a:solidFill>
+                  <a:srgbClr val="666666"/>
+                </a:solidFill>
+                <a:latin typeface="Courier"/>
+              </a:rPr>
+              <a:t>%&gt;%</a:t>
+            </a:r>
+            <a:br/>
+            <a:r>
+              <a:rPr sz="1800">
+                <a:solidFill>
+                  <a:srgbClr val="4070A0"/>
+                </a:solidFill>
+                <a:latin typeface="Courier"/>
+              </a:rPr>
+              <a:t>  </a:t>
+            </a:r>
+            <a:r>
+              <a:rPr sz="1800" b="1">
+                <a:solidFill>
+                  <a:srgbClr val="007020"/>
+                </a:solidFill>
+                <a:latin typeface="Courier"/>
+              </a:rPr>
+              <a:t>mutate</a:t>
+            </a:r>
+            <a:r>
+              <a:rPr sz="1800">
+                <a:latin typeface="Courier"/>
+              </a:rPr>
+              <a:t>(</a:t>
+            </a:r>
+            <a:r>
+              <a:rPr sz="1800">
+                <a:solidFill>
+                  <a:srgbClr val="902000"/>
+                </a:solidFill>
+                <a:latin typeface="Courier"/>
+              </a:rPr>
+              <a:t>gender =</a:t>
+            </a:r>
+            <a:r>
+              <a:rPr sz="1800">
+                <a:latin typeface="Courier"/>
+              </a:rPr>
+              <a:t> </a:t>
+            </a:r>
+            <a:r>
+              <a:rPr sz="1800" b="1">
+                <a:solidFill>
+                  <a:srgbClr val="007020"/>
+                </a:solidFill>
+                <a:latin typeface="Courier"/>
+              </a:rPr>
+              <a:t>as.factor</a:t>
+            </a:r>
+            <a:r>
+              <a:rPr sz="1800">
+                <a:latin typeface="Courier"/>
+              </a:rPr>
+              <a:t>(sex)) </a:t>
+            </a:r>
+            <a:r>
+              <a:rPr sz="1800">
+                <a:solidFill>
+                  <a:srgbClr val="666666"/>
+                </a:solidFill>
+                <a:latin typeface="Courier"/>
+              </a:rPr>
+              <a:t>%&gt;%</a:t>
+            </a:r>
+            <a:br/>
+            <a:r>
+              <a:rPr sz="1800">
+                <a:solidFill>
+                  <a:srgbClr val="4070A0"/>
+                </a:solidFill>
+                <a:latin typeface="Courier"/>
+              </a:rPr>
+              <a:t>  </a:t>
+            </a:r>
+            <a:r>
+              <a:rPr sz="1800" b="1">
+                <a:solidFill>
+                  <a:srgbClr val="007020"/>
+                </a:solidFill>
+                <a:latin typeface="Courier"/>
+              </a:rPr>
+              <a:t>mutate</a:t>
+            </a:r>
+            <a:r>
+              <a:rPr sz="1800">
+                <a:latin typeface="Courier"/>
+              </a:rPr>
+              <a:t>(</a:t>
+            </a:r>
+            <a:r>
+              <a:rPr sz="1800">
+                <a:solidFill>
+                  <a:srgbClr val="902000"/>
+                </a:solidFill>
+                <a:latin typeface="Courier"/>
+              </a:rPr>
+              <a:t>gender_num =</a:t>
+            </a:r>
+            <a:r>
+              <a:rPr sz="1800">
+                <a:latin typeface="Courier"/>
+              </a:rPr>
+              <a:t> </a:t>
+            </a:r>
+            <a:r>
+              <a:rPr sz="1800" b="1">
+                <a:solidFill>
+                  <a:srgbClr val="007020"/>
+                </a:solidFill>
+                <a:latin typeface="Courier"/>
+              </a:rPr>
+              <a:t>as.numeric</a:t>
+            </a:r>
+            <a:r>
+              <a:rPr sz="1800">
+                <a:latin typeface="Courier"/>
+              </a:rPr>
+              <a:t>(gender))</a:t>
+            </a:r>
+          </a:p>
+          <a:p>
+            <a:pPr lvl="0" marL="0" indent="0">
+              <a:buNone/>
+            </a:pPr>
+            <a:r>
+              <a:rPr/>
+              <a:t>Now do the test.</a:t>
+            </a:r>
+          </a:p>
+          <a:p>
+            <a:pPr lvl="0" marL="1270000" indent="0">
+              <a:buNone/>
+            </a:pPr>
+            <a:r>
+              <a:rPr sz="1800" b="1">
+                <a:solidFill>
+                  <a:srgbClr val="007020"/>
+                </a:solidFill>
+                <a:latin typeface="Courier"/>
+              </a:rPr>
+              <a:t>t.test</a:t>
+            </a:r>
+            <a:r>
+              <a:rPr sz="1800">
+                <a:latin typeface="Courier"/>
+              </a:rPr>
+              <a:t>(cchic</a:t>
+            </a:r>
+            <a:r>
+              <a:rPr sz="1800">
+                <a:solidFill>
+                  <a:srgbClr val="666666"/>
+                </a:solidFill>
+                <a:latin typeface="Courier"/>
+              </a:rPr>
+              <a:t>$</a:t>
+            </a:r>
+            <a:r>
+              <a:rPr sz="1800">
+                <a:latin typeface="Courier"/>
+              </a:rPr>
+              <a:t>height, cchic</a:t>
+            </a:r>
+            <a:r>
+              <a:rPr sz="1800">
+                <a:solidFill>
+                  <a:srgbClr val="666666"/>
+                </a:solidFill>
+                <a:latin typeface="Courier"/>
+              </a:rPr>
+              <a:t>$</a:t>
+            </a:r>
+            <a:r>
+              <a:rPr sz="1800">
+                <a:latin typeface="Courier"/>
+              </a:rPr>
+              <a:t>gender_num)</a:t>
             </a:r>
           </a:p>
         </p:txBody>
@@ -10909,15 +10829,23 @@
             </a:pPr>
             <a:r>
               <a:rPr/>
-              <a:t>Comparing</a:t>
-            </a:r>
-            <a:r>
-              <a:rPr/>
-              <a:t> </a:t>
-            </a:r>
-            <a:r>
-              <a:rPr/>
-              <a:t>counts</a:t>
+              <a:t>Doing</a:t>
+            </a:r>
+            <a:r>
+              <a:rPr/>
+              <a:t> </a:t>
+            </a:r>
+            <a:r>
+              <a:rPr/>
+              <a:t>the</a:t>
+            </a:r>
+            <a:r>
+              <a:rPr/>
+              <a:t> </a:t>
+            </a:r>
+            <a:r>
+              <a:rPr/>
+              <a:t>t-test</a:t>
             </a:r>
           </a:p>
         </p:txBody>
@@ -10943,74 +10871,24 @@
           <a:bodyPr/>
           <a:lstStyle/>
           <a:p>
-            <a:pPr lvl="1"/>
-            <a:r>
-              <a:rPr/>
-              <a:t>Is survival different between genders?</a:t>
-            </a:r>
-          </a:p>
-          <a:p>
             <a:pPr lvl="0" marL="1270000" indent="0">
               <a:buNone/>
             </a:pPr>
             <a:r>
-              <a:rPr sz="1800" b="1">
-                <a:solidFill>
-                  <a:srgbClr val="007020"/>
-                </a:solidFill>
-                <a:latin typeface="Courier"/>
-              </a:rPr>
-              <a:t>table</a:t>
-            </a:r>
-            <a:r>
-              <a:rPr sz="1800">
-                <a:latin typeface="Courier"/>
-              </a:rPr>
-              <a:t>(cchic</a:t>
-            </a:r>
-            <a:r>
-              <a:rPr sz="1800">
-                <a:solidFill>
-                  <a:srgbClr val="666666"/>
-                </a:solidFill>
-                <a:latin typeface="Courier"/>
-              </a:rPr>
-              <a:t>$</a:t>
-            </a:r>
-            <a:r>
-              <a:rPr sz="1800">
-                <a:latin typeface="Courier"/>
-              </a:rPr>
-              <a:t>gender, cchic</a:t>
-            </a:r>
-            <a:r>
-              <a:rPr sz="1800">
-                <a:solidFill>
-                  <a:srgbClr val="666666"/>
-                </a:solidFill>
-                <a:latin typeface="Courier"/>
-              </a:rPr>
-              <a:t>$</a:t>
-            </a:r>
-            <a:r>
-              <a:rPr sz="1800">
-                <a:latin typeface="Courier"/>
-              </a:rPr>
-              <a:t>vital_status)</a:t>
-            </a:r>
-          </a:p>
-          <a:p>
-            <a:pPr lvl="0" marL="1270000" indent="0">
-              <a:buNone/>
-            </a:pPr>
-            <a:r>
-              <a:rPr sz="1800">
-                <a:latin typeface="Courier"/>
-              </a:rPr>
-              <a:t>##    
-##      A  D
-##   F 46  6
-##   M 43  6</a:t>
+              <a:rPr sz="1800">
+                <a:latin typeface="Courier"/>
+              </a:rPr>
+              <a:t>## 
+##  Welch Two Sample t-test
+## 
+## data:  cchic$height and cchic$gender_num
+## t = 167.77, df = 100.51, p-value &lt; 2.2e-16
+## alternative hypothesis: true difference in means is not equal to 0
+## 95 percent confidence interval:
+##  164.1740 168.1032
+## sample estimates:
+##  mean of x  mean of y 
+## 167.623762   1.485149</a:t>
             </a:r>
           </a:p>
         </p:txBody>
@@ -11063,31 +10941,15 @@
             </a:pPr>
             <a:r>
               <a:rPr/>
-              <a:t>What</a:t>
-            </a:r>
-            <a:r>
-              <a:rPr/>
-              <a:t> </a:t>
-            </a:r>
-            <a:r>
-              <a:rPr/>
-              <a:t>is</a:t>
-            </a:r>
-            <a:r>
-              <a:rPr/>
-              <a:t> </a:t>
-            </a:r>
-            <a:r>
-              <a:rPr/>
-              <a:t>our</a:t>
-            </a:r>
-            <a:r>
-              <a:rPr/>
-              <a:t> </a:t>
-            </a:r>
-            <a:r>
-              <a:rPr/>
-              <a:t>hypothesis?</a:t>
+              <a:t>Comparing</a:t>
+            </a:r>
+            <a:r>
+              <a:rPr/>
+              <a:t> </a:t>
+            </a:r>
+            <a:r>
+              <a:rPr/>
+              <a:t>counts</a:t>
             </a:r>
           </a:p>
         </p:txBody>
@@ -11116,28 +10978,71 @@
             <a:pPr lvl="1"/>
             <a:r>
               <a:rPr/>
-              <a:t>Null hypothesis</a:t>
-            </a:r>
-          </a:p>
-          <a:p>
-            <a:pPr lvl="2"/>
-            <a:r>
-              <a:rPr/>
-              <a:t>There is no difference in survival between men and women</a:t>
-            </a:r>
-          </a:p>
-          <a:p>
-            <a:pPr lvl="1"/>
-            <a:r>
-              <a:rPr/>
-              <a:t>Alternate hypothesis</a:t>
-            </a:r>
-          </a:p>
-          <a:p>
-            <a:pPr lvl="2"/>
-            <a:r>
-              <a:rPr/>
-              <a:t>There is a difference in survival between men and women</a:t>
+              <a:t>Is survival different between genders?</a:t>
+            </a:r>
+          </a:p>
+          <a:p>
+            <a:pPr lvl="0" marL="1270000" indent="0">
+              <a:buNone/>
+            </a:pPr>
+            <a:r>
+              <a:rPr sz="1800" b="1">
+                <a:solidFill>
+                  <a:srgbClr val="007020"/>
+                </a:solidFill>
+                <a:latin typeface="Courier"/>
+              </a:rPr>
+              <a:t>table</a:t>
+            </a:r>
+            <a:r>
+              <a:rPr sz="1800">
+                <a:latin typeface="Courier"/>
+              </a:rPr>
+              <a:t>(cchic</a:t>
+            </a:r>
+            <a:r>
+              <a:rPr sz="1800">
+                <a:solidFill>
+                  <a:srgbClr val="666666"/>
+                </a:solidFill>
+                <a:latin typeface="Courier"/>
+              </a:rPr>
+              <a:t>$</a:t>
+            </a:r>
+            <a:r>
+              <a:rPr sz="1800">
+                <a:latin typeface="Courier"/>
+              </a:rPr>
+              <a:t>gender, cchic</a:t>
+            </a:r>
+            <a:r>
+              <a:rPr sz="1800">
+                <a:solidFill>
+                  <a:srgbClr val="666666"/>
+                </a:solidFill>
+                <a:latin typeface="Courier"/>
+              </a:rPr>
+              <a:t>$</a:t>
+            </a:r>
+            <a:r>
+              <a:rPr sz="1800">
+                <a:latin typeface="Courier"/>
+              </a:rPr>
+              <a:t>vital_status)</a:t>
+            </a:r>
+          </a:p>
+          <a:p>
+            <a:pPr lvl="0" marL="1270000" indent="0">
+              <a:buNone/>
+            </a:pPr>
+            <a:r>
+              <a:rPr sz="1800">
+                <a:latin typeface="Courier"/>
+              </a:rPr>
+              <a:t>##    
+##      A  D
+##   F 46  6
+##   M 43  6</a:t>
             </a:r>
           </a:p>
         </p:txBody>
@@ -11190,39 +11095,31 @@
             </a:pPr>
             <a:r>
               <a:rPr/>
-              <a:t>Assumptions</a:t>
-            </a:r>
-            <a:r>
-              <a:rPr/>
-              <a:t> </a:t>
-            </a:r>
-            <a:r>
-              <a:rPr/>
-              <a:t>of</a:t>
-            </a:r>
-            <a:r>
-              <a:rPr/>
-              <a:t> </a:t>
-            </a:r>
-            <a:r>
-              <a:rPr/>
-              <a:t>the</a:t>
-            </a:r>
-            <a:r>
-              <a:rPr/>
-              <a:t> </a:t>
-            </a:r>
-            <a:r>
-              <a:rPr/>
-              <a:t>chi-squared</a:t>
-            </a:r>
-            <a:r>
-              <a:rPr/>
-              <a:t> </a:t>
-            </a:r>
-            <a:r>
-              <a:rPr/>
-              <a:t>test.</a:t>
+              <a:t>What</a:t>
+            </a:r>
+            <a:r>
+              <a:rPr/>
+              <a:t> </a:t>
+            </a:r>
+            <a:r>
+              <a:rPr/>
+              <a:t>is</a:t>
+            </a:r>
+            <a:r>
+              <a:rPr/>
+              <a:t> </a:t>
+            </a:r>
+            <a:r>
+              <a:rPr/>
+              <a:t>our</a:t>
+            </a:r>
+            <a:r>
+              <a:rPr/>
+              <a:t> </a:t>
+            </a:r>
+            <a:r>
+              <a:rPr/>
+              <a:t>hypothesis?</a:t>
             </a:r>
           </a:p>
         </p:txBody>
@@ -11248,76 +11145,31 @@
           <a:bodyPr/>
           <a:lstStyle/>
           <a:p>
-            <a:pPr lvl="1">
-              <a:buAutoNum type="arabicPeriod"/>
-            </a:pPr>
-            <a:r>
-              <a:rPr/>
-              <a:t>Data in cells should be frequencies or counts </a:t>
-            </a:r>
-            <a:r>
-              <a:rPr i="1"/>
-              <a:t>not</a:t>
-            </a:r>
-            <a:r>
-              <a:rPr/>
-              <a:t> percentages</a:t>
-            </a:r>
-          </a:p>
-          <a:p>
-            <a:pPr lvl="1">
-              <a:buAutoNum type="arabicPeriod"/>
-            </a:pPr>
-            <a:r>
-              <a:rPr/>
-              <a:t>Levels/Categories are mutually exclusive – here being a alive/dead applies</a:t>
-            </a:r>
-          </a:p>
-          <a:p>
-            <a:pPr lvl="1">
-              <a:buAutoNum type="arabicPeriod"/>
-            </a:pPr>
-            <a:r>
-              <a:rPr/>
-              <a:t>Each subject contributes to one cell – can either be male/female and alive/dead</a:t>
-            </a:r>
-          </a:p>
-          <a:p>
-            <a:pPr lvl="1">
-              <a:buAutoNum type="arabicPeriod"/>
-            </a:pPr>
-            <a:r>
-              <a:rPr/>
-              <a:t>Independent study groups</a:t>
-            </a:r>
-          </a:p>
-          <a:p>
-            <a:pPr lvl="1">
-              <a:buAutoNum type="arabicPeriod"/>
-            </a:pPr>
-            <a:r>
-              <a:rPr/>
-              <a:t>2 categorical variables</a:t>
-            </a:r>
-          </a:p>
-          <a:p>
-            <a:pPr lvl="1">
-              <a:buAutoNum type="arabicPeriod"/>
-            </a:pPr>
-            <a:r>
-              <a:rPr/>
-              <a:t>Values in each cell should be 5+</a:t>
-            </a:r>
-          </a:p>
-          <a:p>
-            <a:pPr lvl="0" marL="0" indent="0">
-              <a:buNone/>
-            </a:pPr>
-            <a:r>
-              <a:rPr sz="1800">
-                <a:latin typeface="Courier"/>
-              </a:rPr>
-              <a:t>Biochem Med (Zagreb). 2013 Jun; 23(2): 143–149.</a:t>
+            <a:pPr lvl="1"/>
+            <a:r>
+              <a:rPr/>
+              <a:t>Null hypothesis</a:t>
+            </a:r>
+          </a:p>
+          <a:p>
+            <a:pPr lvl="2"/>
+            <a:r>
+              <a:rPr/>
+              <a:t>There is no difference in survival between men and women</a:t>
+            </a:r>
+          </a:p>
+          <a:p>
+            <a:pPr lvl="1"/>
+            <a:r>
+              <a:rPr/>
+              <a:t>Alternate hypothesis</a:t>
+            </a:r>
+          </a:p>
+          <a:p>
+            <a:pPr lvl="2"/>
+            <a:r>
+              <a:rPr/>
+              <a:t>There is a difference in survival between men and women</a:t>
             </a:r>
           </a:p>
         </p:txBody>
@@ -11370,7 +11222,15 @@
             </a:pPr>
             <a:r>
               <a:rPr/>
-              <a:t>Doing</a:t>
+              <a:t>Assumptions</a:t>
+            </a:r>
+            <a:r>
+              <a:rPr/>
+              <a:t> </a:t>
+            </a:r>
+            <a:r>
+              <a:rPr/>
+              <a:t>of</a:t>
             </a:r>
             <a:r>
               <a:rPr/>
@@ -11420,87 +11280,76 @@
           <a:bodyPr/>
           <a:lstStyle/>
           <a:p>
+            <a:pPr lvl="1">
+              <a:buAutoNum type="arabicPeriod"/>
+            </a:pPr>
+            <a:r>
+              <a:rPr/>
+              <a:t>Data in cells should be frequencies or counts </a:t>
+            </a:r>
+            <a:r>
+              <a:rPr i="1"/>
+              <a:t>not</a:t>
+            </a:r>
+            <a:r>
+              <a:rPr/>
+              <a:t> percentages</a:t>
+            </a:r>
+          </a:p>
+          <a:p>
+            <a:pPr lvl="1">
+              <a:buAutoNum type="arabicPeriod"/>
+            </a:pPr>
+            <a:r>
+              <a:rPr/>
+              <a:t>Levels/Categories are mutually exclusive – here being a alive/dead applies</a:t>
+            </a:r>
+          </a:p>
+          <a:p>
+            <a:pPr lvl="1">
+              <a:buAutoNum type="arabicPeriod"/>
+            </a:pPr>
+            <a:r>
+              <a:rPr/>
+              <a:t>Each subject contributes to one cell – can either be male/female and alive/dead</a:t>
+            </a:r>
+          </a:p>
+          <a:p>
+            <a:pPr lvl="1">
+              <a:buAutoNum type="arabicPeriod"/>
+            </a:pPr>
+            <a:r>
+              <a:rPr/>
+              <a:t>Independent study groups</a:t>
+            </a:r>
+          </a:p>
+          <a:p>
+            <a:pPr lvl="1">
+              <a:buAutoNum type="arabicPeriod"/>
+            </a:pPr>
+            <a:r>
+              <a:rPr/>
+              <a:t>2 categorical variables</a:t>
+            </a:r>
+          </a:p>
+          <a:p>
+            <a:pPr lvl="1">
+              <a:buAutoNum type="arabicPeriod"/>
+            </a:pPr>
+            <a:r>
+              <a:rPr/>
+              <a:t>Values in each cell should be 5+</a:t>
+            </a:r>
+          </a:p>
+          <a:p>
             <a:pPr lvl="0" marL="0" indent="0">
               <a:buNone/>
             </a:pPr>
             <a:r>
-              <a:rPr/>
-              <a:t>Start with </a:t>
-            </a:r>
-            <a:r>
-              <a:rPr sz="1800">
-                <a:latin typeface="Courier"/>
-              </a:rPr>
-              <a:t>?chisq.test</a:t>
-            </a:r>
-            <a:r>
-              <a:rPr/>
-              <a:t>. Then do the test.</a:t>
-            </a:r>
-          </a:p>
-          <a:p>
-            <a:pPr lvl="0" marL="1270000" indent="0">
-              <a:buNone/>
-            </a:pPr>
-            <a:r>
-              <a:rPr sz="1800" b="1">
-                <a:solidFill>
-                  <a:srgbClr val="007020"/>
-                </a:solidFill>
-                <a:latin typeface="Courier"/>
-              </a:rPr>
-              <a:t>chisq.test</a:t>
-            </a:r>
-            <a:r>
-              <a:rPr sz="1800">
-                <a:latin typeface="Courier"/>
-              </a:rPr>
-              <a:t>(cchic</a:t>
-            </a:r>
-            <a:r>
-              <a:rPr sz="1800">
-                <a:solidFill>
-                  <a:srgbClr val="666666"/>
-                </a:solidFill>
-                <a:latin typeface="Courier"/>
-              </a:rPr>
-              <a:t>$</a:t>
-            </a:r>
-            <a:r>
-              <a:rPr sz="1800">
-                <a:latin typeface="Courier"/>
-              </a:rPr>
-              <a:t>gender, cchic</a:t>
-            </a:r>
-            <a:r>
-              <a:rPr sz="1800">
-                <a:solidFill>
-                  <a:srgbClr val="666666"/>
-                </a:solidFill>
-                <a:latin typeface="Courier"/>
-              </a:rPr>
-              <a:t>$</a:t>
-            </a:r>
-            <a:r>
-              <a:rPr sz="1800">
-                <a:latin typeface="Courier"/>
-              </a:rPr>
-              <a:t>vital_status)</a:t>
-            </a:r>
-          </a:p>
-          <a:p>
-            <a:pPr lvl="0" marL="1270000" indent="0">
-              <a:buNone/>
-            </a:pPr>
-            <a:r>
-              <a:rPr sz="1800">
-                <a:latin typeface="Courier"/>
-              </a:rPr>
-              <a:t>## 
-##  Pearson's Chi-squared test with Yates' continuity correction
-## 
-## data:  cchic$gender and cchic$vital_status
-## X-squared = 1.0527e-30, df = 1, p-value = 1</a:t>
+              <a:rPr sz="1800">
+                <a:latin typeface="Courier"/>
+              </a:rPr>
+              <a:t>Biochem Med (Zagreb). 2013 Jun; 23(2): 143–149.</a:t>
             </a:r>
           </a:p>
         </p:txBody>
@@ -11553,23 +11402,31 @@
             </a:pPr>
             <a:r>
               <a:rPr/>
-              <a:t>Non</a:t>
-            </a:r>
-            <a:r>
-              <a:rPr/>
-              <a:t> </a:t>
-            </a:r>
-            <a:r>
-              <a:rPr/>
-              <a:t>paramteric</a:t>
-            </a:r>
-            <a:r>
-              <a:rPr/>
-              <a:t> </a:t>
-            </a:r>
-            <a:r>
-              <a:rPr/>
-              <a:t>versions</a:t>
+              <a:t>Doing</a:t>
+            </a:r>
+            <a:r>
+              <a:rPr/>
+              <a:t> </a:t>
+            </a:r>
+            <a:r>
+              <a:rPr/>
+              <a:t>the</a:t>
+            </a:r>
+            <a:r>
+              <a:rPr/>
+              <a:t> </a:t>
+            </a:r>
+            <a:r>
+              <a:rPr/>
+              <a:t>chi-squared</a:t>
+            </a:r>
+            <a:r>
+              <a:rPr/>
+              <a:t> </a:t>
+            </a:r>
+            <a:r>
+              <a:rPr/>
+              <a:t>test.</a:t>
             </a:r>
           </a:p>
         </p:txBody>
@@ -11600,7 +11457,82 @@
             </a:pPr>
             <a:r>
               <a:rPr/>
-              <a:t>Is length of stay different between genders?</a:t>
+              <a:t>Start with </a:t>
+            </a:r>
+            <a:r>
+              <a:rPr sz="1800">
+                <a:latin typeface="Courier"/>
+              </a:rPr>
+              <a:t>?chisq.test</a:t>
+            </a:r>
+            <a:r>
+              <a:rPr/>
+              <a:t>. Then do the test.</a:t>
+            </a:r>
+          </a:p>
+          <a:p>
+            <a:pPr lvl="0" marL="1270000" indent="0">
+              <a:buNone/>
+            </a:pPr>
+            <a:r>
+              <a:rPr sz="1800" b="1">
+                <a:solidFill>
+                  <a:srgbClr val="007020"/>
+                </a:solidFill>
+                <a:latin typeface="Courier"/>
+              </a:rPr>
+              <a:t>chisq.test</a:t>
+            </a:r>
+            <a:r>
+              <a:rPr sz="1800">
+                <a:latin typeface="Courier"/>
+              </a:rPr>
+              <a:t>(cchic</a:t>
+            </a:r>
+            <a:r>
+              <a:rPr sz="1800">
+                <a:solidFill>
+                  <a:srgbClr val="666666"/>
+                </a:solidFill>
+                <a:latin typeface="Courier"/>
+              </a:rPr>
+              <a:t>$</a:t>
+            </a:r>
+            <a:r>
+              <a:rPr sz="1800">
+                <a:latin typeface="Courier"/>
+              </a:rPr>
+              <a:t>gender, cchic</a:t>
+            </a:r>
+            <a:r>
+              <a:rPr sz="1800">
+                <a:solidFill>
+                  <a:srgbClr val="666666"/>
+                </a:solidFill>
+                <a:latin typeface="Courier"/>
+              </a:rPr>
+              <a:t>$</a:t>
+            </a:r>
+            <a:r>
+              <a:rPr sz="1800">
+                <a:latin typeface="Courier"/>
+              </a:rPr>
+              <a:t>vital_status)</a:t>
+            </a:r>
+          </a:p>
+          <a:p>
+            <a:pPr lvl="0" marL="1270000" indent="0">
+              <a:buNone/>
+            </a:pPr>
+            <a:r>
+              <a:rPr sz="1800">
+                <a:latin typeface="Courier"/>
+              </a:rPr>
+              <a:t>## 
+##  Pearson's Chi-squared test with Yates' continuity correction
+## 
+## data:  cchic$gender and cchic$vital_status
+## X-squared = 1.0527e-30, df = 1, p-value = 1</a:t>
             </a:r>
           </a:p>
         </p:txBody>
@@ -11611,6 +11543,211 @@
 </file>
 
 <file path=ppt/slides/slide39.xml><?xml version="1.0" encoding="utf-8"?>
+<p:sld xmlns:a="http://schemas.openxmlformats.org/drawingml/2006/main" xmlns:r="http://schemas.openxmlformats.org/officeDocument/2006/relationships" xmlns:p="http://schemas.openxmlformats.org/presentationml/2006/main">
+  <p:cSld>
+    <p:spTree>
+      <p:nvGrpSpPr>
+        <p:cNvPr id="1" name=""/>
+        <p:cNvGrpSpPr/>
+        <p:nvPr/>
+      </p:nvGrpSpPr>
+      <p:grpSpPr>
+        <a:xfrm>
+          <a:off x="0" y="0"/>
+          <a:ext cx="0" cy="0"/>
+          <a:chOff x="0" y="0"/>
+          <a:chExt cx="0" cy="0"/>
+        </a:xfrm>
+      </p:grpSpPr>
+      <p:sp>
+        <p:nvSpPr>
+          <p:cNvPr id="2" name="Title 1">
+            <a:extLst>
+              <a:ext uri="{FF2B5EF4-FFF2-40B4-BE49-F238E27FC236}">
+                <a16:creationId xmlns:a16="http://schemas.microsoft.com/office/drawing/2014/main" id="{5567D468-EE70-CD4E-A3AC-039CC11EF1FB}"/>
+              </a:ext>
+            </a:extLst>
+          </p:cNvPr>
+          <p:cNvSpPr>
+            <a:spLocks noGrp="1"/>
+          </p:cNvSpPr>
+          <p:nvPr>
+            <p:ph type="title"/>
+          </p:nvPr>
+        </p:nvSpPr>
+        <p:spPr/>
+        <p:txBody>
+          <a:bodyPr/>
+          <a:lstStyle/>
+          <a:p>
+            <a:pPr lvl="0" marL="0" indent="0">
+              <a:buNone/>
+            </a:pPr>
+            <a:r>
+              <a:rPr/>
+              <a:t>Non</a:t>
+            </a:r>
+            <a:r>
+              <a:rPr/>
+              <a:t> </a:t>
+            </a:r>
+            <a:r>
+              <a:rPr/>
+              <a:t>paramteric</a:t>
+            </a:r>
+            <a:r>
+              <a:rPr/>
+              <a:t> </a:t>
+            </a:r>
+            <a:r>
+              <a:rPr/>
+              <a:t>versions</a:t>
+            </a:r>
+          </a:p>
+        </p:txBody>
+      </p:sp>
+      <p:sp>
+        <p:nvSpPr>
+          <p:cNvPr id="3" name="Content Placeholder 2">
+            <a:extLst>
+              <a:ext uri="{FF2B5EF4-FFF2-40B4-BE49-F238E27FC236}">
+                <a16:creationId xmlns:a16="http://schemas.microsoft.com/office/drawing/2014/main" id="{D10DDA37-E46B-B641-BC9F-636CB92A2C08}"/>
+              </a:ext>
+            </a:extLst>
+          </p:cNvPr>
+          <p:cNvSpPr>
+            <a:spLocks noGrp="1"/>
+          </p:cNvSpPr>
+          <p:nvPr>
+            <p:ph idx="1"/>
+          </p:nvPr>
+        </p:nvSpPr>
+        <p:spPr/>
+        <p:txBody>
+          <a:bodyPr/>
+          <a:lstStyle/>
+          <a:p>
+            <a:pPr lvl="0" marL="0" indent="0">
+              <a:buNone/>
+            </a:pPr>
+            <a:r>
+              <a:rPr/>
+              <a:t>Is length of stay different between genders?</a:t>
+            </a:r>
+          </a:p>
+        </p:txBody>
+      </p:sp>
+    </p:spTree>
+  </p:cSld>
+</p:sld>
+</file>
+
+<file path=ppt/slides/slide4.xml><?xml version="1.0" encoding="utf-8"?>
+<p:sld xmlns:a="http://schemas.openxmlformats.org/drawingml/2006/main" xmlns:r="http://schemas.openxmlformats.org/officeDocument/2006/relationships" xmlns:p="http://schemas.openxmlformats.org/presentationml/2006/main">
+  <p:cSld>
+    <p:spTree>
+      <p:nvGrpSpPr>
+        <p:cNvPr id="1" name=""/>
+        <p:cNvGrpSpPr/>
+        <p:nvPr/>
+      </p:nvGrpSpPr>
+      <p:grpSpPr>
+        <a:xfrm>
+          <a:off x="0" y="0"/>
+          <a:ext cx="0" cy="0"/>
+          <a:chOff x="0" y="0"/>
+          <a:chExt cx="0" cy="0"/>
+        </a:xfrm>
+      </p:grpSpPr>
+      <p:sp>
+        <p:nvSpPr>
+          <p:cNvPr id="2" name="Title 1">
+            <a:extLst>
+              <a:ext uri="{FF2B5EF4-FFF2-40B4-BE49-F238E27FC236}">
+                <a16:creationId xmlns:a16="http://schemas.microsoft.com/office/drawing/2014/main" id="{5567D468-EE70-CD4E-A3AC-039CC11EF1FB}"/>
+              </a:ext>
+            </a:extLst>
+          </p:cNvPr>
+          <p:cNvSpPr>
+            <a:spLocks noGrp="1"/>
+          </p:cNvSpPr>
+          <p:nvPr>
+            <p:ph type="title"/>
+          </p:nvPr>
+        </p:nvSpPr>
+        <p:spPr/>
+        <p:txBody>
+          <a:bodyPr/>
+          <a:lstStyle/>
+          <a:p>
+            <a:pPr lvl="0" marL="0" indent="0">
+              <a:buNone/>
+            </a:pPr>
+            <a:r>
+              <a:rPr/>
+              <a:t>Wait!</a:t>
+            </a:r>
+          </a:p>
+        </p:txBody>
+      </p:sp>
+      <p:sp>
+        <p:nvSpPr>
+          <p:cNvPr id="3" name="Content Placeholder 2">
+            <a:extLst>
+              <a:ext uri="{FF2B5EF4-FFF2-40B4-BE49-F238E27FC236}">
+                <a16:creationId xmlns:a16="http://schemas.microsoft.com/office/drawing/2014/main" id="{D10DDA37-E46B-B641-BC9F-636CB92A2C08}"/>
+              </a:ext>
+            </a:extLst>
+          </p:cNvPr>
+          <p:cNvSpPr>
+            <a:spLocks noGrp="1"/>
+          </p:cNvSpPr>
+          <p:nvPr>
+            <p:ph idx="1"/>
+          </p:nvPr>
+        </p:nvSpPr>
+        <p:spPr/>
+        <p:txBody>
+          <a:bodyPr/>
+          <a:lstStyle/>
+          <a:p>
+            <a:pPr lvl="1"/>
+            <a:r>
+              <a:rPr/>
+              <a:t>Make sure </a:t>
+            </a:r>
+            <a:r>
+              <a:rPr sz="1800">
+                <a:latin typeface="Courier"/>
+              </a:rPr>
+              <a:t>cchic</a:t>
+            </a:r>
+            <a:r>
+              <a:rPr/>
+              <a:t> R dataframe from your work yesterday is loaded</a:t>
+            </a:r>
+          </a:p>
+          <a:p>
+            <a:pPr lvl="1"/>
+            <a:r>
+              <a:rPr/>
+              <a:t>Ensure this includes the variables you created including </a:t>
+            </a:r>
+            <a:r>
+              <a:rPr sz="1800">
+                <a:latin typeface="Courier"/>
+              </a:rPr>
+              <a:t>los</a:t>
+            </a:r>
+          </a:p>
+        </p:txBody>
+      </p:sp>
+    </p:spTree>
+  </p:cSld>
+</p:sld>
+</file>
+
+<file path=ppt/slides/slide40.xml><?xml version="1.0" encoding="utf-8"?>
 <p:sld xmlns:a="http://schemas.openxmlformats.org/drawingml/2006/main" xmlns:r="http://schemas.openxmlformats.org/officeDocument/2006/relationships" xmlns:p="http://schemas.openxmlformats.org/presentationml/2006/main">
   <p:cSld>
     <p:spTree>
@@ -11752,301 +11889,6 @@
 </p:sld>
 </file>
 
-<file path=ppt/slides/slide4.xml><?xml version="1.0" encoding="utf-8"?>
-<p:sld xmlns:a="http://schemas.openxmlformats.org/drawingml/2006/main" xmlns:r="http://schemas.openxmlformats.org/officeDocument/2006/relationships" xmlns:p="http://schemas.openxmlformats.org/presentationml/2006/main">
-  <p:cSld>
-    <p:spTree>
-      <p:nvGrpSpPr>
-        <p:cNvPr id="1" name=""/>
-        <p:cNvGrpSpPr/>
-        <p:nvPr/>
-      </p:nvGrpSpPr>
-      <p:grpSpPr>
-        <a:xfrm>
-          <a:off x="0" y="0"/>
-          <a:ext cx="0" cy="0"/>
-          <a:chOff x="0" y="0"/>
-          <a:chExt cx="0" cy="0"/>
-        </a:xfrm>
-      </p:grpSpPr>
-      <p:sp>
-        <p:nvSpPr>
-          <p:cNvPr id="2" name="Title 1">
-            <a:extLst>
-              <a:ext uri="{FF2B5EF4-FFF2-40B4-BE49-F238E27FC236}">
-                <a16:creationId xmlns:a16="http://schemas.microsoft.com/office/drawing/2014/main" id="{5567D468-EE70-CD4E-A3AC-039CC11EF1FB}"/>
-              </a:ext>
-            </a:extLst>
-          </p:cNvPr>
-          <p:cNvSpPr>
-            <a:spLocks noGrp="1"/>
-          </p:cNvSpPr>
-          <p:nvPr>
-            <p:ph type="title"/>
-          </p:nvPr>
-        </p:nvSpPr>
-        <p:spPr/>
-        <p:txBody>
-          <a:bodyPr/>
-          <a:lstStyle/>
-          <a:p>
-            <a:pPr lvl="0" marL="0" indent="0">
-              <a:buNone/>
-            </a:pPr>
-            <a:r>
-              <a:rPr/>
-              <a:t>The</a:t>
-            </a:r>
-            <a:r>
-              <a:rPr/>
-              <a:t> </a:t>
-            </a:r>
-            <a:r>
-              <a:rPr/>
-              <a:t>big</a:t>
-            </a:r>
-            <a:r>
-              <a:rPr/>
-              <a:t> </a:t>
-            </a:r>
-            <a:r>
-              <a:rPr/>
-              <a:t>picture</a:t>
-            </a:r>
-          </a:p>
-        </p:txBody>
-      </p:sp>
-      <p:sp>
-        <p:nvSpPr>
-          <p:cNvPr id="3" name="Content Placeholder 2">
-            <a:extLst>
-              <a:ext uri="{FF2B5EF4-FFF2-40B4-BE49-F238E27FC236}">
-                <a16:creationId xmlns:a16="http://schemas.microsoft.com/office/drawing/2014/main" id="{D10DDA37-E46B-B641-BC9F-636CB92A2C08}"/>
-              </a:ext>
-            </a:extLst>
-          </p:cNvPr>
-          <p:cNvSpPr>
-            <a:spLocks noGrp="1"/>
-          </p:cNvSpPr>
-          <p:nvPr>
-            <p:ph idx="1"/>
-          </p:nvPr>
-        </p:nvSpPr>
-        <p:spPr/>
-        <p:txBody>
-          <a:bodyPr/>
-          <a:lstStyle/>
-          <a:p>
-            <a:pPr lvl="1"/>
-            <a:r>
-              <a:rPr/>
-              <a:t>Research often seeks to answer a question about a larger population by collecting data on a small portion</a:t>
-            </a:r>
-          </a:p>
-          <a:p>
-            <a:pPr lvl="1"/>
-            <a:r>
-              <a:rPr/>
-              <a:t>Data collection:</a:t>
-            </a:r>
-          </a:p>
-          <a:p>
-            <a:pPr lvl="2"/>
-            <a:r>
-              <a:rPr/>
-              <a:t>Many variables</a:t>
-            </a:r>
-          </a:p>
-          <a:p>
-            <a:pPr lvl="2"/>
-            <a:r>
-              <a:rPr/>
-              <a:t>For each person/unit.</a:t>
-            </a:r>
-          </a:p>
-        </p:txBody>
-      </p:sp>
-    </p:spTree>
-  </p:cSld>
-</p:sld>
-</file>
-
-<file path=ppt/slides/slide40.xml><?xml version="1.0" encoding="utf-8"?>
-<p:sld xmlns:a="http://schemas.openxmlformats.org/drawingml/2006/main" xmlns:r="http://schemas.openxmlformats.org/officeDocument/2006/relationships" xmlns:p="http://schemas.openxmlformats.org/presentationml/2006/main">
-  <p:cSld>
-    <p:spTree>
-      <p:nvGrpSpPr>
-        <p:cNvPr id="1" name=""/>
-        <p:cNvGrpSpPr/>
-        <p:nvPr/>
-      </p:nvGrpSpPr>
-      <p:grpSpPr>
-        <a:xfrm>
-          <a:off x="0" y="0"/>
-          <a:ext cx="0" cy="0"/>
-          <a:chOff x="0" y="0"/>
-          <a:chExt cx="0" cy="0"/>
-        </a:xfrm>
-      </p:grpSpPr>
-      <p:sp>
-        <p:nvSpPr>
-          <p:cNvPr id="2" name="Title 1">
-            <a:extLst>
-              <a:ext uri="{FF2B5EF4-FFF2-40B4-BE49-F238E27FC236}">
-                <a16:creationId xmlns:a16="http://schemas.microsoft.com/office/drawing/2014/main" id="{5567D468-EE70-CD4E-A3AC-039CC11EF1FB}"/>
-              </a:ext>
-            </a:extLst>
-          </p:cNvPr>
-          <p:cNvSpPr>
-            <a:spLocks noGrp="1"/>
-          </p:cNvSpPr>
-          <p:nvPr>
-            <p:ph type="title"/>
-          </p:nvPr>
-        </p:nvSpPr>
-        <p:spPr/>
-        <p:txBody>
-          <a:bodyPr/>
-          <a:lstStyle/>
-          <a:p>
-            <a:pPr lvl="0" marL="0" indent="0">
-              <a:buNone/>
-            </a:pPr>
-            <a:r>
-              <a:rPr/>
-              <a:t>When</a:t>
-            </a:r>
-            <a:r>
-              <a:rPr/>
-              <a:t> </a:t>
-            </a:r>
-            <a:r>
-              <a:rPr/>
-              <a:t>do</a:t>
-            </a:r>
-            <a:r>
-              <a:rPr/>
-              <a:t> </a:t>
-            </a:r>
-            <a:r>
-              <a:rPr/>
-              <a:t>you</a:t>
-            </a:r>
-            <a:r>
-              <a:rPr/>
-              <a:t> </a:t>
-            </a:r>
-            <a:r>
-              <a:rPr/>
-              <a:t>use</a:t>
-            </a:r>
-            <a:r>
-              <a:rPr/>
-              <a:t> </a:t>
-            </a:r>
-            <a:r>
-              <a:rPr/>
-              <a:t>a</a:t>
-            </a:r>
-            <a:r>
-              <a:rPr/>
-              <a:t> </a:t>
-            </a:r>
-            <a:r>
-              <a:rPr/>
-              <a:t>non-parametric</a:t>
-            </a:r>
-            <a:r>
-              <a:rPr/>
-              <a:t> </a:t>
-            </a:r>
-            <a:r>
-              <a:rPr/>
-              <a:t>test?</a:t>
-            </a:r>
-          </a:p>
-        </p:txBody>
-      </p:sp>
-      <p:sp>
-        <p:nvSpPr>
-          <p:cNvPr id="3" name="Content Placeholder 2">
-            <a:extLst>
-              <a:ext uri="{FF2B5EF4-FFF2-40B4-BE49-F238E27FC236}">
-                <a16:creationId xmlns:a16="http://schemas.microsoft.com/office/drawing/2014/main" id="{D10DDA37-E46B-B641-BC9F-636CB92A2C08}"/>
-              </a:ext>
-            </a:extLst>
-          </p:cNvPr>
-          <p:cNvSpPr>
-            <a:spLocks noGrp="1"/>
-          </p:cNvSpPr>
-          <p:nvPr>
-            <p:ph idx="1"/>
-          </p:nvPr>
-        </p:nvSpPr>
-        <p:spPr/>
-        <p:txBody>
-          <a:bodyPr/>
-          <a:lstStyle/>
-          <a:p>
-            <a:pPr lvl="1"/>
-            <a:r>
-              <a:rPr/>
-              <a:t>When any of the the following are true.</a:t>
-            </a:r>
-          </a:p>
-          <a:p>
-            <a:pPr lvl="2"/>
-            <a:r>
-              <a:rPr/>
-              <a:t>Level of measurement is nominal or ordinal</a:t>
-            </a:r>
-          </a:p>
-          <a:p>
-            <a:pPr lvl="2"/>
-            <a:r>
-              <a:rPr/>
-              <a:t>Unequal sample sizes</a:t>
-            </a:r>
-          </a:p>
-          <a:p>
-            <a:pPr lvl="2"/>
-            <a:r>
-              <a:rPr/>
-              <a:t>Skewed data</a:t>
-            </a:r>
-          </a:p>
-          <a:p>
-            <a:pPr lvl="2"/>
-            <a:r>
-              <a:rPr/>
-              <a:t>Unequal variance</a:t>
-            </a:r>
-          </a:p>
-          <a:p>
-            <a:pPr lvl="2"/>
-            <a:r>
-              <a:rPr/>
-              <a:t>Continuous data collapsed into small number of categories</a:t>
-            </a:r>
-          </a:p>
-          <a:p>
-            <a:pPr lvl="0" marL="0" indent="0">
-              <a:buNone/>
-            </a:pPr>
-            <a:r>
-              <a:rPr sz="1800">
-                <a:latin typeface="Courier"/>
-              </a:rPr>
-              <a:t>Biochem Med (Zagreb). 2013 Jun; 23(2): 143–149.</a:t>
-            </a:r>
-          </a:p>
-        </p:txBody>
-      </p:sp>
-    </p:spTree>
-  </p:cSld>
-</p:sld>
-</file>
-
 <file path=ppt/slides/slide41.xml><?xml version="1.0" encoding="utf-8"?>
 <p:sld xmlns:a="http://schemas.openxmlformats.org/drawingml/2006/main" xmlns:r="http://schemas.openxmlformats.org/officeDocument/2006/relationships" xmlns:p="http://schemas.openxmlformats.org/presentationml/2006/main">
   <p:cSld>
@@ -12090,39 +11932,55 @@
             </a:pPr>
             <a:r>
               <a:rPr/>
-              <a:t>Using</a:t>
-            </a:r>
-            <a:r>
-              <a:rPr/>
-              <a:t> </a:t>
-            </a:r>
-            <a:r>
-              <a:rPr/>
-              <a:t>the</a:t>
-            </a:r>
-            <a:r>
-              <a:rPr/>
-              <a:t> </a:t>
-            </a:r>
-            <a:r>
-              <a:rPr/>
-              <a:t>Mann</a:t>
-            </a:r>
-            <a:r>
-              <a:rPr/>
-              <a:t> </a:t>
-            </a:r>
-            <a:r>
-              <a:rPr/>
-              <a:t>Whitney</a:t>
-            </a:r>
-            <a:r>
-              <a:rPr/>
-              <a:t> </a:t>
-            </a:r>
-            <a:r>
-              <a:rPr/>
-              <a:t>test</a:t>
+              <a:t>When</a:t>
+            </a:r>
+            <a:r>
+              <a:rPr/>
+              <a:t> </a:t>
+            </a:r>
+            <a:r>
+              <a:rPr/>
+              <a:t>do</a:t>
+            </a:r>
+            <a:r>
+              <a:rPr/>
+              <a:t> </a:t>
+            </a:r>
+            <a:r>
+              <a:rPr/>
+              <a:t>you</a:t>
+            </a:r>
+            <a:r>
+              <a:rPr/>
+              <a:t> </a:t>
+            </a:r>
+            <a:r>
+              <a:rPr/>
+              <a:t>use</a:t>
+            </a:r>
+            <a:r>
+              <a:rPr/>
+              <a:t> </a:t>
+            </a:r>
+            <a:r>
+              <a:rPr/>
+              <a:t>a</a:t>
+            </a:r>
+            <a:r>
+              <a:rPr/>
+              <a:t> </a:t>
+            </a:r>
+            <a:r>
+              <a:rPr/>
+              <a:t>non-parametric</a:t>
+            </a:r>
+            <a:r>
+              <a:rPr/>
+              <a:t> </a:t>
+            </a:r>
+            <a:r>
+              <a:rPr/>
+              <a:t>test?</a:t>
             </a:r>
           </a:p>
         </p:txBody>
@@ -12148,136 +12006,45 @@
           <a:bodyPr/>
           <a:lstStyle/>
           <a:p>
-            <a:pPr lvl="0" marL="0" indent="0">
-              <a:buNone/>
-            </a:pPr>
-            <a:r>
-              <a:rPr sz="1800">
-                <a:latin typeface="Courier"/>
-              </a:rPr>
-              <a:t>??Mann-Whitney</a:t>
-            </a:r>
-            <a:r>
-              <a:rPr/>
-              <a:t> will show you that the command is actually called </a:t>
-            </a:r>
-            <a:r>
-              <a:rPr sz="1800">
-                <a:latin typeface="Courier"/>
-              </a:rPr>
-              <a:t>wilcox.test</a:t>
-            </a:r>
-            <a:r>
-              <a:rPr/>
-              <a:t>.</a:t>
-            </a:r>
-          </a:p>
-          <a:p>
-            <a:pPr lvl="0" marL="0" indent="0">
-              <a:buNone/>
-            </a:pPr>
-            <a:r>
-              <a:rPr/>
-              <a:t>Both variables need to be in numeric format.</a:t>
-            </a:r>
-          </a:p>
-          <a:p>
-            <a:pPr lvl="0" marL="1270000" indent="0">
-              <a:buNone/>
-            </a:pPr>
-            <a:r>
-              <a:rPr sz="1800">
-                <a:latin typeface="Courier"/>
-              </a:rPr>
-              <a:t>cchic &lt;-</a:t>
-            </a:r>
-            <a:r>
-              <a:rPr sz="1800">
-                <a:solidFill>
-                  <a:srgbClr val="4070A0"/>
-                </a:solidFill>
-                <a:latin typeface="Courier"/>
-              </a:rPr>
-              <a:t> </a:t>
-            </a:r>
-            <a:r>
-              <a:rPr sz="1800">
-                <a:latin typeface="Courier"/>
-              </a:rPr>
-              <a:t>cchic </a:t>
-            </a:r>
-            <a:r>
-              <a:rPr sz="1800">
-                <a:solidFill>
-                  <a:srgbClr val="666666"/>
-                </a:solidFill>
-                <a:latin typeface="Courier"/>
-              </a:rPr>
-              <a:t>%&gt;%</a:t>
-            </a:r>
-            <a:r>
-              <a:rPr sz="1800">
-                <a:solidFill>
-                  <a:srgbClr val="4070A0"/>
-                </a:solidFill>
-                <a:latin typeface="Courier"/>
-              </a:rPr>
-              <a:t> </a:t>
-            </a:r>
-            <a:br/>
-            <a:r>
-              <a:rPr sz="1800">
-                <a:solidFill>
-                  <a:srgbClr val="4070A0"/>
-                </a:solidFill>
-                <a:latin typeface="Courier"/>
-              </a:rPr>
-              <a:t>  </a:t>
-            </a:r>
-            <a:r>
-              <a:rPr sz="1800" b="1">
-                <a:solidFill>
-                  <a:srgbClr val="007020"/>
-                </a:solidFill>
-                <a:latin typeface="Courier"/>
-              </a:rPr>
-              <a:t>mutate</a:t>
-            </a:r>
-            <a:r>
-              <a:rPr sz="1800">
-                <a:latin typeface="Courier"/>
-              </a:rPr>
-              <a:t>(</a:t>
-            </a:r>
-            <a:r>
-              <a:rPr sz="1800">
-                <a:solidFill>
-                  <a:srgbClr val="902000"/>
-                </a:solidFill>
-                <a:latin typeface="Courier"/>
-              </a:rPr>
-              <a:t>los_num =</a:t>
-            </a:r>
-            <a:r>
-              <a:rPr sz="1800">
-                <a:latin typeface="Courier"/>
-              </a:rPr>
-              <a:t> </a:t>
-            </a:r>
-            <a:r>
-              <a:rPr sz="1800" b="1">
-                <a:solidFill>
-                  <a:srgbClr val="007020"/>
-                </a:solidFill>
-                <a:latin typeface="Courier"/>
-              </a:rPr>
-              <a:t>as.numeric</a:t>
-            </a:r>
-            <a:r>
-              <a:rPr sz="1800">
-                <a:latin typeface="Courier"/>
-              </a:rPr>
-              <a:t>(los))</a:t>
+            <a:pPr lvl="1"/>
+            <a:r>
+              <a:rPr/>
+              <a:t>When any of the the following are true.</a:t>
+            </a:r>
+          </a:p>
+          <a:p>
+            <a:pPr lvl="2"/>
+            <a:r>
+              <a:rPr/>
+              <a:t>Level of measurement is nominal or ordinal</a:t>
+            </a:r>
+          </a:p>
+          <a:p>
+            <a:pPr lvl="2"/>
+            <a:r>
+              <a:rPr/>
+              <a:t>Unequal sample sizes</a:t>
+            </a:r>
+          </a:p>
+          <a:p>
+            <a:pPr lvl="2"/>
+            <a:r>
+              <a:rPr/>
+              <a:t>Skewed data</a:t>
+            </a:r>
+          </a:p>
+          <a:p>
+            <a:pPr lvl="2"/>
+            <a:r>
+              <a:rPr/>
+              <a:t>Unequal variance</a:t>
+            </a:r>
+          </a:p>
+          <a:p>
+            <a:pPr lvl="2"/>
+            <a:r>
+              <a:rPr/>
+              <a:t>Continuous data collapsed into small number of categories</a:t>
             </a:r>
           </a:p>
         </p:txBody>
@@ -12330,7 +12097,7 @@
             </a:pPr>
             <a:r>
               <a:rPr/>
-              <a:t>Doing</a:t>
+              <a:t>Using</a:t>
             </a:r>
             <a:r>
               <a:rPr/>
@@ -12346,6 +12113,22 @@
             </a:r>
             <a:r>
               <a:rPr/>
+              <a:t>Mann</a:t>
+            </a:r>
+            <a:r>
+              <a:rPr/>
+              <a:t> </a:t>
+            </a:r>
+            <a:r>
+              <a:rPr/>
+              <a:t>Whitney</a:t>
+            </a:r>
+            <a:r>
+              <a:rPr/>
+              <a:t> </a:t>
+            </a:r>
+            <a:r>
+              <a:rPr/>
               <a:t>test</a:t>
             </a:r>
           </a:p>
@@ -12372,9 +12155,83 @@
           <a:bodyPr/>
           <a:lstStyle/>
           <a:p>
+            <a:pPr lvl="0" marL="0" indent="0">
+              <a:buNone/>
+            </a:pPr>
+            <a:r>
+              <a:rPr sz="1800">
+                <a:latin typeface="Courier"/>
+              </a:rPr>
+              <a:t>??Mann-Whitney</a:t>
+            </a:r>
+            <a:r>
+              <a:rPr/>
+              <a:t> will show you that the command is actually called </a:t>
+            </a:r>
+            <a:r>
+              <a:rPr sz="1800">
+                <a:latin typeface="Courier"/>
+              </a:rPr>
+              <a:t>wilcox.test</a:t>
+            </a:r>
+            <a:r>
+              <a:rPr/>
+              <a:t>.</a:t>
+            </a:r>
+          </a:p>
+          <a:p>
+            <a:pPr lvl="0" marL="0" indent="0">
+              <a:buNone/>
+            </a:pPr>
+            <a:r>
+              <a:rPr/>
+              <a:t>Both variables need to be in numeric format.</a:t>
+            </a:r>
+          </a:p>
+          <a:p>
             <a:pPr lvl="0" marL="1270000" indent="0">
               <a:buNone/>
             </a:pPr>
+            <a:r>
+              <a:rPr sz="1800">
+                <a:latin typeface="Courier"/>
+              </a:rPr>
+              <a:t>cchic &lt;-</a:t>
+            </a:r>
+            <a:r>
+              <a:rPr sz="1800">
+                <a:solidFill>
+                  <a:srgbClr val="4070A0"/>
+                </a:solidFill>
+                <a:latin typeface="Courier"/>
+              </a:rPr>
+              <a:t> </a:t>
+            </a:r>
+            <a:r>
+              <a:rPr sz="1800">
+                <a:latin typeface="Courier"/>
+              </a:rPr>
+              <a:t>cchic </a:t>
+            </a:r>
+            <a:r>
+              <a:rPr sz="1800">
+                <a:solidFill>
+                  <a:srgbClr val="666666"/>
+                </a:solidFill>
+                <a:latin typeface="Courier"/>
+              </a:rPr>
+              <a:t>%&gt;%</a:t>
+            </a:r>
+            <a:br/>
+            <a:r>
+              <a:rPr sz="1800">
+                <a:solidFill>
+                  <a:srgbClr val="4070A0"/>
+                </a:solidFill>
+                <a:latin typeface="Courier"/>
+              </a:rPr>
+              <a:t>  </a:t>
+            </a:r>
             <a:r>
               <a:rPr sz="1800" b="1">
                 <a:solidFill>
@@ -12382,59 +12239,43 @@
                 </a:solidFill>
                 <a:latin typeface="Courier"/>
               </a:rPr>
-              <a:t>wilcox.test</a:t>
-            </a:r>
-            <a:r>
-              <a:rPr sz="1800">
-                <a:latin typeface="Courier"/>
-              </a:rPr>
-              <a:t>(cchic</a:t>
+              <a:t>mutate</a:t>
+            </a:r>
+            <a:r>
+              <a:rPr sz="1800">
+                <a:latin typeface="Courier"/>
+              </a:rPr>
+              <a:t>(</a:t>
             </a:r>
             <a:r>
               <a:rPr sz="1800">
                 <a:solidFill>
-                  <a:srgbClr val="666666"/>
+                  <a:srgbClr val="902000"/>
                 </a:solidFill>
                 <a:latin typeface="Courier"/>
               </a:rPr>
-              <a:t>$</a:t>
-            </a:r>
-            <a:r>
-              <a:rPr sz="1800">
-                <a:latin typeface="Courier"/>
-              </a:rPr>
-              <a:t>los_num, cchic</a:t>
-            </a:r>
-            <a:r>
-              <a:rPr sz="1800">
+              <a:t>los_num =</a:t>
+            </a:r>
+            <a:r>
+              <a:rPr sz="1800">
+                <a:latin typeface="Courier"/>
+              </a:rPr>
+              <a:t> </a:t>
+            </a:r>
+            <a:r>
+              <a:rPr sz="1800" b="1">
                 <a:solidFill>
-                  <a:srgbClr val="666666"/>
+                  <a:srgbClr val="007020"/>
                 </a:solidFill>
                 <a:latin typeface="Courier"/>
               </a:rPr>
-              <a:t>$</a:t>
-            </a:r>
-            <a:r>
-              <a:rPr sz="1800">
-                <a:latin typeface="Courier"/>
-              </a:rPr>
-              <a:t>gender_num)</a:t>
-            </a:r>
-          </a:p>
-          <a:p>
-            <a:pPr lvl="0" marL="1270000" indent="0">
-              <a:buNone/>
-            </a:pPr>
-            <a:r>
-              <a:rPr sz="1800">
-                <a:latin typeface="Courier"/>
-              </a:rPr>
-              <a:t>## 
-##  Wilcoxon rank sum test with continuity correction
-## 
-## data:  cchic$los_num and cchic$gender_num
-## W = 6950, p-value = 3.241e-08
-## alternative hypothesis: true location shift is not equal to 0</a:t>
+              <a:t>as.numeric</a:t>
+            </a:r>
+            <a:r>
+              <a:rPr sz="1800">
+                <a:latin typeface="Courier"/>
+              </a:rPr>
+              <a:t>(los))</a:t>
             </a:r>
           </a:p>
         </p:txBody>
@@ -12487,6 +12328,163 @@
             </a:pPr>
             <a:r>
               <a:rPr/>
+              <a:t>Doing</a:t>
+            </a:r>
+            <a:r>
+              <a:rPr/>
+              <a:t> </a:t>
+            </a:r>
+            <a:r>
+              <a:rPr/>
+              <a:t>the</a:t>
+            </a:r>
+            <a:r>
+              <a:rPr/>
+              <a:t> </a:t>
+            </a:r>
+            <a:r>
+              <a:rPr/>
+              <a:t>test</a:t>
+            </a:r>
+          </a:p>
+        </p:txBody>
+      </p:sp>
+      <p:sp>
+        <p:nvSpPr>
+          <p:cNvPr id="3" name="Content Placeholder 2">
+            <a:extLst>
+              <a:ext uri="{FF2B5EF4-FFF2-40B4-BE49-F238E27FC236}">
+                <a16:creationId xmlns:a16="http://schemas.microsoft.com/office/drawing/2014/main" id="{D10DDA37-E46B-B641-BC9F-636CB92A2C08}"/>
+              </a:ext>
+            </a:extLst>
+          </p:cNvPr>
+          <p:cNvSpPr>
+            <a:spLocks noGrp="1"/>
+          </p:cNvSpPr>
+          <p:nvPr>
+            <p:ph idx="1"/>
+          </p:nvPr>
+        </p:nvSpPr>
+        <p:spPr/>
+        <p:txBody>
+          <a:bodyPr/>
+          <a:lstStyle/>
+          <a:p>
+            <a:pPr lvl="0" marL="1270000" indent="0">
+              <a:buNone/>
+            </a:pPr>
+            <a:r>
+              <a:rPr sz="1800" b="1">
+                <a:solidFill>
+                  <a:srgbClr val="007020"/>
+                </a:solidFill>
+                <a:latin typeface="Courier"/>
+              </a:rPr>
+              <a:t>wilcox.test</a:t>
+            </a:r>
+            <a:r>
+              <a:rPr sz="1800">
+                <a:latin typeface="Courier"/>
+              </a:rPr>
+              <a:t>(cchic</a:t>
+            </a:r>
+            <a:r>
+              <a:rPr sz="1800">
+                <a:solidFill>
+                  <a:srgbClr val="666666"/>
+                </a:solidFill>
+                <a:latin typeface="Courier"/>
+              </a:rPr>
+              <a:t>$</a:t>
+            </a:r>
+            <a:r>
+              <a:rPr sz="1800">
+                <a:latin typeface="Courier"/>
+              </a:rPr>
+              <a:t>los_num, cchic</a:t>
+            </a:r>
+            <a:r>
+              <a:rPr sz="1800">
+                <a:solidFill>
+                  <a:srgbClr val="666666"/>
+                </a:solidFill>
+                <a:latin typeface="Courier"/>
+              </a:rPr>
+              <a:t>$</a:t>
+            </a:r>
+            <a:r>
+              <a:rPr sz="1800">
+                <a:latin typeface="Courier"/>
+              </a:rPr>
+              <a:t>gender_num)</a:t>
+            </a:r>
+          </a:p>
+          <a:p>
+            <a:pPr lvl="0" marL="1270000" indent="0">
+              <a:buNone/>
+            </a:pPr>
+            <a:r>
+              <a:rPr sz="1800">
+                <a:latin typeface="Courier"/>
+              </a:rPr>
+              <a:t>## 
+##  Wilcoxon rank sum test with continuity correction
+## 
+## data:  cchic$los_num and cchic$gender_num
+## W = 6950, p-value = 3.241e-08
+## alternative hypothesis: true location shift is not equal to 0</a:t>
+            </a:r>
+          </a:p>
+        </p:txBody>
+      </p:sp>
+    </p:spTree>
+  </p:cSld>
+</p:sld>
+</file>
+
+<file path=ppt/slides/slide44.xml><?xml version="1.0" encoding="utf-8"?>
+<p:sld xmlns:a="http://schemas.openxmlformats.org/drawingml/2006/main" xmlns:r="http://schemas.openxmlformats.org/officeDocument/2006/relationships" xmlns:p="http://schemas.openxmlformats.org/presentationml/2006/main">
+  <p:cSld>
+    <p:spTree>
+      <p:nvGrpSpPr>
+        <p:cNvPr id="1" name=""/>
+        <p:cNvGrpSpPr/>
+        <p:nvPr/>
+      </p:nvGrpSpPr>
+      <p:grpSpPr>
+        <a:xfrm>
+          <a:off x="0" y="0"/>
+          <a:ext cx="0" cy="0"/>
+          <a:chOff x="0" y="0"/>
+          <a:chExt cx="0" cy="0"/>
+        </a:xfrm>
+      </p:grpSpPr>
+      <p:sp>
+        <p:nvSpPr>
+          <p:cNvPr id="2" name="Title 1">
+            <a:extLst>
+              <a:ext uri="{FF2B5EF4-FFF2-40B4-BE49-F238E27FC236}">
+                <a16:creationId xmlns:a16="http://schemas.microsoft.com/office/drawing/2014/main" id="{5567D468-EE70-CD4E-A3AC-039CC11EF1FB}"/>
+              </a:ext>
+            </a:extLst>
+          </p:cNvPr>
+          <p:cNvSpPr>
+            <a:spLocks noGrp="1"/>
+          </p:cNvSpPr>
+          <p:nvPr>
+            <p:ph type="title"/>
+          </p:nvPr>
+        </p:nvSpPr>
+        <p:spPr/>
+        <p:txBody>
+          <a:bodyPr/>
+          <a:lstStyle/>
+          <a:p>
+            <a:pPr lvl="0" marL="0" indent="0">
+              <a:buNone/>
+            </a:pPr>
+            <a:r>
+              <a:rPr/>
               <a:t>Lunch</a:t>
             </a:r>
           </a:p>
@@ -12569,31 +12567,23 @@
             </a:pPr>
             <a:r>
               <a:rPr/>
-              <a:t>Descriptive</a:t>
-            </a:r>
-            <a:r>
-              <a:rPr/>
-              <a:t> </a:t>
-            </a:r>
-            <a:r>
-              <a:rPr/>
-              <a:t>and</a:t>
-            </a:r>
-            <a:r>
-              <a:rPr/>
-              <a:t> </a:t>
-            </a:r>
-            <a:r>
-              <a:rPr/>
-              <a:t>inferential</a:t>
-            </a:r>
-            <a:r>
-              <a:rPr/>
-              <a:t> </a:t>
-            </a:r>
-            <a:r>
-              <a:rPr/>
-              <a:t>statistics</a:t>
+              <a:t>The</a:t>
+            </a:r>
+            <a:r>
+              <a:rPr/>
+              <a:t> </a:t>
+            </a:r>
+            <a:r>
+              <a:rPr/>
+              <a:t>big</a:t>
+            </a:r>
+            <a:r>
+              <a:rPr/>
+              <a:t> </a:t>
+            </a:r>
+            <a:r>
+              <a:rPr/>
+              <a:t>picture</a:t>
             </a:r>
           </a:p>
         </p:txBody>
@@ -12622,42 +12612,28 @@
             <a:pPr lvl="1"/>
             <a:r>
               <a:rPr/>
-              <a:t>WAIT!</a:t>
+              <a:t>Research often seeks to answer a question about a larger population by collecting data on a small portion</a:t>
             </a:r>
           </a:p>
           <a:p>
             <a:pPr lvl="1"/>
             <a:r>
               <a:rPr/>
-              <a:t>First be aware of the types of data</a:t>
-            </a:r>
-          </a:p>
-          <a:p>
-            <a:pPr lvl="1"/>
-            <a:r>
-              <a:rPr/>
-              <a:t>Guides:</a:t>
+              <a:t>Data collection:</a:t>
             </a:r>
           </a:p>
           <a:p>
             <a:pPr lvl="2"/>
             <a:r>
               <a:rPr/>
-              <a:t>How best to describe the data you have</a:t>
+              <a:t>Many variables</a:t>
             </a:r>
           </a:p>
           <a:p>
             <a:pPr lvl="2"/>
             <a:r>
               <a:rPr/>
-              <a:t>How best to analyse (which test)</a:t>
-            </a:r>
-          </a:p>
-          <a:p>
-            <a:pPr lvl="3"/>
-            <a:r>
-              <a:rPr/>
-              <a:t>Note that data scientists and pure statisticians moving away from being ‘test-focused’, but will discuss how to run some basic ones in this lesson.</a:t>
+              <a:t>For each person/unit.</a:t>
             </a:r>
           </a:p>
         </p:txBody>
@@ -12710,15 +12686,31 @@
             </a:pPr>
             <a:r>
               <a:rPr/>
-              <a:t>Data</a:t>
-            </a:r>
-            <a:r>
-              <a:rPr/>
-              <a:t> </a:t>
-            </a:r>
-            <a:r>
-              <a:rPr/>
-              <a:t>types</a:t>
+              <a:t>Descriptive</a:t>
+            </a:r>
+            <a:r>
+              <a:rPr/>
+              <a:t> </a:t>
+            </a:r>
+            <a:r>
+              <a:rPr/>
+              <a:t>and</a:t>
+            </a:r>
+            <a:r>
+              <a:rPr/>
+              <a:t> </a:t>
+            </a:r>
+            <a:r>
+              <a:rPr/>
+              <a:t>inferential</a:t>
+            </a:r>
+            <a:r>
+              <a:rPr/>
+              <a:t> </a:t>
+            </a:r>
+            <a:r>
+              <a:rPr/>
+              <a:t>statistics</a:t>
             </a:r>
           </a:p>
         </p:txBody>
@@ -12747,35 +12739,42 @@
             <a:pPr lvl="1"/>
             <a:r>
               <a:rPr/>
-              <a:t>Continuous</a:t>
+              <a:t>WAIT!</a:t>
             </a:r>
           </a:p>
           <a:p>
             <a:pPr lvl="1"/>
             <a:r>
               <a:rPr/>
-              <a:t>Discrete</a:t>
+              <a:t>First be aware of the types of data</a:t>
+            </a:r>
+          </a:p>
+          <a:p>
+            <a:pPr lvl="1"/>
+            <a:r>
+              <a:rPr/>
+              <a:t>Guides:</a:t>
             </a:r>
           </a:p>
           <a:p>
             <a:pPr lvl="2"/>
             <a:r>
               <a:rPr/>
-              <a:t>Nominal</a:t>
+              <a:t>How best to describe the data you have</a:t>
             </a:r>
           </a:p>
           <a:p>
             <a:pPr lvl="2"/>
             <a:r>
               <a:rPr/>
-              <a:t>Ordinal</a:t>
-            </a:r>
-          </a:p>
-          <a:p>
-            <a:pPr lvl="2"/>
-            <a:r>
-              <a:rPr/>
-              <a:t>Interval</a:t>
+              <a:t>How best to analyse (which test)</a:t>
+            </a:r>
+          </a:p>
+          <a:p>
+            <a:pPr lvl="3"/>
+            <a:r>
+              <a:rPr/>
+              <a:t>Note that data scientists and pure statisticians moving away from being ‘test-focused’, but will discuss how to run some basic ones in this lesson.</a:t>
             </a:r>
           </a:p>
         </p:txBody>
@@ -12786,6 +12785,124 @@
 </file>
 
 <file path=ppt/slides/slide7.xml><?xml version="1.0" encoding="utf-8"?>
+<p:sld xmlns:a="http://schemas.openxmlformats.org/drawingml/2006/main" xmlns:r="http://schemas.openxmlformats.org/officeDocument/2006/relationships" xmlns:p="http://schemas.openxmlformats.org/presentationml/2006/main">
+  <p:cSld>
+    <p:spTree>
+      <p:nvGrpSpPr>
+        <p:cNvPr id="1" name=""/>
+        <p:cNvGrpSpPr/>
+        <p:nvPr/>
+      </p:nvGrpSpPr>
+      <p:grpSpPr>
+        <a:xfrm>
+          <a:off x="0" y="0"/>
+          <a:ext cx="0" cy="0"/>
+          <a:chOff x="0" y="0"/>
+          <a:chExt cx="0" cy="0"/>
+        </a:xfrm>
+      </p:grpSpPr>
+      <p:sp>
+        <p:nvSpPr>
+          <p:cNvPr id="2" name="Title 1">
+            <a:extLst>
+              <a:ext uri="{FF2B5EF4-FFF2-40B4-BE49-F238E27FC236}">
+                <a16:creationId xmlns:a16="http://schemas.microsoft.com/office/drawing/2014/main" id="{5567D468-EE70-CD4E-A3AC-039CC11EF1FB}"/>
+              </a:ext>
+            </a:extLst>
+          </p:cNvPr>
+          <p:cNvSpPr>
+            <a:spLocks noGrp="1"/>
+          </p:cNvSpPr>
+          <p:nvPr>
+            <p:ph type="title"/>
+          </p:nvPr>
+        </p:nvSpPr>
+        <p:spPr/>
+        <p:txBody>
+          <a:bodyPr/>
+          <a:lstStyle/>
+          <a:p>
+            <a:pPr lvl="0" marL="0" indent="0">
+              <a:buNone/>
+            </a:pPr>
+            <a:r>
+              <a:rPr/>
+              <a:t>Data</a:t>
+            </a:r>
+            <a:r>
+              <a:rPr/>
+              <a:t> </a:t>
+            </a:r>
+            <a:r>
+              <a:rPr/>
+              <a:t>types</a:t>
+            </a:r>
+          </a:p>
+        </p:txBody>
+      </p:sp>
+      <p:sp>
+        <p:nvSpPr>
+          <p:cNvPr id="3" name="Content Placeholder 2">
+            <a:extLst>
+              <a:ext uri="{FF2B5EF4-FFF2-40B4-BE49-F238E27FC236}">
+                <a16:creationId xmlns:a16="http://schemas.microsoft.com/office/drawing/2014/main" id="{D10DDA37-E46B-B641-BC9F-636CB92A2C08}"/>
+              </a:ext>
+            </a:extLst>
+          </p:cNvPr>
+          <p:cNvSpPr>
+            <a:spLocks noGrp="1"/>
+          </p:cNvSpPr>
+          <p:nvPr>
+            <p:ph idx="1"/>
+          </p:nvPr>
+        </p:nvSpPr>
+        <p:spPr/>
+        <p:txBody>
+          <a:bodyPr/>
+          <a:lstStyle/>
+          <a:p>
+            <a:pPr lvl="1"/>
+            <a:r>
+              <a:rPr/>
+              <a:t>Continuous</a:t>
+            </a:r>
+          </a:p>
+          <a:p>
+            <a:pPr lvl="1"/>
+            <a:r>
+              <a:rPr/>
+              <a:t>Discrete</a:t>
+            </a:r>
+          </a:p>
+          <a:p>
+            <a:pPr lvl="2"/>
+            <a:r>
+              <a:rPr/>
+              <a:t>Nominal</a:t>
+            </a:r>
+          </a:p>
+          <a:p>
+            <a:pPr lvl="2"/>
+            <a:r>
+              <a:rPr/>
+              <a:t>Ordinal</a:t>
+            </a:r>
+          </a:p>
+          <a:p>
+            <a:pPr lvl="2"/>
+            <a:r>
+              <a:rPr/>
+              <a:t>Interval</a:t>
+            </a:r>
+          </a:p>
+        </p:txBody>
+      </p:sp>
+    </p:spTree>
+  </p:cSld>
+</p:sld>
+</file>
+
+<file path=ppt/slides/slide8.xml><?xml version="1.0" encoding="utf-8"?>
 <p:sld xmlns:a="http://schemas.openxmlformats.org/drawingml/2006/main" xmlns:r="http://schemas.openxmlformats.org/officeDocument/2006/relationships" xmlns:p="http://schemas.openxmlformats.org/presentationml/2006/main">
   <p:cSld>
     <p:spTree>
@@ -12947,7 +13064,7 @@
 </p:sld>
 </file>
 
-<file path=ppt/slides/slide8.xml><?xml version="1.0" encoding="utf-8"?>
+<file path=ppt/slides/slide9.xml><?xml version="1.0" encoding="utf-8"?>
 <p:sld xmlns:a="http://schemas.openxmlformats.org/drawingml/2006/main" xmlns:r="http://schemas.openxmlformats.org/officeDocument/2006/relationships" xmlns:p="http://schemas.openxmlformats.org/presentationml/2006/main">
   <p:cSld>
     <p:spTree>
@@ -13057,126 +13174,6 @@
           </a:ln>
         </p:spPr>
       </p:pic>
-    </p:spTree>
-  </p:cSld>
-</p:sld>
-</file>
-
-<file path=ppt/slides/slide9.xml><?xml version="1.0" encoding="utf-8"?>
-<p:sld xmlns:a="http://schemas.openxmlformats.org/drawingml/2006/main" xmlns:r="http://schemas.openxmlformats.org/officeDocument/2006/relationships" xmlns:p="http://schemas.openxmlformats.org/presentationml/2006/main">
-  <p:cSld>
-    <p:spTree>
-      <p:nvGrpSpPr>
-        <p:cNvPr id="1" name=""/>
-        <p:cNvGrpSpPr/>
-        <p:nvPr/>
-      </p:nvGrpSpPr>
-      <p:grpSpPr>
-        <a:xfrm>
-          <a:off x="0" y="0"/>
-          <a:ext cx="0" cy="0"/>
-          <a:chOff x="0" y="0"/>
-          <a:chExt cx="0" cy="0"/>
-        </a:xfrm>
-      </p:grpSpPr>
-      <p:sp>
-        <p:nvSpPr>
-          <p:cNvPr id="2" name="Title 1">
-            <a:extLst>
-              <a:ext uri="{FF2B5EF4-FFF2-40B4-BE49-F238E27FC236}">
-                <a16:creationId xmlns:a16="http://schemas.microsoft.com/office/drawing/2014/main" id="{5567D468-EE70-CD4E-A3AC-039CC11EF1FB}"/>
-              </a:ext>
-            </a:extLst>
-          </p:cNvPr>
-          <p:cNvSpPr>
-            <a:spLocks noGrp="1"/>
-          </p:cNvSpPr>
-          <p:nvPr>
-            <p:ph type="title"/>
-          </p:nvPr>
-        </p:nvSpPr>
-        <p:spPr/>
-        <p:txBody>
-          <a:bodyPr/>
-          <a:lstStyle/>
-          <a:p>
-            <a:pPr lvl="0" marL="0" indent="0">
-              <a:buNone/>
-            </a:pPr>
-            <a:r>
-              <a:rPr/>
-              <a:t>Types</a:t>
-            </a:r>
-            <a:r>
-              <a:rPr/>
-              <a:t> </a:t>
-            </a:r>
-            <a:r>
-              <a:rPr/>
-              <a:t>of</a:t>
-            </a:r>
-            <a:r>
-              <a:rPr/>
-              <a:t> </a:t>
-            </a:r>
-            <a:r>
-              <a:rPr/>
-              <a:t>discrete</a:t>
-            </a:r>
-            <a:r>
-              <a:rPr/>
-              <a:t> </a:t>
-            </a:r>
-            <a:r>
-              <a:rPr/>
-              <a:t>variables</a:t>
-            </a:r>
-          </a:p>
-        </p:txBody>
-      </p:sp>
-      <p:sp>
-        <p:nvSpPr>
-          <p:cNvPr id="3" name="Content Placeholder 2">
-            <a:extLst>
-              <a:ext uri="{FF2B5EF4-FFF2-40B4-BE49-F238E27FC236}">
-                <a16:creationId xmlns:a16="http://schemas.microsoft.com/office/drawing/2014/main" id="{D10DDA37-E46B-B641-BC9F-636CB92A2C08}"/>
-              </a:ext>
-            </a:extLst>
-          </p:cNvPr>
-          <p:cNvSpPr>
-            <a:spLocks noGrp="1"/>
-          </p:cNvSpPr>
-          <p:nvPr>
-            <p:ph idx="1"/>
-          </p:nvPr>
-        </p:nvSpPr>
-        <p:spPr/>
-        <p:txBody>
-          <a:bodyPr/>
-          <a:lstStyle/>
-          <a:p>
-            <a:pPr lvl="1"/>
-            <a:r>
-              <a:rPr/>
-              <a:t>Nominal</a:t>
-            </a:r>
-          </a:p>
-          <a:p>
-            <a:pPr lvl="2"/>
-            <a:r>
-              <a:rPr/>
-              <a:t>e.g. hair colour, types of antibiotics</a:t>
-            </a:r>
-          </a:p>
-          <a:p>
-            <a:pPr lvl="2"/>
-            <a:r>
-              <a:rPr/>
-              <a:t>There is no order between the data types (e.g. blonde, brunette, red hair)</a:t>
-            </a:r>
-          </a:p>
-        </p:txBody>
-      </p:sp>
     </p:spTree>
   </p:cSld>
 </p:sld>
